--- a/Robotics 2019 final proposal.pptx
+++ b/Robotics 2019 final proposal.pptx
@@ -6500,7 +6500,7 @@
             </a:r>
             <a:r>
               <a:rPr lang="zh-TW"/>
-              <a:t> find the target and furthermore, or even have a thorough understanding of CS-building.</a:t>
+              <a:t> find the target and furthermore, have a thorough understanding of CS-building.</a:t>
             </a:r>
             <a:endParaRPr/>
           </a:p>
@@ -7235,7 +7235,7 @@
             <a:tbl>
               <a:tblPr>
                 <a:noFill/>
-                <a:tableStyleId>{DDC9F550-3359-48C5-9CED-CC5173019ED8}</a:tableStyleId>
+                <a:tableStyleId>{4AA0D2C5-6F91-4971-9D81-05A8126BC632}</a:tableStyleId>
               </a:tblPr>
               <a:tblGrid>
                 <a:gridCol w="1809850"/>

--- a/Robotics 2019 final proposal.pptx
+++ b/Robotics 2019 final proposal.pptx
@@ -14,6 +14,7 @@
     <p:sldId id="259" r:id="rId10"/>
     <p:sldId id="260" r:id="rId11"/>
     <p:sldId id="261" r:id="rId12"/>
+    <p:sldId id="262" r:id="rId13"/>
   </p:sldIdLst>
   <p:sldSz cy="5143500" cx="9144000"/>
   <p:notesSz cx="6858000" cy="9144000"/>
@@ -776,7 +777,8 @@
               <a:buNone/>
             </a:pPr>
             <a:r>
-              <a:t/>
+              <a:rPr lang="zh-TW"/>
+              <a:t>We’re team 4, and people here are the team members.</a:t>
             </a:r>
             <a:endParaRPr/>
           </a:p>
@@ -864,6 +866,70 @@
             <a:noAutofit/>
           </a:bodyPr>
           <a:lstStyle/>
+          <a:p>
+            <a:pPr indent="0" lvl="0" marL="0" rtl="0" algn="l">
+              <a:spcBef>
+                <a:spcPts val="0"/>
+              </a:spcBef>
+              <a:spcAft>
+                <a:spcPts val="0"/>
+              </a:spcAft>
+              <a:buNone/>
+            </a:pPr>
+            <a:r>
+              <a:rPr lang="zh-TW"/>
+              <a:t>We’re going to build an application to help people find the target location they want to go.</a:t>
+            </a:r>
+            <a:endParaRPr/>
+          </a:p>
+          <a:p>
+            <a:pPr indent="0" lvl="0" marL="0" rtl="0" algn="l">
+              <a:spcBef>
+                <a:spcPts val="0"/>
+              </a:spcBef>
+              <a:spcAft>
+                <a:spcPts val="0"/>
+              </a:spcAft>
+              <a:buNone/>
+            </a:pPr>
+            <a:r>
+              <a:rPr lang="zh-TW"/>
+              <a:t>For example, guide people through the CS-building. And we hope the pioneer also works in other environment.</a:t>
+            </a:r>
+            <a:endParaRPr/>
+          </a:p>
+          <a:p>
+            <a:pPr indent="0" lvl="0" marL="0" rtl="0" algn="l">
+              <a:spcBef>
+                <a:spcPts val="0"/>
+              </a:spcBef>
+              <a:spcAft>
+                <a:spcPts val="0"/>
+              </a:spcAft>
+              <a:buNone/>
+            </a:pPr>
+            <a:r>
+              <a:rPr lang="zh-TW"/>
+              <a:t>Furthermore, we want the robot to proactively help people when they are in needs, maybe by identifying the person’s current conditions.</a:t>
+            </a:r>
+            <a:endParaRPr/>
+          </a:p>
+          <a:p>
+            <a:pPr indent="0" lvl="0" marL="0" rtl="0" algn="l">
+              <a:spcBef>
+                <a:spcPts val="0"/>
+              </a:spcBef>
+              <a:spcAft>
+                <a:spcPts val="0"/>
+              </a:spcAft>
+              <a:buNone/>
+            </a:pPr>
+            <a:r>
+              <a:rPr lang="zh-TW"/>
+              <a:t>And we call it CSIE-Retriver.</a:t>
+            </a:r>
+            <a:endParaRPr/>
+          </a:p>
           <a:p>
             <a:pPr indent="0" lvl="0" marL="0" rtl="0" algn="l">
               <a:spcBef>
@@ -974,7 +1040,8 @@
               <a:buNone/>
             </a:pPr>
             <a:r>
-              <a:t/>
+              <a:rPr lang="zh-TW"/>
+              <a:t>Because new people come to CS-building not knowing where the elevator is, and most of the time, students here are too busy to help them, so we can build such application to help those people.</a:t>
             </a:r>
             <a:endParaRPr/>
           </a:p>
@@ -1073,7 +1140,40 @@
               <a:buNone/>
             </a:pPr>
             <a:r>
-              <a:t/>
+              <a:rPr lang="zh-TW"/>
+              <a:t>The hardware here we plan to use are pioneer, some sensors, and cameras.</a:t>
+            </a:r>
+            <a:endParaRPr/>
+          </a:p>
+          <a:p>
+            <a:pPr indent="0" lvl="0" marL="0" rtl="0" algn="l">
+              <a:spcBef>
+                <a:spcPts val="0"/>
+              </a:spcBef>
+              <a:spcAft>
+                <a:spcPts val="0"/>
+              </a:spcAft>
+              <a:buNone/>
+            </a:pPr>
+            <a:r>
+              <a:rPr lang="zh-TW"/>
+              <a:t>And the software are maybe ROS platform, using ROS, we can have lots of libraries to use, including aria, p2os, slam.</a:t>
+            </a:r>
+            <a:endParaRPr/>
+          </a:p>
+          <a:p>
+            <a:pPr indent="0" lvl="0" marL="0" rtl="0" algn="l">
+              <a:spcBef>
+                <a:spcPts val="0"/>
+              </a:spcBef>
+              <a:spcAft>
+                <a:spcPts val="0"/>
+              </a:spcAft>
+              <a:buNone/>
+            </a:pPr>
+            <a:r>
+              <a:rPr lang="zh-TW"/>
+              <a:t>And we will also use Gazebo to construct the map to simulate the pioneer in virtual environment.</a:t>
             </a:r>
             <a:endParaRPr/>
           </a:p>
@@ -1173,7 +1273,102 @@
             </a:pPr>
             <a:r>
               <a:rPr lang="zh-TW"/>
-              <a:t>Additional computer vision features: facing toward the person asking, according to the person’s condition (boy or girl, etc) (using computer vision), give out different solutions</a:t>
+              <a:t>And this is our schedule, we’ll spend two weeks setting up environment using Gazebo, spend 2 weeks reconstructing the map in that virtual environment, and spend one week on planning. During the time, we may book for pioneer, try it out and write some code on it.</a:t>
+            </a:r>
+            <a:endParaRPr/>
+          </a:p>
+          <a:p>
+            <a:pPr indent="0" lvl="0" marL="0" rtl="0" algn="l">
+              <a:spcBef>
+                <a:spcPts val="0"/>
+              </a:spcBef>
+              <a:spcAft>
+                <a:spcPts val="0"/>
+              </a:spcAft>
+              <a:buNone/>
+            </a:pPr>
+            <a:r>
+              <a:rPr lang="zh-TW"/>
+              <a:t>After the basic planning is finished, we want the pioneer to guide the people base on what the person ask, so we’ll also spend one week, maybe use some SR, NLP package and port those packages on the pioneer.</a:t>
+            </a:r>
+            <a:endParaRPr/>
+          </a:p>
+          <a:p>
+            <a:pPr indent="0" lvl="0" marL="0" rtl="0" algn="l">
+              <a:spcBef>
+                <a:spcPts val="0"/>
+              </a:spcBef>
+              <a:spcAft>
+                <a:spcPts val="0"/>
+              </a:spcAft>
+              <a:buNone/>
+            </a:pPr>
+            <a:r>
+              <a:rPr lang="zh-TW"/>
+              <a:t>And finally, we’ll refine our work and maybe add some additional features.</a:t>
+            </a:r>
+            <a:endParaRPr/>
+          </a:p>
+          <a:p>
+            <a:pPr indent="0" lvl="0" marL="0" rtl="0" algn="l">
+              <a:spcBef>
+                <a:spcPts val="0"/>
+              </a:spcBef>
+              <a:spcAft>
+                <a:spcPts val="0"/>
+              </a:spcAft>
+              <a:buNone/>
+            </a:pPr>
+            <a:r>
+              <a:rPr lang="zh-TW"/>
+              <a:t>Additional feature including some object detection, face recognition, some computer vision thingies;</a:t>
+            </a:r>
+            <a:endParaRPr/>
+          </a:p>
+          <a:p>
+            <a:pPr indent="0" lvl="0" marL="0" rtl="0" algn="l">
+              <a:spcBef>
+                <a:spcPts val="0"/>
+              </a:spcBef>
+              <a:spcAft>
+                <a:spcPts val="0"/>
+              </a:spcAft>
+              <a:buNone/>
+            </a:pPr>
+            <a:r>
+              <a:rPr lang="zh-TW"/>
+              <a:t>The schedule here maybe change in the future, but here is what we plan to do now.   </a:t>
+            </a:r>
+            <a:endParaRPr/>
+          </a:p>
+          <a:p>
+            <a:pPr indent="0" lvl="0" marL="0" rtl="0" algn="l">
+              <a:spcBef>
+                <a:spcPts val="0"/>
+              </a:spcBef>
+              <a:spcAft>
+                <a:spcPts val="0"/>
+              </a:spcAft>
+              <a:buNone/>
+            </a:pPr>
+            <a:r>
+              <a:t/>
+            </a:r>
+            <a:endParaRPr/>
+          </a:p>
+          <a:p>
+            <a:pPr indent="0" lvl="0" marL="0" rtl="0" algn="l">
+              <a:spcBef>
+                <a:spcPts val="0"/>
+              </a:spcBef>
+              <a:spcAft>
+                <a:spcPts val="0"/>
+              </a:spcAft>
+              <a:buNone/>
+            </a:pPr>
+            <a:r>
+              <a:rPr lang="zh-TW"/>
+              <a:t>(Additional features: facing toward the person asking, according to the person’s condition (boy or girl, etc) (using computer vision), give out different solutions)</a:t>
             </a:r>
             <a:endParaRPr/>
           </a:p>
@@ -1287,7 +1482,108 @@
               <a:buNone/>
             </a:pPr>
             <a:r>
-              <a:t/>
+              <a:rPr lang="zh-TW"/>
+              <a:t>How we distribute our work is that everyone does everything.</a:t>
+            </a:r>
+            <a:endParaRPr/>
+          </a:p>
+        </p:txBody>
+      </p:sp>
+    </p:spTree>
+  </p:cSld>
+  <p:clrMapOvr>
+    <a:masterClrMapping/>
+  </p:clrMapOvr>
+</p:notes>
+</file>
+
+<file path=ppt/notesSlides/notesSlide7.xml><?xml version="1.0" encoding="utf-8"?>
+<p:notes xmlns:a="http://schemas.openxmlformats.org/drawingml/2006/main" xmlns:r="http://schemas.openxmlformats.org/officeDocument/2006/relationships" xmlns:mc="http://schemas.openxmlformats.org/markup-compatibility/2006" xmlns:mv="urn:schemas-microsoft-com:mac:vml" xmlns:p="http://schemas.openxmlformats.org/presentationml/2006/main" xmlns:c="http://schemas.openxmlformats.org/drawingml/2006/chart" xmlns:dgm="http://schemas.openxmlformats.org/drawingml/2006/diagram" xmlns:o="urn:schemas-microsoft-com:office:office" xmlns:v="urn:schemas-microsoft-com:vml" xmlns:pvml="urn:schemas-microsoft-com:office:powerpoint" xmlns:com="http://schemas.openxmlformats.org/drawingml/2006/compatibility" xmlns:p14="http://schemas.microsoft.com/office/powerpoint/2010/main" xmlns:p15="http://schemas.microsoft.com/office/powerpoint/2012/main" showMasterPhAnim="0" showMasterSp="0">
+  <p:cSld>
+    <p:spTree>
+      <p:nvGrpSpPr>
+        <p:cNvPr id="95" name="Shape 95"/>
+        <p:cNvGrpSpPr/>
+        <p:nvPr/>
+      </p:nvGrpSpPr>
+      <p:grpSpPr>
+        <a:xfrm>
+          <a:off x="0" y="0"/>
+          <a:ext cx="0" cy="0"/>
+          <a:chOff x="0" y="0"/>
+          <a:chExt cx="0" cy="0"/>
+        </a:xfrm>
+      </p:grpSpPr>
+      <p:sp>
+        <p:nvSpPr>
+          <p:cNvPr id="96" name="Google Shape;96;g7563595ec2_0_0:notes"/>
+          <p:cNvSpPr/>
+          <p:nvPr>
+            <p:ph idx="2" type="sldImg"/>
+          </p:nvPr>
+        </p:nvSpPr>
+        <p:spPr>
+          <a:xfrm>
+            <a:off x="381300" y="685800"/>
+            <a:ext cx="6096000" cy="3429000"/>
+          </a:xfrm>
+          <a:custGeom>
+            <a:rect b="b" l="l" r="r" t="t"/>
+            <a:pathLst>
+              <a:path extrusionOk="0" h="120000" w="120000">
+                <a:moveTo>
+                  <a:pt x="0" y="0"/>
+                </a:moveTo>
+                <a:lnTo>
+                  <a:pt x="120000" y="0"/>
+                </a:lnTo>
+                <a:lnTo>
+                  <a:pt x="120000" y="120000"/>
+                </a:lnTo>
+                <a:lnTo>
+                  <a:pt x="0" y="120000"/>
+                </a:lnTo>
+                <a:close/>
+              </a:path>
+            </a:pathLst>
+          </a:custGeom>
+        </p:spPr>
+      </p:sp>
+      <p:sp>
+        <p:nvSpPr>
+          <p:cNvPr id="97" name="Google Shape;97;g7563595ec2_0_0:notes"/>
+          <p:cNvSpPr txBox="1"/>
+          <p:nvPr>
+            <p:ph idx="1" type="body"/>
+          </p:nvPr>
+        </p:nvSpPr>
+        <p:spPr>
+          <a:xfrm>
+            <a:off x="685800" y="4343400"/>
+            <a:ext cx="5486400" cy="4114800"/>
+          </a:xfrm>
+          <a:prstGeom prst="rect">
+            <a:avLst/>
+          </a:prstGeom>
+        </p:spPr>
+        <p:txBody>
+          <a:bodyPr anchorCtr="0" anchor="t" bIns="91425" lIns="91425" spcFirstLastPara="1" rIns="91425" wrap="square" tIns="91425">
+            <a:noAutofit/>
+          </a:bodyPr>
+          <a:lstStyle/>
+          <a:p>
+            <a:pPr indent="0" lvl="0" marL="0" rtl="0" algn="l">
+              <a:spcBef>
+                <a:spcPts val="0"/>
+              </a:spcBef>
+              <a:spcAft>
+                <a:spcPts val="0"/>
+              </a:spcAft>
+              <a:buNone/>
+            </a:pPr>
+            <a:r>
+              <a:rPr lang="zh-TW"/>
+              <a:t>That’s all thanks for listening</a:t>
             </a:r>
             <a:endParaRPr/>
           </a:p>
@@ -7235,7 +7531,7 @@
             <a:tbl>
               <a:tblPr>
                 <a:noFill/>
-                <a:tableStyleId>{4AA0D2C5-6F91-4971-9D81-05A8126BC632}</a:tableStyleId>
+                <a:tableStyleId>{57E8B487-9CFA-4BB4-9A92-B180B1C2885D}</a:tableStyleId>
               </a:tblPr>
               <a:tblGrid>
                 <a:gridCol w="1809850"/>
@@ -7377,7 +7673,7 @@
                       </a:pPr>
                       <a:r>
                         <a:rPr lang="zh-TW" sz="1800"/>
-                        <a:t>survey speech recognition and natural language understandings</a:t>
+                        <a:t>reconstruct the map in our environment (1)</a:t>
                       </a:r>
                       <a:endParaRPr sz="1800"/>
                     </a:p>
@@ -7424,8 +7720,12 @@
                         <a:buNone/>
                       </a:pPr>
                       <a:r>
-                        <a:rPr lang="zh-TW" sz="1800"/>
-                        <a:t>porting SR and NLP services on our pioneer</a:t>
+                        <a:rPr lang="zh-TW" sz="1800">
+                          <a:solidFill>
+                            <a:schemeClr val="dk1"/>
+                          </a:solidFill>
+                        </a:rPr>
+                        <a:t>reconstruct the map in our environment (2) </a:t>
                       </a:r>
                       <a:endParaRPr sz="1800"/>
                     </a:p>
@@ -7520,8 +7820,12 @@
                         <a:buNone/>
                       </a:pPr>
                       <a:r>
-                        <a:rPr lang="zh-TW" sz="1800"/>
-                        <a:t>refine our works</a:t>
+                        <a:rPr lang="zh-TW" sz="1800">
+                          <a:solidFill>
+                            <a:schemeClr val="dk1"/>
+                          </a:solidFill>
+                        </a:rPr>
+                        <a:t>porting SR and NLP services on our pioneer </a:t>
                       </a:r>
                       <a:endParaRPr sz="1800"/>
                     </a:p>
@@ -7565,11 +7869,20 @@
                         <a:spcAft>
                           <a:spcPts val="0"/>
                         </a:spcAft>
+                        <a:buClr>
+                          <a:schemeClr val="dk1"/>
+                        </a:buClr>
+                        <a:buSzPts val="1100"/>
+                        <a:buFont typeface="Arial"/>
                         <a:buNone/>
                       </a:pPr>
                       <a:r>
-                        <a:rPr lang="zh-TW" sz="1800"/>
-                        <a:t>add additional computer vision features (1)</a:t>
+                        <a:rPr lang="zh-TW" sz="1800">
+                          <a:solidFill>
+                            <a:schemeClr val="dk1"/>
+                          </a:solidFill>
+                        </a:rPr>
+                        <a:t>refine our works</a:t>
                       </a:r>
                       <a:endParaRPr sz="1800"/>
                     </a:p>
@@ -7617,7 +7930,7 @@
                       </a:pPr>
                       <a:r>
                         <a:rPr lang="zh-TW" sz="1800"/>
-                        <a:t>add additional computer vision features (2)</a:t>
+                        <a:t>add additional features</a:t>
                       </a:r>
                       <a:endParaRPr sz="1800"/>
                     </a:p>
@@ -7792,7 +8105,353 @@
 </p:sld>
 </file>
 
+<file path=ppt/slides/slide7.xml><?xml version="1.0" encoding="utf-8"?>
+<p:sld xmlns:a="http://schemas.openxmlformats.org/drawingml/2006/main" xmlns:r="http://schemas.openxmlformats.org/officeDocument/2006/relationships" xmlns:mc="http://schemas.openxmlformats.org/markup-compatibility/2006" xmlns:mv="urn:schemas-microsoft-com:mac:vml" xmlns:p="http://schemas.openxmlformats.org/presentationml/2006/main" xmlns:c="http://schemas.openxmlformats.org/drawingml/2006/chart" xmlns:dgm="http://schemas.openxmlformats.org/drawingml/2006/diagram" xmlns:o="urn:schemas-microsoft-com:office:office" xmlns:v="urn:schemas-microsoft-com:vml" xmlns:pvml="urn:schemas-microsoft-com:office:powerpoint" xmlns:com="http://schemas.openxmlformats.org/drawingml/2006/compatibility" xmlns:p14="http://schemas.microsoft.com/office/powerpoint/2010/main" xmlns:p15="http://schemas.microsoft.com/office/powerpoint/2012/main">
+  <p:cSld>
+    <p:spTree>
+      <p:nvGrpSpPr>
+        <p:cNvPr id="98" name="Shape 98"/>
+        <p:cNvGrpSpPr/>
+        <p:nvPr/>
+      </p:nvGrpSpPr>
+      <p:grpSpPr>
+        <a:xfrm>
+          <a:off x="0" y="0"/>
+          <a:ext cx="0" cy="0"/>
+          <a:chOff x="0" y="0"/>
+          <a:chExt cx="0" cy="0"/>
+        </a:xfrm>
+      </p:grpSpPr>
+      <p:sp>
+        <p:nvSpPr>
+          <p:cNvPr id="99" name="Google Shape;99;p19"/>
+          <p:cNvSpPr txBox="1"/>
+          <p:nvPr/>
+        </p:nvSpPr>
+        <p:spPr>
+          <a:xfrm>
+            <a:off x="2835000" y="1863000"/>
+            <a:ext cx="3442500" cy="1728000"/>
+          </a:xfrm>
+          <a:prstGeom prst="rect">
+            <a:avLst/>
+          </a:prstGeom>
+          <a:noFill/>
+          <a:ln>
+            <a:noFill/>
+          </a:ln>
+        </p:spPr>
+        <p:txBody>
+          <a:bodyPr anchorCtr="0" anchor="t" bIns="91425" lIns="91425" spcFirstLastPara="1" rIns="91425" wrap="square" tIns="91425">
+            <a:noAutofit/>
+          </a:bodyPr>
+          <a:lstStyle/>
+          <a:p>
+            <a:pPr indent="0" lvl="0" marL="0" rtl="0" algn="ctr">
+              <a:spcBef>
+                <a:spcPts val="0"/>
+              </a:spcBef>
+              <a:spcAft>
+                <a:spcPts val="0"/>
+              </a:spcAft>
+              <a:buNone/>
+            </a:pPr>
+            <a:r>
+              <a:rPr lang="zh-TW" sz="7200"/>
+              <a:t>Thanks </a:t>
+            </a:r>
+            <a:endParaRPr sz="7200"/>
+          </a:p>
+        </p:txBody>
+      </p:sp>
+    </p:spTree>
+  </p:cSld>
+  <p:clrMapOvr>
+    <a:masterClrMapping/>
+  </p:clrMapOvr>
+</p:sld>
+</file>
+
 <file path=ppt/theme/theme1.xml><?xml version="1.0" encoding="utf-8"?>
+<a:theme xmlns:a="http://schemas.openxmlformats.org/drawingml/2006/main" xmlns:r="http://schemas.openxmlformats.org/officeDocument/2006/relationships" name="Simple Light">
+  <a:themeElements>
+    <a:clrScheme name="Simple Light">
+      <a:dk1>
+        <a:srgbClr val="000000"/>
+      </a:dk1>
+      <a:lt1>
+        <a:srgbClr val="FFFFFF"/>
+      </a:lt1>
+      <a:dk2>
+        <a:srgbClr val="595959"/>
+      </a:dk2>
+      <a:lt2>
+        <a:srgbClr val="EEEEEE"/>
+      </a:lt2>
+      <a:accent1>
+        <a:srgbClr val="FFAB40"/>
+      </a:accent1>
+      <a:accent2>
+        <a:srgbClr val="212121"/>
+      </a:accent2>
+      <a:accent3>
+        <a:srgbClr val="78909C"/>
+      </a:accent3>
+      <a:accent4>
+        <a:srgbClr val="FFAB40"/>
+      </a:accent4>
+      <a:accent5>
+        <a:srgbClr val="0097A7"/>
+      </a:accent5>
+      <a:accent6>
+        <a:srgbClr val="EEFF41"/>
+      </a:accent6>
+      <a:hlink>
+        <a:srgbClr val="0097A7"/>
+      </a:hlink>
+      <a:folHlink>
+        <a:srgbClr val="0097A7"/>
+      </a:folHlink>
+    </a:clrScheme>
+    <a:fontScheme name="Office">
+      <a:majorFont>
+        <a:latin typeface="Arial"/>
+        <a:ea typeface=""/>
+        <a:cs typeface=""/>
+        <a:font script="Jpan" typeface="ＭＳ Ｐゴシック"/>
+        <a:font script="Hang" typeface="맑은 고딕"/>
+        <a:font script="Hans" typeface="宋体"/>
+        <a:font script="Hant" typeface="新細明體"/>
+        <a:font script="Arab" typeface="Times New Roman"/>
+        <a:font script="Hebr" typeface="Times New Roman"/>
+        <a:font script="Thai" typeface="Angsana New"/>
+        <a:font script="Ethi" typeface="Nyala"/>
+        <a:font script="Beng" typeface="Vrinda"/>
+        <a:font script="Gujr" typeface="Shruti"/>
+        <a:font script="Khmr" typeface="MoolBoran"/>
+        <a:font script="Knda" typeface="Tunga"/>
+        <a:font script="Guru" typeface="Raavi"/>
+        <a:font script="Cans" typeface="Euphemia"/>
+        <a:font script="Cher" typeface="Plantagenet Cherokee"/>
+        <a:font script="Yiii" typeface="Microsoft Yi Baiti"/>
+        <a:font script="Tibt" typeface="Microsoft Himalaya"/>
+        <a:font script="Thaa" typeface="MV Boli"/>
+        <a:font script="Deva" typeface="Mangal"/>
+        <a:font script="Telu" typeface="Gautami"/>
+        <a:font script="Taml" typeface="Latha"/>
+        <a:font script="Syrc" typeface="Estrangelo Edessa"/>
+        <a:font script="Orya" typeface="Kalinga"/>
+        <a:font script="Mlym" typeface="Kartika"/>
+        <a:font script="Laoo" typeface="DokChampa"/>
+        <a:font script="Sinh" typeface="Iskoola Pota"/>
+        <a:font script="Mong" typeface="Mongolian Baiti"/>
+        <a:font script="Viet" typeface="Times New Roman"/>
+        <a:font script="Uigh" typeface="Microsoft Uighur"/>
+        <a:font script="Geor" typeface="Sylfaen"/>
+      </a:majorFont>
+      <a:minorFont>
+        <a:latin typeface="Arial"/>
+        <a:ea typeface=""/>
+        <a:cs typeface=""/>
+        <a:font script="Jpan" typeface="ＭＳ Ｐゴシック"/>
+        <a:font script="Hang" typeface="맑은 고딕"/>
+        <a:font script="Hans" typeface="宋体"/>
+        <a:font script="Hant" typeface="新細明體"/>
+        <a:font script="Arab" typeface="Arial"/>
+        <a:font script="Hebr" typeface="Arial"/>
+        <a:font script="Thai" typeface="Cordia New"/>
+        <a:font script="Ethi" typeface="Nyala"/>
+        <a:font script="Beng" typeface="Vrinda"/>
+        <a:font script="Gujr" typeface="Shruti"/>
+        <a:font script="Khmr" typeface="DaunPenh"/>
+        <a:font script="Knda" typeface="Tunga"/>
+        <a:font script="Guru" typeface="Raavi"/>
+        <a:font script="Cans" typeface="Euphemia"/>
+        <a:font script="Cher" typeface="Plantagenet Cherokee"/>
+        <a:font script="Yiii" typeface="Microsoft Yi Baiti"/>
+        <a:font script="Tibt" typeface="Microsoft Himalaya"/>
+        <a:font script="Thaa" typeface="MV Boli"/>
+        <a:font script="Deva" typeface="Mangal"/>
+        <a:font script="Telu" typeface="Gautami"/>
+        <a:font script="Taml" typeface="Latha"/>
+        <a:font script="Syrc" typeface="Estrangelo Edessa"/>
+        <a:font script="Orya" typeface="Kalinga"/>
+        <a:font script="Mlym" typeface="Kartika"/>
+        <a:font script="Laoo" typeface="DokChampa"/>
+        <a:font script="Sinh" typeface="Iskoola Pota"/>
+        <a:font script="Mong" typeface="Mongolian Baiti"/>
+        <a:font script="Viet" typeface="Arial"/>
+        <a:font script="Uigh" typeface="Microsoft Uighur"/>
+        <a:font script="Geor" typeface="Sylfaen"/>
+      </a:minorFont>
+    </a:fontScheme>
+    <a:fmtScheme name="Office">
+      <a:fillStyleLst>
+        <a:solidFill>
+          <a:schemeClr val="phClr"/>
+        </a:solidFill>
+        <a:gradFill rotWithShape="1">
+          <a:gsLst>
+            <a:gs pos="0">
+              <a:schemeClr val="phClr">
+                <a:tint val="50000"/>
+                <a:satMod val="300000"/>
+              </a:schemeClr>
+            </a:gs>
+            <a:gs pos="35000">
+              <a:schemeClr val="phClr">
+                <a:tint val="37000"/>
+                <a:satMod val="300000"/>
+              </a:schemeClr>
+            </a:gs>
+            <a:gs pos="100000">
+              <a:schemeClr val="phClr">
+                <a:tint val="15000"/>
+                <a:satMod val="350000"/>
+              </a:schemeClr>
+            </a:gs>
+          </a:gsLst>
+          <a:lin ang="16200000" scaled="1"/>
+        </a:gradFill>
+        <a:gradFill rotWithShape="1">
+          <a:gsLst>
+            <a:gs pos="0">
+              <a:schemeClr val="phClr">
+                <a:tint val="100000"/>
+                <a:shade val="100000"/>
+                <a:satMod val="130000"/>
+              </a:schemeClr>
+            </a:gs>
+            <a:gs pos="100000">
+              <a:schemeClr val="phClr">
+                <a:tint val="50000"/>
+                <a:shade val="100000"/>
+                <a:satMod val="350000"/>
+              </a:schemeClr>
+            </a:gs>
+          </a:gsLst>
+          <a:lin ang="16200000" scaled="0"/>
+        </a:gradFill>
+      </a:fillStyleLst>
+      <a:lnStyleLst>
+        <a:ln w="9525" cap="flat" cmpd="sng" algn="ctr">
+          <a:solidFill>
+            <a:schemeClr val="phClr">
+              <a:shade val="95000"/>
+              <a:satMod val="105000"/>
+            </a:schemeClr>
+          </a:solidFill>
+          <a:prstDash val="solid"/>
+        </a:ln>
+        <a:ln w="25400" cap="flat" cmpd="sng" algn="ctr">
+          <a:solidFill>
+            <a:schemeClr val="phClr"/>
+          </a:solidFill>
+          <a:prstDash val="solid"/>
+        </a:ln>
+        <a:ln w="38100" cap="flat" cmpd="sng" algn="ctr">
+          <a:solidFill>
+            <a:schemeClr val="phClr"/>
+          </a:solidFill>
+          <a:prstDash val="solid"/>
+        </a:ln>
+      </a:lnStyleLst>
+      <a:effectStyleLst>
+        <a:effectStyle>
+          <a:effectLst>
+            <a:outerShdw blurRad="40000" dist="20000" dir="5400000" rotWithShape="0">
+              <a:srgbClr val="000000">
+                <a:alpha val="38000"/>
+              </a:srgbClr>
+            </a:outerShdw>
+          </a:effectLst>
+        </a:effectStyle>
+        <a:effectStyle>
+          <a:effectLst>
+            <a:outerShdw blurRad="40000" dist="23000" dir="5400000" rotWithShape="0">
+              <a:srgbClr val="000000">
+                <a:alpha val="35000"/>
+              </a:srgbClr>
+            </a:outerShdw>
+          </a:effectLst>
+        </a:effectStyle>
+        <a:effectStyle>
+          <a:effectLst>
+            <a:outerShdw blurRad="40000" dist="23000" dir="5400000" rotWithShape="0">
+              <a:srgbClr val="000000">
+                <a:alpha val="35000"/>
+              </a:srgbClr>
+            </a:outerShdw>
+          </a:effectLst>
+          <a:scene3d>
+            <a:camera prst="orthographicFront">
+              <a:rot lat="0" lon="0" rev="0"/>
+            </a:camera>
+            <a:lightRig rig="threePt" dir="t">
+              <a:rot lat="0" lon="0" rev="1200000"/>
+            </a:lightRig>
+          </a:scene3d>
+          <a:sp3d>
+            <a:bevelT w="63500" h="25400"/>
+          </a:sp3d>
+        </a:effectStyle>
+      </a:effectStyleLst>
+      <a:bgFillStyleLst>
+        <a:solidFill>
+          <a:schemeClr val="phClr"/>
+        </a:solidFill>
+        <a:gradFill rotWithShape="1">
+          <a:gsLst>
+            <a:gs pos="0">
+              <a:schemeClr val="phClr">
+                <a:tint val="40000"/>
+                <a:satMod val="350000"/>
+              </a:schemeClr>
+            </a:gs>
+            <a:gs pos="40000">
+              <a:schemeClr val="phClr">
+                <a:tint val="45000"/>
+                <a:shade val="99000"/>
+                <a:satMod val="350000"/>
+              </a:schemeClr>
+            </a:gs>
+            <a:gs pos="100000">
+              <a:schemeClr val="phClr">
+                <a:shade val="20000"/>
+                <a:satMod val="255000"/>
+              </a:schemeClr>
+            </a:gs>
+          </a:gsLst>
+          <a:path path="circle">
+            <a:fillToRect l="50000" t="-80000" r="50000" b="180000"/>
+          </a:path>
+        </a:gradFill>
+        <a:gradFill rotWithShape="1">
+          <a:gsLst>
+            <a:gs pos="0">
+              <a:schemeClr val="phClr">
+                <a:tint val="80000"/>
+                <a:satMod val="300000"/>
+              </a:schemeClr>
+            </a:gs>
+            <a:gs pos="100000">
+              <a:schemeClr val="phClr">
+                <a:shade val="30000"/>
+                <a:satMod val="200000"/>
+              </a:schemeClr>
+            </a:gs>
+          </a:gsLst>
+          <a:path path="circle">
+            <a:fillToRect l="50000" t="50000" r="50000" b="50000"/>
+          </a:path>
+        </a:gradFill>
+      </a:bgFillStyleLst>
+    </a:fmtScheme>
+  </a:themeElements>
+</a:theme>
+</file>
+
+<file path=ppt/theme/theme2.xml><?xml version="1.0" encoding="utf-8"?>
 <a:theme xmlns:a="http://schemas.openxmlformats.org/drawingml/2006/main" xmlns:r="http://schemas.openxmlformats.org/officeDocument/2006/relationships">
   <a:themeElements>
     <a:clrScheme name="Default">
@@ -8069,283 +8728,4 @@
     </a:fmtScheme>
   </a:themeElements>
 </a:theme>
-</file>
-
-<file path=ppt/theme/theme2.xml><?xml version="1.0" encoding="utf-8"?>
-<a:theme xmlns:a="http://schemas.openxmlformats.org/drawingml/2006/main" xmlns:r="http://schemas.openxmlformats.org/officeDocument/2006/relationships" name="Simple Light">
-  <a:themeElements>
-    <a:clrScheme name="Simple Light">
-      <a:dk1>
-        <a:srgbClr val="000000"/>
-      </a:dk1>
-      <a:lt1>
-        <a:srgbClr val="FFFFFF"/>
-      </a:lt1>
-      <a:dk2>
-        <a:srgbClr val="595959"/>
-      </a:dk2>
-      <a:lt2>
-        <a:srgbClr val="EEEEEE"/>
-      </a:lt2>
-      <a:accent1>
-        <a:srgbClr val="FFAB40"/>
-      </a:accent1>
-      <a:accent2>
-        <a:srgbClr val="212121"/>
-      </a:accent2>
-      <a:accent3>
-        <a:srgbClr val="78909C"/>
-      </a:accent3>
-      <a:accent4>
-        <a:srgbClr val="FFAB40"/>
-      </a:accent4>
-      <a:accent5>
-        <a:srgbClr val="0097A7"/>
-      </a:accent5>
-      <a:accent6>
-        <a:srgbClr val="EEFF41"/>
-      </a:accent6>
-      <a:hlink>
-        <a:srgbClr val="0097A7"/>
-      </a:hlink>
-      <a:folHlink>
-        <a:srgbClr val="0097A7"/>
-      </a:folHlink>
-    </a:clrScheme>
-    <a:fontScheme name="Office">
-      <a:majorFont>
-        <a:latin typeface="Arial"/>
-        <a:ea typeface=""/>
-        <a:cs typeface=""/>
-        <a:font script="Jpan" typeface="ＭＳ Ｐゴシック"/>
-        <a:font script="Hang" typeface="맑은 고딕"/>
-        <a:font script="Hans" typeface="宋体"/>
-        <a:font script="Hant" typeface="新細明體"/>
-        <a:font script="Arab" typeface="Times New Roman"/>
-        <a:font script="Hebr" typeface="Times New Roman"/>
-        <a:font script="Thai" typeface="Angsana New"/>
-        <a:font script="Ethi" typeface="Nyala"/>
-        <a:font script="Beng" typeface="Vrinda"/>
-        <a:font script="Gujr" typeface="Shruti"/>
-        <a:font script="Khmr" typeface="MoolBoran"/>
-        <a:font script="Knda" typeface="Tunga"/>
-        <a:font script="Guru" typeface="Raavi"/>
-        <a:font script="Cans" typeface="Euphemia"/>
-        <a:font script="Cher" typeface="Plantagenet Cherokee"/>
-        <a:font script="Yiii" typeface="Microsoft Yi Baiti"/>
-        <a:font script="Tibt" typeface="Microsoft Himalaya"/>
-        <a:font script="Thaa" typeface="MV Boli"/>
-        <a:font script="Deva" typeface="Mangal"/>
-        <a:font script="Telu" typeface="Gautami"/>
-        <a:font script="Taml" typeface="Latha"/>
-        <a:font script="Syrc" typeface="Estrangelo Edessa"/>
-        <a:font script="Orya" typeface="Kalinga"/>
-        <a:font script="Mlym" typeface="Kartika"/>
-        <a:font script="Laoo" typeface="DokChampa"/>
-        <a:font script="Sinh" typeface="Iskoola Pota"/>
-        <a:font script="Mong" typeface="Mongolian Baiti"/>
-        <a:font script="Viet" typeface="Times New Roman"/>
-        <a:font script="Uigh" typeface="Microsoft Uighur"/>
-        <a:font script="Geor" typeface="Sylfaen"/>
-      </a:majorFont>
-      <a:minorFont>
-        <a:latin typeface="Arial"/>
-        <a:ea typeface=""/>
-        <a:cs typeface=""/>
-        <a:font script="Jpan" typeface="ＭＳ Ｐゴシック"/>
-        <a:font script="Hang" typeface="맑은 고딕"/>
-        <a:font script="Hans" typeface="宋体"/>
-        <a:font script="Hant" typeface="新細明體"/>
-        <a:font script="Arab" typeface="Arial"/>
-        <a:font script="Hebr" typeface="Arial"/>
-        <a:font script="Thai" typeface="Cordia New"/>
-        <a:font script="Ethi" typeface="Nyala"/>
-        <a:font script="Beng" typeface="Vrinda"/>
-        <a:font script="Gujr" typeface="Shruti"/>
-        <a:font script="Khmr" typeface="DaunPenh"/>
-        <a:font script="Knda" typeface="Tunga"/>
-        <a:font script="Guru" typeface="Raavi"/>
-        <a:font script="Cans" typeface="Euphemia"/>
-        <a:font script="Cher" typeface="Plantagenet Cherokee"/>
-        <a:font script="Yiii" typeface="Microsoft Yi Baiti"/>
-        <a:font script="Tibt" typeface="Microsoft Himalaya"/>
-        <a:font script="Thaa" typeface="MV Boli"/>
-        <a:font script="Deva" typeface="Mangal"/>
-        <a:font script="Telu" typeface="Gautami"/>
-        <a:font script="Taml" typeface="Latha"/>
-        <a:font script="Syrc" typeface="Estrangelo Edessa"/>
-        <a:font script="Orya" typeface="Kalinga"/>
-        <a:font script="Mlym" typeface="Kartika"/>
-        <a:font script="Laoo" typeface="DokChampa"/>
-        <a:font script="Sinh" typeface="Iskoola Pota"/>
-        <a:font script="Mong" typeface="Mongolian Baiti"/>
-        <a:font script="Viet" typeface="Arial"/>
-        <a:font script="Uigh" typeface="Microsoft Uighur"/>
-        <a:font script="Geor" typeface="Sylfaen"/>
-      </a:minorFont>
-    </a:fontScheme>
-    <a:fmtScheme name="Office">
-      <a:fillStyleLst>
-        <a:solidFill>
-          <a:schemeClr val="phClr"/>
-        </a:solidFill>
-        <a:gradFill rotWithShape="1">
-          <a:gsLst>
-            <a:gs pos="0">
-              <a:schemeClr val="phClr">
-                <a:tint val="50000"/>
-                <a:satMod val="300000"/>
-              </a:schemeClr>
-            </a:gs>
-            <a:gs pos="35000">
-              <a:schemeClr val="phClr">
-                <a:tint val="37000"/>
-                <a:satMod val="300000"/>
-              </a:schemeClr>
-            </a:gs>
-            <a:gs pos="100000">
-              <a:schemeClr val="phClr">
-                <a:tint val="15000"/>
-                <a:satMod val="350000"/>
-              </a:schemeClr>
-            </a:gs>
-          </a:gsLst>
-          <a:lin ang="16200000" scaled="1"/>
-        </a:gradFill>
-        <a:gradFill rotWithShape="1">
-          <a:gsLst>
-            <a:gs pos="0">
-              <a:schemeClr val="phClr">
-                <a:tint val="100000"/>
-                <a:shade val="100000"/>
-                <a:satMod val="130000"/>
-              </a:schemeClr>
-            </a:gs>
-            <a:gs pos="100000">
-              <a:schemeClr val="phClr">
-                <a:tint val="50000"/>
-                <a:shade val="100000"/>
-                <a:satMod val="350000"/>
-              </a:schemeClr>
-            </a:gs>
-          </a:gsLst>
-          <a:lin ang="16200000" scaled="0"/>
-        </a:gradFill>
-      </a:fillStyleLst>
-      <a:lnStyleLst>
-        <a:ln w="9525" cap="flat" cmpd="sng" algn="ctr">
-          <a:solidFill>
-            <a:schemeClr val="phClr">
-              <a:shade val="95000"/>
-              <a:satMod val="105000"/>
-            </a:schemeClr>
-          </a:solidFill>
-          <a:prstDash val="solid"/>
-        </a:ln>
-        <a:ln w="25400" cap="flat" cmpd="sng" algn="ctr">
-          <a:solidFill>
-            <a:schemeClr val="phClr"/>
-          </a:solidFill>
-          <a:prstDash val="solid"/>
-        </a:ln>
-        <a:ln w="38100" cap="flat" cmpd="sng" algn="ctr">
-          <a:solidFill>
-            <a:schemeClr val="phClr"/>
-          </a:solidFill>
-          <a:prstDash val="solid"/>
-        </a:ln>
-      </a:lnStyleLst>
-      <a:effectStyleLst>
-        <a:effectStyle>
-          <a:effectLst>
-            <a:outerShdw blurRad="40000" dist="20000" dir="5400000" rotWithShape="0">
-              <a:srgbClr val="000000">
-                <a:alpha val="38000"/>
-              </a:srgbClr>
-            </a:outerShdw>
-          </a:effectLst>
-        </a:effectStyle>
-        <a:effectStyle>
-          <a:effectLst>
-            <a:outerShdw blurRad="40000" dist="23000" dir="5400000" rotWithShape="0">
-              <a:srgbClr val="000000">
-                <a:alpha val="35000"/>
-              </a:srgbClr>
-            </a:outerShdw>
-          </a:effectLst>
-        </a:effectStyle>
-        <a:effectStyle>
-          <a:effectLst>
-            <a:outerShdw blurRad="40000" dist="23000" dir="5400000" rotWithShape="0">
-              <a:srgbClr val="000000">
-                <a:alpha val="35000"/>
-              </a:srgbClr>
-            </a:outerShdw>
-          </a:effectLst>
-          <a:scene3d>
-            <a:camera prst="orthographicFront">
-              <a:rot lat="0" lon="0" rev="0"/>
-            </a:camera>
-            <a:lightRig rig="threePt" dir="t">
-              <a:rot lat="0" lon="0" rev="1200000"/>
-            </a:lightRig>
-          </a:scene3d>
-          <a:sp3d>
-            <a:bevelT w="63500" h="25400"/>
-          </a:sp3d>
-        </a:effectStyle>
-      </a:effectStyleLst>
-      <a:bgFillStyleLst>
-        <a:solidFill>
-          <a:schemeClr val="phClr"/>
-        </a:solidFill>
-        <a:gradFill rotWithShape="1">
-          <a:gsLst>
-            <a:gs pos="0">
-              <a:schemeClr val="phClr">
-                <a:tint val="40000"/>
-                <a:satMod val="350000"/>
-              </a:schemeClr>
-            </a:gs>
-            <a:gs pos="40000">
-              <a:schemeClr val="phClr">
-                <a:tint val="45000"/>
-                <a:shade val="99000"/>
-                <a:satMod val="350000"/>
-              </a:schemeClr>
-            </a:gs>
-            <a:gs pos="100000">
-              <a:schemeClr val="phClr">
-                <a:shade val="20000"/>
-                <a:satMod val="255000"/>
-              </a:schemeClr>
-            </a:gs>
-          </a:gsLst>
-          <a:path path="circle">
-            <a:fillToRect l="50000" t="-80000" r="50000" b="180000"/>
-          </a:path>
-        </a:gradFill>
-        <a:gradFill rotWithShape="1">
-          <a:gsLst>
-            <a:gs pos="0">
-              <a:schemeClr val="phClr">
-                <a:tint val="80000"/>
-                <a:satMod val="300000"/>
-              </a:schemeClr>
-            </a:gs>
-            <a:gs pos="100000">
-              <a:schemeClr val="phClr">
-                <a:shade val="30000"/>
-                <a:satMod val="200000"/>
-              </a:schemeClr>
-            </a:gs>
-          </a:gsLst>
-          <a:path path="circle">
-            <a:fillToRect l="50000" t="50000" r="50000" b="50000"/>
-          </a:path>
-        </a:gradFill>
-      </a:bgFillStyleLst>
-    </a:fmtScheme>
-  </a:themeElements>
-</a:theme>
 </file>
--- a/Robotics 2019 final proposal.pptx
+++ b/Robotics 2019 final proposal.pptx
@@ -1,25 +1,26 @@
 
 <file path=ppt/presentation.xml><?xml version="1.0" encoding="utf-8"?>
-<p:presentation xmlns:a="http://schemas.openxmlformats.org/drawingml/2006/main" xmlns:r="http://schemas.openxmlformats.org/officeDocument/2006/relationships" xmlns:mc="http://schemas.openxmlformats.org/markup-compatibility/2006" xmlns:mv="urn:schemas-microsoft-com:mac:vml" xmlns:p="http://schemas.openxmlformats.org/presentationml/2006/main" xmlns:c="http://schemas.openxmlformats.org/drawingml/2006/chart" xmlns:dgm="http://schemas.openxmlformats.org/drawingml/2006/diagram" xmlns:o="urn:schemas-microsoft-com:office:office" xmlns:v="urn:schemas-microsoft-com:vml" xmlns:pvml="urn:schemas-microsoft-com:office:powerpoint" xmlns:com="http://schemas.openxmlformats.org/drawingml/2006/compatibility" xmlns:p14="http://schemas.microsoft.com/office/powerpoint/2010/main" xmlns:p15="http://schemas.microsoft.com/office/powerpoint/2012/main" autoCompressPictures="0" strictFirstAndLastChars="0" saveSubsetFonts="1">
+<p:presentation xmlns:a="http://schemas.openxmlformats.org/drawingml/2006/main" xmlns:r="http://schemas.openxmlformats.org/officeDocument/2006/relationships" xmlns:p="http://schemas.openxmlformats.org/presentationml/2006/main" strictFirstAndLastChars="0" saveSubsetFonts="1" autoCompressPictures="0">
   <p:sldMasterIdLst>
-    <p:sldMasterId id="2147483659" r:id="rId5"/>
+    <p:sldMasterId id="2147483659" r:id="rId1"/>
   </p:sldMasterIdLst>
   <p:notesMasterIdLst>
-    <p:notesMasterId r:id="rId6"/>
+    <p:notesMasterId r:id="rId10"/>
   </p:notesMasterIdLst>
   <p:sldIdLst>
-    <p:sldId id="256" r:id="rId7"/>
-    <p:sldId id="257" r:id="rId8"/>
-    <p:sldId id="258" r:id="rId9"/>
-    <p:sldId id="259" r:id="rId10"/>
-    <p:sldId id="260" r:id="rId11"/>
-    <p:sldId id="261" r:id="rId12"/>
-    <p:sldId id="262" r:id="rId13"/>
+    <p:sldId id="256" r:id="rId2"/>
+    <p:sldId id="257" r:id="rId3"/>
+    <p:sldId id="258" r:id="rId4"/>
+    <p:sldId id="259" r:id="rId5"/>
+    <p:sldId id="263" r:id="rId6"/>
+    <p:sldId id="260" r:id="rId7"/>
+    <p:sldId id="261" r:id="rId8"/>
+    <p:sldId id="262" r:id="rId9"/>
   </p:sldIdLst>
-  <p:sldSz cy="5143500" cx="9144000"/>
+  <p:sldSz cx="9144000" cy="5143500" type="screen16x9"/>
   <p:notesSz cx="6858000" cy="9144000"/>
   <p:defaultTextStyle>
-    <a:defPPr lvl="0" marR="0" rtl="0" algn="l">
+    <a:defPPr marR="0" lvl="0" algn="l" rtl="0">
       <a:lnSpc>
         <a:spcPct val="100000"/>
       </a:lnSpc>
@@ -30,7 +31,7 @@
         <a:spcPts val="0"/>
       </a:spcAft>
     </a:defPPr>
-    <a:lvl1pPr lvl="0" marR="0" rtl="0" algn="l">
+    <a:lvl1pPr marR="0" lvl="0" algn="l" rtl="0">
       <a:lnSpc>
         <a:spcPct val="100000"/>
       </a:lnSpc>
@@ -44,7 +45,7 @@
         <a:srgbClr val="000000"/>
       </a:buClr>
       <a:buFont typeface="Arial"/>
-      <a:defRPr b="0" i="0" sz="1400" u="none" cap="none" strike="noStrike">
+      <a:defRPr sz="1400" b="0" i="0" u="none" strike="noStrike" cap="none">
         <a:solidFill>
           <a:srgbClr val="000000"/>
         </a:solidFill>
@@ -54,7 +55,7 @@
         <a:sym typeface="Arial"/>
       </a:defRPr>
     </a:lvl1pPr>
-    <a:lvl2pPr lvl="1" marR="0" rtl="0" algn="l">
+    <a:lvl2pPr marR="0" lvl="1" algn="l" rtl="0">
       <a:lnSpc>
         <a:spcPct val="100000"/>
       </a:lnSpc>
@@ -68,7 +69,7 @@
         <a:srgbClr val="000000"/>
       </a:buClr>
       <a:buFont typeface="Arial"/>
-      <a:defRPr b="0" i="0" sz="1400" u="none" cap="none" strike="noStrike">
+      <a:defRPr sz="1400" b="0" i="0" u="none" strike="noStrike" cap="none">
         <a:solidFill>
           <a:srgbClr val="000000"/>
         </a:solidFill>
@@ -78,7 +79,7 @@
         <a:sym typeface="Arial"/>
       </a:defRPr>
     </a:lvl2pPr>
-    <a:lvl3pPr lvl="2" marR="0" rtl="0" algn="l">
+    <a:lvl3pPr marR="0" lvl="2" algn="l" rtl="0">
       <a:lnSpc>
         <a:spcPct val="100000"/>
       </a:lnSpc>
@@ -92,7 +93,7 @@
         <a:srgbClr val="000000"/>
       </a:buClr>
       <a:buFont typeface="Arial"/>
-      <a:defRPr b="0" i="0" sz="1400" u="none" cap="none" strike="noStrike">
+      <a:defRPr sz="1400" b="0" i="0" u="none" strike="noStrike" cap="none">
         <a:solidFill>
           <a:srgbClr val="000000"/>
         </a:solidFill>
@@ -102,7 +103,7 @@
         <a:sym typeface="Arial"/>
       </a:defRPr>
     </a:lvl3pPr>
-    <a:lvl4pPr lvl="3" marR="0" rtl="0" algn="l">
+    <a:lvl4pPr marR="0" lvl="3" algn="l" rtl="0">
       <a:lnSpc>
         <a:spcPct val="100000"/>
       </a:lnSpc>
@@ -116,7 +117,7 @@
         <a:srgbClr val="000000"/>
       </a:buClr>
       <a:buFont typeface="Arial"/>
-      <a:defRPr b="0" i="0" sz="1400" u="none" cap="none" strike="noStrike">
+      <a:defRPr sz="1400" b="0" i="0" u="none" strike="noStrike" cap="none">
         <a:solidFill>
           <a:srgbClr val="000000"/>
         </a:solidFill>
@@ -126,7 +127,7 @@
         <a:sym typeface="Arial"/>
       </a:defRPr>
     </a:lvl4pPr>
-    <a:lvl5pPr lvl="4" marR="0" rtl="0" algn="l">
+    <a:lvl5pPr marR="0" lvl="4" algn="l" rtl="0">
       <a:lnSpc>
         <a:spcPct val="100000"/>
       </a:lnSpc>
@@ -140,7 +141,7 @@
         <a:srgbClr val="000000"/>
       </a:buClr>
       <a:buFont typeface="Arial"/>
-      <a:defRPr b="0" i="0" sz="1400" u="none" cap="none" strike="noStrike">
+      <a:defRPr sz="1400" b="0" i="0" u="none" strike="noStrike" cap="none">
         <a:solidFill>
           <a:srgbClr val="000000"/>
         </a:solidFill>
@@ -150,7 +151,7 @@
         <a:sym typeface="Arial"/>
       </a:defRPr>
     </a:lvl5pPr>
-    <a:lvl6pPr lvl="5" marR="0" rtl="0" algn="l">
+    <a:lvl6pPr marR="0" lvl="5" algn="l" rtl="0">
       <a:lnSpc>
         <a:spcPct val="100000"/>
       </a:lnSpc>
@@ -164,7 +165,7 @@
         <a:srgbClr val="000000"/>
       </a:buClr>
       <a:buFont typeface="Arial"/>
-      <a:defRPr b="0" i="0" sz="1400" u="none" cap="none" strike="noStrike">
+      <a:defRPr sz="1400" b="0" i="0" u="none" strike="noStrike" cap="none">
         <a:solidFill>
           <a:srgbClr val="000000"/>
         </a:solidFill>
@@ -174,7 +175,7 @@
         <a:sym typeface="Arial"/>
       </a:defRPr>
     </a:lvl6pPr>
-    <a:lvl7pPr lvl="6" marR="0" rtl="0" algn="l">
+    <a:lvl7pPr marR="0" lvl="6" algn="l" rtl="0">
       <a:lnSpc>
         <a:spcPct val="100000"/>
       </a:lnSpc>
@@ -188,7 +189,7 @@
         <a:srgbClr val="000000"/>
       </a:buClr>
       <a:buFont typeface="Arial"/>
-      <a:defRPr b="0" i="0" sz="1400" u="none" cap="none" strike="noStrike">
+      <a:defRPr sz="1400" b="0" i="0" u="none" strike="noStrike" cap="none">
         <a:solidFill>
           <a:srgbClr val="000000"/>
         </a:solidFill>
@@ -198,7 +199,7 @@
         <a:sym typeface="Arial"/>
       </a:defRPr>
     </a:lvl7pPr>
-    <a:lvl8pPr lvl="7" marR="0" rtl="0" algn="l">
+    <a:lvl8pPr marR="0" lvl="7" algn="l" rtl="0">
       <a:lnSpc>
         <a:spcPct val="100000"/>
       </a:lnSpc>
@@ -212,7 +213,7 @@
         <a:srgbClr val="000000"/>
       </a:buClr>
       <a:buFont typeface="Arial"/>
-      <a:defRPr b="0" i="0" sz="1400" u="none" cap="none" strike="noStrike">
+      <a:defRPr sz="1400" b="0" i="0" u="none" strike="noStrike" cap="none">
         <a:solidFill>
           <a:srgbClr val="000000"/>
         </a:solidFill>
@@ -222,7 +223,7 @@
         <a:sym typeface="Arial"/>
       </a:defRPr>
     </a:lvl8pPr>
-    <a:lvl9pPr lvl="8" marR="0" rtl="0" algn="l">
+    <a:lvl9pPr marR="0" lvl="8" algn="l" rtl="0">
       <a:lnSpc>
         <a:spcPct val="100000"/>
       </a:lnSpc>
@@ -236,7 +237,7 @@
         <a:srgbClr val="000000"/>
       </a:buClr>
       <a:buFont typeface="Arial"/>
-      <a:defRPr b="0" i="0" sz="1400" u="none" cap="none" strike="noStrike">
+      <a:defRPr sz="1400" b="0" i="0" u="none" strike="noStrike" cap="none">
         <a:solidFill>
           <a:srgbClr val="000000"/>
         </a:solidFill>
@@ -249,7 +250,7 @@
   </p:defaultTextStyle>
   <p:extLst>
     <p:ext uri="{EFAFB233-063F-42B5-8137-9DF3F51BA10A}">
-      <p15:sldGuideLst>
+      <p15:sldGuideLst xmlns:p15="http://schemas.microsoft.com/office/powerpoint/2012/main">
         <p15:guide id="1" orient="horz" pos="1620">
           <p15:clr>
             <a:srgbClr val="A4A3A4"/>
@@ -267,11 +268,16 @@
 </file>
 
 <file path=ppt/notesMasters/notesMaster1.xml><?xml version="1.0" encoding="utf-8"?>
-<p:notesMaster xmlns:a="http://schemas.openxmlformats.org/drawingml/2006/main" xmlns:r="http://schemas.openxmlformats.org/officeDocument/2006/relationships" xmlns:mc="http://schemas.openxmlformats.org/markup-compatibility/2006" xmlns:mv="urn:schemas-microsoft-com:mac:vml" xmlns:p="http://schemas.openxmlformats.org/presentationml/2006/main" xmlns:c="http://schemas.openxmlformats.org/drawingml/2006/chart" xmlns:dgm="http://schemas.openxmlformats.org/drawingml/2006/diagram" xmlns:o="urn:schemas-microsoft-com:office:office" xmlns:v="urn:schemas-microsoft-com:vml" xmlns:pvml="urn:schemas-microsoft-com:office:powerpoint" xmlns:com="http://schemas.openxmlformats.org/drawingml/2006/compatibility" xmlns:p14="http://schemas.microsoft.com/office/powerpoint/2010/main" xmlns:p15="http://schemas.microsoft.com/office/powerpoint/2012/main">
+<p:notesMaster xmlns:a="http://schemas.openxmlformats.org/drawingml/2006/main" xmlns:r="http://schemas.openxmlformats.org/officeDocument/2006/relationships" xmlns:p="http://schemas.openxmlformats.org/presentationml/2006/main">
   <p:cSld>
+    <p:bg>
+      <p:bgRef idx="1001">
+        <a:schemeClr val="bg1"/>
+      </p:bgRef>
+    </p:bg>
     <p:spTree>
       <p:nvGrpSpPr>
-        <p:cNvPr id="2" name="Shape 2"/>
+        <p:cNvPr id="1" name="Shape 2"/>
         <p:cNvGrpSpPr/>
         <p:nvPr/>
       </p:nvGrpSpPr>
@@ -286,9 +292,11 @@
       <p:sp>
         <p:nvSpPr>
           <p:cNvPr id="3" name="Google Shape;3;n"/>
-          <p:cNvSpPr/>
+          <p:cNvSpPr>
+            <a:spLocks noGrp="1" noRot="1" noChangeAspect="1"/>
+          </p:cNvSpPr>
           <p:nvPr>
-            <p:ph idx="2" type="sldImg"/>
+            <p:ph type="sldImg" idx="2"/>
           </p:nvPr>
         </p:nvSpPr>
         <p:spPr>
@@ -297,9 +305,13 @@
             <a:ext cx="6096075" cy="3429000"/>
           </a:xfrm>
           <a:custGeom>
-            <a:rect b="b" l="l" r="r" t="t"/>
+            <a:avLst/>
+            <a:gdLst/>
+            <a:ahLst/>
+            <a:cxnLst/>
+            <a:rect l="l" t="t" r="r" b="b"/>
             <a:pathLst>
-              <a:path extrusionOk="0" h="120000" w="120000">
+              <a:path w="120000" h="120000" extrusionOk="0">
                 <a:moveTo>
                   <a:pt x="0" y="0"/>
                 </a:moveTo>
@@ -317,23 +329,25 @@
             </a:pathLst>
           </a:custGeom>
           <a:noFill/>
-          <a:ln cap="flat" cmpd="sng" w="9525">
+          <a:ln w="9525" cap="flat" cmpd="sng">
             <a:solidFill>
               <a:srgbClr val="000000"/>
             </a:solidFill>
             <a:prstDash val="solid"/>
             <a:round/>
-            <a:headEnd len="sm" w="sm" type="none"/>
-            <a:tailEnd len="sm" w="sm" type="none"/>
+            <a:headEnd type="none" w="sm" len="sm"/>
+            <a:tailEnd type="none" w="sm" len="sm"/>
           </a:ln>
         </p:spPr>
       </p:sp>
       <p:sp>
         <p:nvSpPr>
           <p:cNvPr id="4" name="Google Shape;4;n"/>
-          <p:cNvSpPr txBox="1"/>
+          <p:cNvSpPr txBox="1">
+            <a:spLocks noGrp="1"/>
+          </p:cNvSpPr>
           <p:nvPr>
-            <p:ph idx="1" type="body"/>
+            <p:ph type="body" idx="1"/>
           </p:nvPr>
         </p:nvSpPr>
         <p:spPr>
@@ -350,11 +364,11 @@
           </a:ln>
         </p:spPr>
         <p:txBody>
-          <a:bodyPr anchorCtr="0" anchor="t" bIns="91425" lIns="91425" spcFirstLastPara="1" rIns="91425" wrap="square" tIns="91425">
+          <a:bodyPr spcFirstLastPara="1" wrap="square" lIns="91425" tIns="91425" rIns="91425" bIns="91425" anchor="t" anchorCtr="0">
             <a:noAutofit/>
           </a:bodyPr>
           <a:lstStyle>
-            <a:lvl1pPr indent="-298450" lvl="0" marL="457200">
+            <a:lvl1pPr marL="457200" lvl="0" indent="-298450">
               <a:spcBef>
                 <a:spcPts val="0"/>
               </a:spcBef>
@@ -365,7 +379,7 @@
               <a:buChar char="●"/>
               <a:defRPr sz="1100"/>
             </a:lvl1pPr>
-            <a:lvl2pPr indent="-298450" lvl="1" marL="914400">
+            <a:lvl2pPr marL="914400" lvl="1" indent="-298450">
               <a:spcBef>
                 <a:spcPts val="0"/>
               </a:spcBef>
@@ -376,7 +390,7 @@
               <a:buChar char="○"/>
               <a:defRPr sz="1100"/>
             </a:lvl2pPr>
-            <a:lvl3pPr indent="-298450" lvl="2" marL="1371600">
+            <a:lvl3pPr marL="1371600" lvl="2" indent="-298450">
               <a:spcBef>
                 <a:spcPts val="0"/>
               </a:spcBef>
@@ -387,7 +401,7 @@
               <a:buChar char="■"/>
               <a:defRPr sz="1100"/>
             </a:lvl3pPr>
-            <a:lvl4pPr indent="-298450" lvl="3" marL="1828800">
+            <a:lvl4pPr marL="1828800" lvl="3" indent="-298450">
               <a:spcBef>
                 <a:spcPts val="0"/>
               </a:spcBef>
@@ -398,7 +412,7 @@
               <a:buChar char="●"/>
               <a:defRPr sz="1100"/>
             </a:lvl4pPr>
-            <a:lvl5pPr indent="-298450" lvl="4" marL="2286000">
+            <a:lvl5pPr marL="2286000" lvl="4" indent="-298450">
               <a:spcBef>
                 <a:spcPts val="0"/>
               </a:spcBef>
@@ -409,7 +423,7 @@
               <a:buChar char="○"/>
               <a:defRPr sz="1100"/>
             </a:lvl5pPr>
-            <a:lvl6pPr indent="-298450" lvl="5" marL="2743200">
+            <a:lvl6pPr marL="2743200" lvl="5" indent="-298450">
               <a:spcBef>
                 <a:spcPts val="0"/>
               </a:spcBef>
@@ -420,7 +434,7 @@
               <a:buChar char="■"/>
               <a:defRPr sz="1100"/>
             </a:lvl6pPr>
-            <a:lvl7pPr indent="-298450" lvl="6" marL="3200400">
+            <a:lvl7pPr marL="3200400" lvl="6" indent="-298450">
               <a:spcBef>
                 <a:spcPts val="0"/>
               </a:spcBef>
@@ -431,7 +445,7 @@
               <a:buChar char="●"/>
               <a:defRPr sz="1100"/>
             </a:lvl7pPr>
-            <a:lvl8pPr indent="-298450" lvl="7" marL="3657600">
+            <a:lvl8pPr marL="3657600" lvl="7" indent="-298450">
               <a:spcBef>
                 <a:spcPts val="0"/>
               </a:spcBef>
@@ -442,7 +456,7 @@
               <a:buChar char="○"/>
               <a:defRPr sz="1100"/>
             </a:lvl8pPr>
-            <a:lvl9pPr indent="-298450" lvl="8" marL="4114800">
+            <a:lvl9pPr marL="4114800" lvl="8" indent="-298450">
               <a:spcBef>
                 <a:spcPts val="0"/>
               </a:spcBef>
@@ -454,14 +468,16 @@
               <a:defRPr sz="1100"/>
             </a:lvl9pPr>
           </a:lstStyle>
-          <a:p/>
+          <a:p>
+            <a:endParaRPr/>
+          </a:p>
         </p:txBody>
       </p:sp>
     </p:spTree>
   </p:cSld>
-  <p:clrMap accent1="accent1" accent2="accent2" accent3="accent3" accent4="accent4" accent5="accent5" accent6="accent6" bg1="lt1" bg2="dk2" tx1="dk1" tx2="lt2" folHlink="folHlink" hlink="hlink"/>
+  <p:clrMap bg1="lt1" tx1="dk1" bg2="dk2" tx2="lt2" accent1="accent1" accent2="accent2" accent3="accent3" accent4="accent4" accent5="accent5" accent6="accent6" hlink="hlink" folHlink="folHlink"/>
   <p:notesStyle>
-    <a:defPPr lvl="0" marR="0" rtl="0" algn="l">
+    <a:defPPr marR="0" lvl="0" algn="l" rtl="0">
       <a:lnSpc>
         <a:spcPct val="100000"/>
       </a:lnSpc>
@@ -472,7 +488,7 @@
         <a:spcPts val="0"/>
       </a:spcAft>
     </a:defPPr>
-    <a:lvl1pPr lvl="0" marR="0" rtl="0" algn="l">
+    <a:lvl1pPr marR="0" lvl="0" algn="l" rtl="0">
       <a:lnSpc>
         <a:spcPct val="100000"/>
       </a:lnSpc>
@@ -486,7 +502,7 @@
         <a:srgbClr val="000000"/>
       </a:buClr>
       <a:buFont typeface="Arial"/>
-      <a:defRPr b="0" i="0" sz="1400" u="none" cap="none" strike="noStrike">
+      <a:defRPr sz="1400" b="0" i="0" u="none" strike="noStrike" cap="none">
         <a:solidFill>
           <a:srgbClr val="000000"/>
         </a:solidFill>
@@ -496,7 +512,7 @@
         <a:sym typeface="Arial"/>
       </a:defRPr>
     </a:lvl1pPr>
-    <a:lvl2pPr lvl="1" marR="0" rtl="0" algn="l">
+    <a:lvl2pPr marR="0" lvl="1" algn="l" rtl="0">
       <a:lnSpc>
         <a:spcPct val="100000"/>
       </a:lnSpc>
@@ -510,7 +526,7 @@
         <a:srgbClr val="000000"/>
       </a:buClr>
       <a:buFont typeface="Arial"/>
-      <a:defRPr b="0" i="0" sz="1400" u="none" cap="none" strike="noStrike">
+      <a:defRPr sz="1400" b="0" i="0" u="none" strike="noStrike" cap="none">
         <a:solidFill>
           <a:srgbClr val="000000"/>
         </a:solidFill>
@@ -520,7 +536,7 @@
         <a:sym typeface="Arial"/>
       </a:defRPr>
     </a:lvl2pPr>
-    <a:lvl3pPr lvl="2" marR="0" rtl="0" algn="l">
+    <a:lvl3pPr marR="0" lvl="2" algn="l" rtl="0">
       <a:lnSpc>
         <a:spcPct val="100000"/>
       </a:lnSpc>
@@ -534,7 +550,7 @@
         <a:srgbClr val="000000"/>
       </a:buClr>
       <a:buFont typeface="Arial"/>
-      <a:defRPr b="0" i="0" sz="1400" u="none" cap="none" strike="noStrike">
+      <a:defRPr sz="1400" b="0" i="0" u="none" strike="noStrike" cap="none">
         <a:solidFill>
           <a:srgbClr val="000000"/>
         </a:solidFill>
@@ -544,7 +560,7 @@
         <a:sym typeface="Arial"/>
       </a:defRPr>
     </a:lvl3pPr>
-    <a:lvl4pPr lvl="3" marR="0" rtl="0" algn="l">
+    <a:lvl4pPr marR="0" lvl="3" algn="l" rtl="0">
       <a:lnSpc>
         <a:spcPct val="100000"/>
       </a:lnSpc>
@@ -558,7 +574,7 @@
         <a:srgbClr val="000000"/>
       </a:buClr>
       <a:buFont typeface="Arial"/>
-      <a:defRPr b="0" i="0" sz="1400" u="none" cap="none" strike="noStrike">
+      <a:defRPr sz="1400" b="0" i="0" u="none" strike="noStrike" cap="none">
         <a:solidFill>
           <a:srgbClr val="000000"/>
         </a:solidFill>
@@ -568,7 +584,7 @@
         <a:sym typeface="Arial"/>
       </a:defRPr>
     </a:lvl4pPr>
-    <a:lvl5pPr lvl="4" marR="0" rtl="0" algn="l">
+    <a:lvl5pPr marR="0" lvl="4" algn="l" rtl="0">
       <a:lnSpc>
         <a:spcPct val="100000"/>
       </a:lnSpc>
@@ -582,7 +598,7 @@
         <a:srgbClr val="000000"/>
       </a:buClr>
       <a:buFont typeface="Arial"/>
-      <a:defRPr b="0" i="0" sz="1400" u="none" cap="none" strike="noStrike">
+      <a:defRPr sz="1400" b="0" i="0" u="none" strike="noStrike" cap="none">
         <a:solidFill>
           <a:srgbClr val="000000"/>
         </a:solidFill>
@@ -592,7 +608,7 @@
         <a:sym typeface="Arial"/>
       </a:defRPr>
     </a:lvl5pPr>
-    <a:lvl6pPr lvl="5" marR="0" rtl="0" algn="l">
+    <a:lvl6pPr marR="0" lvl="5" algn="l" rtl="0">
       <a:lnSpc>
         <a:spcPct val="100000"/>
       </a:lnSpc>
@@ -606,7 +622,7 @@
         <a:srgbClr val="000000"/>
       </a:buClr>
       <a:buFont typeface="Arial"/>
-      <a:defRPr b="0" i="0" sz="1400" u="none" cap="none" strike="noStrike">
+      <a:defRPr sz="1400" b="0" i="0" u="none" strike="noStrike" cap="none">
         <a:solidFill>
           <a:srgbClr val="000000"/>
         </a:solidFill>
@@ -616,7 +632,7 @@
         <a:sym typeface="Arial"/>
       </a:defRPr>
     </a:lvl6pPr>
-    <a:lvl7pPr lvl="6" marR="0" rtl="0" algn="l">
+    <a:lvl7pPr marR="0" lvl="6" algn="l" rtl="0">
       <a:lnSpc>
         <a:spcPct val="100000"/>
       </a:lnSpc>
@@ -630,7 +646,7 @@
         <a:srgbClr val="000000"/>
       </a:buClr>
       <a:buFont typeface="Arial"/>
-      <a:defRPr b="0" i="0" sz="1400" u="none" cap="none" strike="noStrike">
+      <a:defRPr sz="1400" b="0" i="0" u="none" strike="noStrike" cap="none">
         <a:solidFill>
           <a:srgbClr val="000000"/>
         </a:solidFill>
@@ -640,7 +656,7 @@
         <a:sym typeface="Arial"/>
       </a:defRPr>
     </a:lvl7pPr>
-    <a:lvl8pPr lvl="7" marR="0" rtl="0" algn="l">
+    <a:lvl8pPr marR="0" lvl="7" algn="l" rtl="0">
       <a:lnSpc>
         <a:spcPct val="100000"/>
       </a:lnSpc>
@@ -654,7 +670,7 @@
         <a:srgbClr val="000000"/>
       </a:buClr>
       <a:buFont typeface="Arial"/>
-      <a:defRPr b="0" i="0" sz="1400" u="none" cap="none" strike="noStrike">
+      <a:defRPr sz="1400" b="0" i="0" u="none" strike="noStrike" cap="none">
         <a:solidFill>
           <a:srgbClr val="000000"/>
         </a:solidFill>
@@ -664,7 +680,7 @@
         <a:sym typeface="Arial"/>
       </a:defRPr>
     </a:lvl8pPr>
-    <a:lvl9pPr lvl="8" marR="0" rtl="0" algn="l">
+    <a:lvl9pPr marR="0" lvl="8" algn="l" rtl="0">
       <a:lnSpc>
         <a:spcPct val="100000"/>
       </a:lnSpc>
@@ -678,7 +694,7 @@
         <a:srgbClr val="000000"/>
       </a:buClr>
       <a:buFont typeface="Arial"/>
-      <a:defRPr b="0" i="0" sz="1400" u="none" cap="none" strike="noStrike">
+      <a:defRPr sz="1400" b="0" i="0" u="none" strike="noStrike" cap="none">
         <a:solidFill>
           <a:srgbClr val="000000"/>
         </a:solidFill>
@@ -693,11 +709,11 @@
 </file>
 
 <file path=ppt/notesSlides/notesSlide1.xml><?xml version="1.0" encoding="utf-8"?>
-<p:notes xmlns:a="http://schemas.openxmlformats.org/drawingml/2006/main" xmlns:r="http://schemas.openxmlformats.org/officeDocument/2006/relationships" xmlns:mc="http://schemas.openxmlformats.org/markup-compatibility/2006" xmlns:mv="urn:schemas-microsoft-com:mac:vml" xmlns:p="http://schemas.openxmlformats.org/presentationml/2006/main" xmlns:c="http://schemas.openxmlformats.org/drawingml/2006/chart" xmlns:dgm="http://schemas.openxmlformats.org/drawingml/2006/diagram" xmlns:o="urn:schemas-microsoft-com:office:office" xmlns:v="urn:schemas-microsoft-com:vml" xmlns:pvml="urn:schemas-microsoft-com:office:powerpoint" xmlns:com="http://schemas.openxmlformats.org/drawingml/2006/compatibility" xmlns:p14="http://schemas.microsoft.com/office/powerpoint/2010/main" xmlns:p15="http://schemas.microsoft.com/office/powerpoint/2012/main" showMasterPhAnim="0" showMasterSp="0">
+<p:notes xmlns:a="http://schemas.openxmlformats.org/drawingml/2006/main" xmlns:r="http://schemas.openxmlformats.org/officeDocument/2006/relationships" xmlns:p="http://schemas.openxmlformats.org/presentationml/2006/main" showMasterSp="0" showMasterPhAnim="0">
   <p:cSld>
     <p:spTree>
       <p:nvGrpSpPr>
-        <p:cNvPr id="50" name="Shape 50"/>
+        <p:cNvPr id="1" name="Shape 50"/>
         <p:cNvGrpSpPr/>
         <p:nvPr/>
       </p:nvGrpSpPr>
@@ -712,9 +728,11 @@
       <p:sp>
         <p:nvSpPr>
           <p:cNvPr id="51" name="Google Shape;51;p:notes"/>
-          <p:cNvSpPr/>
+          <p:cNvSpPr>
+            <a:spLocks noGrp="1" noRot="1" noChangeAspect="1"/>
+          </p:cNvSpPr>
           <p:nvPr>
-            <p:ph idx="2" type="sldImg"/>
+            <p:ph type="sldImg" idx="2"/>
           </p:nvPr>
         </p:nvSpPr>
         <p:spPr>
@@ -723,9 +741,13 @@
             <a:ext cx="6096075" cy="3429000"/>
           </a:xfrm>
           <a:custGeom>
-            <a:rect b="b" l="l" r="r" t="t"/>
+            <a:avLst/>
+            <a:gdLst/>
+            <a:ahLst/>
+            <a:cxnLst/>
+            <a:rect l="l" t="t" r="r" b="b"/>
             <a:pathLst>
-              <a:path extrusionOk="0" h="120000" w="120000">
+              <a:path w="120000" h="120000" extrusionOk="0">
                 <a:moveTo>
                   <a:pt x="0" y="0"/>
                 </a:moveTo>
@@ -747,9 +769,11 @@
       <p:sp>
         <p:nvSpPr>
           <p:cNvPr id="52" name="Google Shape;52;p:notes"/>
-          <p:cNvSpPr txBox="1"/>
+          <p:cNvSpPr txBox="1">
+            <a:spLocks noGrp="1"/>
+          </p:cNvSpPr>
           <p:nvPr>
-            <p:ph idx="1" type="body"/>
+            <p:ph type="body" idx="1"/>
           </p:nvPr>
         </p:nvSpPr>
         <p:spPr>
@@ -762,12 +786,12 @@
           </a:prstGeom>
         </p:spPr>
         <p:txBody>
-          <a:bodyPr anchorCtr="0" anchor="t" bIns="91425" lIns="91425" spcFirstLastPara="1" rIns="91425" wrap="square" tIns="91425">
+          <a:bodyPr spcFirstLastPara="1" wrap="square" lIns="91425" tIns="91425" rIns="91425" bIns="91425" anchor="t" anchorCtr="0">
             <a:noAutofit/>
           </a:bodyPr>
           <a:lstStyle/>
           <a:p>
-            <a:pPr indent="0" lvl="0" marL="0" rtl="0" algn="l">
+            <a:pPr marL="0" lvl="0" indent="0" algn="l" rtl="0">
               <a:spcBef>
                 <a:spcPts val="0"/>
               </a:spcBef>
@@ -793,11 +817,11 @@
 </file>
 
 <file path=ppt/notesSlides/notesSlide2.xml><?xml version="1.0" encoding="utf-8"?>
-<p:notes xmlns:a="http://schemas.openxmlformats.org/drawingml/2006/main" xmlns:r="http://schemas.openxmlformats.org/officeDocument/2006/relationships" xmlns:mc="http://schemas.openxmlformats.org/markup-compatibility/2006" xmlns:mv="urn:schemas-microsoft-com:mac:vml" xmlns:p="http://schemas.openxmlformats.org/presentationml/2006/main" xmlns:c="http://schemas.openxmlformats.org/drawingml/2006/chart" xmlns:dgm="http://schemas.openxmlformats.org/drawingml/2006/diagram" xmlns:o="urn:schemas-microsoft-com:office:office" xmlns:v="urn:schemas-microsoft-com:vml" xmlns:pvml="urn:schemas-microsoft-com:office:powerpoint" xmlns:com="http://schemas.openxmlformats.org/drawingml/2006/compatibility" xmlns:p14="http://schemas.microsoft.com/office/powerpoint/2010/main" xmlns:p15="http://schemas.microsoft.com/office/powerpoint/2012/main" showMasterPhAnim="0" showMasterSp="0">
+<p:notes xmlns:a="http://schemas.openxmlformats.org/drawingml/2006/main" xmlns:r="http://schemas.openxmlformats.org/officeDocument/2006/relationships" xmlns:p="http://schemas.openxmlformats.org/presentationml/2006/main" showMasterSp="0" showMasterPhAnim="0">
   <p:cSld>
     <p:spTree>
       <p:nvGrpSpPr>
-        <p:cNvPr id="56" name="Shape 56"/>
+        <p:cNvPr id="1" name="Shape 56"/>
         <p:cNvGrpSpPr/>
         <p:nvPr/>
       </p:nvGrpSpPr>
@@ -812,9 +836,11 @@
       <p:sp>
         <p:nvSpPr>
           <p:cNvPr id="57" name="Google Shape;57;g74232b7134_0_0:notes"/>
-          <p:cNvSpPr/>
+          <p:cNvSpPr>
+            <a:spLocks noGrp="1" noRot="1" noChangeAspect="1"/>
+          </p:cNvSpPr>
           <p:nvPr>
-            <p:ph idx="2" type="sldImg"/>
+            <p:ph type="sldImg" idx="2"/>
           </p:nvPr>
         </p:nvSpPr>
         <p:spPr>
@@ -823,9 +849,13 @@
             <a:ext cx="6096000" cy="3429000"/>
           </a:xfrm>
           <a:custGeom>
-            <a:rect b="b" l="l" r="r" t="t"/>
+            <a:avLst/>
+            <a:gdLst/>
+            <a:ahLst/>
+            <a:cxnLst/>
+            <a:rect l="l" t="t" r="r" b="b"/>
             <a:pathLst>
-              <a:path extrusionOk="0" h="120000" w="120000">
+              <a:path w="120000" h="120000" extrusionOk="0">
                 <a:moveTo>
                   <a:pt x="0" y="0"/>
                 </a:moveTo>
@@ -847,9 +877,11 @@
       <p:sp>
         <p:nvSpPr>
           <p:cNvPr id="58" name="Google Shape;58;g74232b7134_0_0:notes"/>
-          <p:cNvSpPr txBox="1"/>
+          <p:cNvSpPr txBox="1">
+            <a:spLocks noGrp="1"/>
+          </p:cNvSpPr>
           <p:nvPr>
-            <p:ph idx="1" type="body"/>
+            <p:ph type="body" idx="1"/>
           </p:nvPr>
         </p:nvSpPr>
         <p:spPr>
@@ -862,12 +894,12 @@
           </a:prstGeom>
         </p:spPr>
         <p:txBody>
-          <a:bodyPr anchorCtr="0" anchor="t" bIns="91425" lIns="91425" spcFirstLastPara="1" rIns="91425" wrap="square" tIns="91425">
+          <a:bodyPr spcFirstLastPara="1" wrap="square" lIns="91425" tIns="91425" rIns="91425" bIns="91425" anchor="t" anchorCtr="0">
             <a:noAutofit/>
           </a:bodyPr>
           <a:lstStyle/>
           <a:p>
-            <a:pPr indent="0" lvl="0" marL="0" rtl="0" algn="l">
+            <a:pPr marL="0" lvl="0" indent="0" algn="l" rtl="0">
               <a:spcBef>
                 <a:spcPts val="0"/>
               </a:spcBef>
@@ -883,7 +915,7 @@
             <a:endParaRPr/>
           </a:p>
           <a:p>
-            <a:pPr indent="0" lvl="0" marL="0" rtl="0" algn="l">
+            <a:pPr marL="0" lvl="0" indent="0" algn="l" rtl="0">
               <a:spcBef>
                 <a:spcPts val="0"/>
               </a:spcBef>
@@ -899,7 +931,7 @@
             <a:endParaRPr/>
           </a:p>
           <a:p>
-            <a:pPr indent="0" lvl="0" marL="0" rtl="0" algn="l">
+            <a:pPr marL="0" lvl="0" indent="0" algn="l" rtl="0">
               <a:spcBef>
                 <a:spcPts val="0"/>
               </a:spcBef>
@@ -915,7 +947,7 @@
             <a:endParaRPr/>
           </a:p>
           <a:p>
-            <a:pPr indent="0" lvl="0" marL="0" rtl="0" algn="l">
+            <a:pPr marL="0" lvl="0" indent="0" algn="l" rtl="0">
               <a:spcBef>
                 <a:spcPts val="0"/>
               </a:spcBef>
@@ -931,7 +963,7 @@
             <a:endParaRPr/>
           </a:p>
           <a:p>
-            <a:pPr indent="0" lvl="0" marL="0" rtl="0" algn="l">
+            <a:pPr marL="0" lvl="0" indent="0" algn="l" rtl="0">
               <a:spcBef>
                 <a:spcPts val="0"/>
               </a:spcBef>
@@ -940,9 +972,6 @@
               </a:spcAft>
               <a:buNone/>
             </a:pPr>
-            <a:r>
-              <a:t/>
-            </a:r>
             <a:endParaRPr/>
           </a:p>
         </p:txBody>
@@ -956,11 +985,11 @@
 </file>
 
 <file path=ppt/notesSlides/notesSlide3.xml><?xml version="1.0" encoding="utf-8"?>
-<p:notes xmlns:a="http://schemas.openxmlformats.org/drawingml/2006/main" xmlns:r="http://schemas.openxmlformats.org/officeDocument/2006/relationships" xmlns:mc="http://schemas.openxmlformats.org/markup-compatibility/2006" xmlns:mv="urn:schemas-microsoft-com:mac:vml" xmlns:p="http://schemas.openxmlformats.org/presentationml/2006/main" xmlns:c="http://schemas.openxmlformats.org/drawingml/2006/chart" xmlns:dgm="http://schemas.openxmlformats.org/drawingml/2006/diagram" xmlns:o="urn:schemas-microsoft-com:office:office" xmlns:v="urn:schemas-microsoft-com:vml" xmlns:pvml="urn:schemas-microsoft-com:office:powerpoint" xmlns:com="http://schemas.openxmlformats.org/drawingml/2006/compatibility" xmlns:p14="http://schemas.microsoft.com/office/powerpoint/2010/main" xmlns:p15="http://schemas.microsoft.com/office/powerpoint/2012/main" showMasterPhAnim="0" showMasterSp="0">
+<p:notes xmlns:a="http://schemas.openxmlformats.org/drawingml/2006/main" xmlns:r="http://schemas.openxmlformats.org/officeDocument/2006/relationships" xmlns:p="http://schemas.openxmlformats.org/presentationml/2006/main" showMasterSp="0" showMasterPhAnim="0">
   <p:cSld>
     <p:spTree>
       <p:nvGrpSpPr>
-        <p:cNvPr id="64" name="Shape 64"/>
+        <p:cNvPr id="1" name="Shape 64"/>
         <p:cNvGrpSpPr/>
         <p:nvPr/>
       </p:nvGrpSpPr>
@@ -975,9 +1004,11 @@
       <p:sp>
         <p:nvSpPr>
           <p:cNvPr id="65" name="Google Shape;65;g78dd91d4b8_1_0:notes"/>
-          <p:cNvSpPr/>
+          <p:cNvSpPr>
+            <a:spLocks noGrp="1" noRot="1" noChangeAspect="1"/>
+          </p:cNvSpPr>
           <p:nvPr>
-            <p:ph idx="2" type="sldImg"/>
+            <p:ph type="sldImg" idx="2"/>
           </p:nvPr>
         </p:nvSpPr>
         <p:spPr>
@@ -986,9 +1017,13 @@
             <a:ext cx="6096000" cy="3429000"/>
           </a:xfrm>
           <a:custGeom>
-            <a:rect b="b" l="l" r="r" t="t"/>
+            <a:avLst/>
+            <a:gdLst/>
+            <a:ahLst/>
+            <a:cxnLst/>
+            <a:rect l="l" t="t" r="r" b="b"/>
             <a:pathLst>
-              <a:path extrusionOk="0" h="120000" w="120000">
+              <a:path w="120000" h="120000" extrusionOk="0">
                 <a:moveTo>
                   <a:pt x="0" y="0"/>
                 </a:moveTo>
@@ -1010,9 +1045,11 @@
       <p:sp>
         <p:nvSpPr>
           <p:cNvPr id="66" name="Google Shape;66;g78dd91d4b8_1_0:notes"/>
-          <p:cNvSpPr txBox="1"/>
+          <p:cNvSpPr txBox="1">
+            <a:spLocks noGrp="1"/>
+          </p:cNvSpPr>
           <p:nvPr>
-            <p:ph idx="1" type="body"/>
+            <p:ph type="body" idx="1"/>
           </p:nvPr>
         </p:nvSpPr>
         <p:spPr>
@@ -1025,12 +1062,12 @@
           </a:prstGeom>
         </p:spPr>
         <p:txBody>
-          <a:bodyPr anchorCtr="0" anchor="t" bIns="91425" lIns="91425" spcFirstLastPara="1" rIns="91425" wrap="square" tIns="91425">
+          <a:bodyPr spcFirstLastPara="1" wrap="square" lIns="91425" tIns="91425" rIns="91425" bIns="91425" anchor="t" anchorCtr="0">
             <a:noAutofit/>
           </a:bodyPr>
           <a:lstStyle/>
           <a:p>
-            <a:pPr indent="0" lvl="0" marL="0" rtl="0" algn="l">
+            <a:pPr marL="0" lvl="0" indent="0" algn="l" rtl="0">
               <a:spcBef>
                 <a:spcPts val="0"/>
               </a:spcBef>
@@ -1056,11 +1093,11 @@
 </file>
 
 <file path=ppt/notesSlides/notesSlide4.xml><?xml version="1.0" encoding="utf-8"?>
-<p:notes xmlns:a="http://schemas.openxmlformats.org/drawingml/2006/main" xmlns:r="http://schemas.openxmlformats.org/officeDocument/2006/relationships" xmlns:mc="http://schemas.openxmlformats.org/markup-compatibility/2006" xmlns:mv="urn:schemas-microsoft-com:mac:vml" xmlns:p="http://schemas.openxmlformats.org/presentationml/2006/main" xmlns:c="http://schemas.openxmlformats.org/drawingml/2006/chart" xmlns:dgm="http://schemas.openxmlformats.org/drawingml/2006/diagram" xmlns:o="urn:schemas-microsoft-com:office:office" xmlns:v="urn:schemas-microsoft-com:vml" xmlns:pvml="urn:schemas-microsoft-com:office:powerpoint" xmlns:com="http://schemas.openxmlformats.org/drawingml/2006/compatibility" xmlns:p14="http://schemas.microsoft.com/office/powerpoint/2010/main" xmlns:p15="http://schemas.microsoft.com/office/powerpoint/2012/main" showMasterPhAnim="0" showMasterSp="0">
+<p:notes xmlns:a="http://schemas.openxmlformats.org/drawingml/2006/main" xmlns:r="http://schemas.openxmlformats.org/officeDocument/2006/relationships" xmlns:p="http://schemas.openxmlformats.org/presentationml/2006/main" showMasterSp="0" showMasterPhAnim="0">
   <p:cSld>
     <p:spTree>
       <p:nvGrpSpPr>
-        <p:cNvPr id="72" name="Shape 72"/>
+        <p:cNvPr id="1" name="Shape 72"/>
         <p:cNvGrpSpPr/>
         <p:nvPr/>
       </p:nvGrpSpPr>
@@ -1075,9 +1112,11 @@
       <p:sp>
         <p:nvSpPr>
           <p:cNvPr id="73" name="Google Shape;73;g78dd91d4b8_1_5:notes"/>
-          <p:cNvSpPr/>
+          <p:cNvSpPr>
+            <a:spLocks noGrp="1" noRot="1" noChangeAspect="1"/>
+          </p:cNvSpPr>
           <p:nvPr>
-            <p:ph idx="2" type="sldImg"/>
+            <p:ph type="sldImg" idx="2"/>
           </p:nvPr>
         </p:nvSpPr>
         <p:spPr>
@@ -1086,9 +1125,13 @@
             <a:ext cx="6096000" cy="3429000"/>
           </a:xfrm>
           <a:custGeom>
-            <a:rect b="b" l="l" r="r" t="t"/>
+            <a:avLst/>
+            <a:gdLst/>
+            <a:ahLst/>
+            <a:cxnLst/>
+            <a:rect l="l" t="t" r="r" b="b"/>
             <a:pathLst>
-              <a:path extrusionOk="0" h="120000" w="120000">
+              <a:path w="120000" h="120000" extrusionOk="0">
                 <a:moveTo>
                   <a:pt x="0" y="0"/>
                 </a:moveTo>
@@ -1110,9 +1153,11 @@
       <p:sp>
         <p:nvSpPr>
           <p:cNvPr id="74" name="Google Shape;74;g78dd91d4b8_1_5:notes"/>
-          <p:cNvSpPr txBox="1"/>
+          <p:cNvSpPr txBox="1">
+            <a:spLocks noGrp="1"/>
+          </p:cNvSpPr>
           <p:nvPr>
-            <p:ph idx="1" type="body"/>
+            <p:ph type="body" idx="1"/>
           </p:nvPr>
         </p:nvSpPr>
         <p:spPr>
@@ -1125,12 +1170,12 @@
           </a:prstGeom>
         </p:spPr>
         <p:txBody>
-          <a:bodyPr anchorCtr="0" anchor="t" bIns="91425" lIns="91425" spcFirstLastPara="1" rIns="91425" wrap="square" tIns="91425">
+          <a:bodyPr spcFirstLastPara="1" wrap="square" lIns="91425" tIns="91425" rIns="91425" bIns="91425" anchor="t" anchorCtr="0">
             <a:noAutofit/>
           </a:bodyPr>
           <a:lstStyle/>
           <a:p>
-            <a:pPr indent="0" lvl="0" marL="0" rtl="0" algn="l">
+            <a:pPr marL="0" lvl="0" indent="0" algn="l" rtl="0">
               <a:spcBef>
                 <a:spcPts val="0"/>
               </a:spcBef>
@@ -1146,7 +1191,7 @@
             <a:endParaRPr/>
           </a:p>
           <a:p>
-            <a:pPr indent="0" lvl="0" marL="0" rtl="0" algn="l">
+            <a:pPr marL="0" lvl="0" indent="0" algn="l" rtl="0">
               <a:spcBef>
                 <a:spcPts val="0"/>
               </a:spcBef>
@@ -1162,7 +1207,7 @@
             <a:endParaRPr/>
           </a:p>
           <a:p>
-            <a:pPr indent="0" lvl="0" marL="0" rtl="0" algn="l">
+            <a:pPr marL="0" lvl="0" indent="0" algn="l" rtl="0">
               <a:spcBef>
                 <a:spcPts val="0"/>
               </a:spcBef>
@@ -1188,11 +1233,85 @@
 </file>
 
 <file path=ppt/notesSlides/notesSlide5.xml><?xml version="1.0" encoding="utf-8"?>
-<p:notes xmlns:a="http://schemas.openxmlformats.org/drawingml/2006/main" xmlns:r="http://schemas.openxmlformats.org/officeDocument/2006/relationships" xmlns:mc="http://schemas.openxmlformats.org/markup-compatibility/2006" xmlns:mv="urn:schemas-microsoft-com:mac:vml" xmlns:p="http://schemas.openxmlformats.org/presentationml/2006/main" xmlns:c="http://schemas.openxmlformats.org/drawingml/2006/chart" xmlns:dgm="http://schemas.openxmlformats.org/drawingml/2006/diagram" xmlns:o="urn:schemas-microsoft-com:office:office" xmlns:v="urn:schemas-microsoft-com:vml" xmlns:pvml="urn:schemas-microsoft-com:office:powerpoint" xmlns:com="http://schemas.openxmlformats.org/drawingml/2006/compatibility" xmlns:p14="http://schemas.microsoft.com/office/powerpoint/2010/main" xmlns:p15="http://schemas.microsoft.com/office/powerpoint/2012/main" showMasterPhAnim="0" showMasterSp="0">
+<p:notes xmlns:a="http://schemas.openxmlformats.org/drawingml/2006/main" xmlns:r="http://schemas.openxmlformats.org/officeDocument/2006/relationships" xmlns:p="http://schemas.openxmlformats.org/presentationml/2006/main">
   <p:cSld>
     <p:spTree>
       <p:nvGrpSpPr>
-        <p:cNvPr id="83" name="Shape 83"/>
+        <p:cNvPr id="1" name=""/>
+        <p:cNvGrpSpPr/>
+        <p:nvPr/>
+      </p:nvGrpSpPr>
+      <p:grpSpPr>
+        <a:xfrm>
+          <a:off x="0" y="0"/>
+          <a:ext cx="0" cy="0"/>
+          <a:chOff x="0" y="0"/>
+          <a:chExt cx="0" cy="0"/>
+        </a:xfrm>
+      </p:grpSpPr>
+      <p:sp>
+        <p:nvSpPr>
+          <p:cNvPr id="2" name="投影片影像版面配置區 1"/>
+          <p:cNvSpPr>
+            <a:spLocks noGrp="1" noRot="1" noChangeAspect="1"/>
+          </p:cNvSpPr>
+          <p:nvPr>
+            <p:ph type="sldImg"/>
+          </p:nvPr>
+        </p:nvSpPr>
+        <p:spPr>
+          <a:xfrm>
+            <a:off x="381000" y="685800"/>
+            <a:ext cx="6096000" cy="3429000"/>
+          </a:xfrm>
+        </p:spPr>
+      </p:sp>
+      <p:sp>
+        <p:nvSpPr>
+          <p:cNvPr id="3" name="備忘稿版面配置區 2"/>
+          <p:cNvSpPr>
+            <a:spLocks noGrp="1"/>
+          </p:cNvSpPr>
+          <p:nvPr>
+            <p:ph type="body" idx="1"/>
+          </p:nvPr>
+        </p:nvSpPr>
+        <p:spPr/>
+        <p:txBody>
+          <a:bodyPr/>
+          <a:lstStyle/>
+          <a:p>
+            <a:r>
+              <a:rPr kumimoji="1" lang="en-US" altLang="zh-TW" dirty="0"/>
+              <a:t>So this is what it supposed to look like, use some already-exist 3D-model environment, put the pioneer in the environment and attach some sensors to the pioneer. And try to reconstruct the </a:t>
+            </a:r>
+            <a:r>
+              <a:rPr kumimoji="1" lang="en-US" altLang="zh-TW"/>
+              <a:t>map </a:t>
+            </a:r>
+            <a:endParaRPr kumimoji="1" lang="zh-TW" altLang="en-US" dirty="0"/>
+          </a:p>
+        </p:txBody>
+      </p:sp>
+    </p:spTree>
+    <p:extLst>
+      <p:ext uri="{BB962C8B-B14F-4D97-AF65-F5344CB8AC3E}">
+        <p14:creationId xmlns:p14="http://schemas.microsoft.com/office/powerpoint/2010/main" val="120025949"/>
+      </p:ext>
+    </p:extLst>
+  </p:cSld>
+  <p:clrMapOvr>
+    <a:masterClrMapping/>
+  </p:clrMapOvr>
+</p:notes>
+</file>
+
+<file path=ppt/notesSlides/notesSlide6.xml><?xml version="1.0" encoding="utf-8"?>
+<p:notes xmlns:a="http://schemas.openxmlformats.org/drawingml/2006/main" xmlns:r="http://schemas.openxmlformats.org/officeDocument/2006/relationships" xmlns:p="http://schemas.openxmlformats.org/presentationml/2006/main" showMasterSp="0" showMasterPhAnim="0">
+  <p:cSld>
+    <p:spTree>
+      <p:nvGrpSpPr>
+        <p:cNvPr id="1" name="Shape 83"/>
         <p:cNvGrpSpPr/>
         <p:nvPr/>
       </p:nvGrpSpPr>
@@ -1207,9 +1326,11 @@
       <p:sp>
         <p:nvSpPr>
           <p:cNvPr id="84" name="Google Shape;84;g78dd91d4b8_1_10:notes"/>
-          <p:cNvSpPr/>
+          <p:cNvSpPr>
+            <a:spLocks noGrp="1" noRot="1" noChangeAspect="1"/>
+          </p:cNvSpPr>
           <p:nvPr>
-            <p:ph idx="2" type="sldImg"/>
+            <p:ph type="sldImg" idx="2"/>
           </p:nvPr>
         </p:nvSpPr>
         <p:spPr>
@@ -1218,9 +1339,13 @@
             <a:ext cx="6096000" cy="3429000"/>
           </a:xfrm>
           <a:custGeom>
-            <a:rect b="b" l="l" r="r" t="t"/>
+            <a:avLst/>
+            <a:gdLst/>
+            <a:ahLst/>
+            <a:cxnLst/>
+            <a:rect l="l" t="t" r="r" b="b"/>
             <a:pathLst>
-              <a:path extrusionOk="0" h="120000" w="120000">
+              <a:path w="120000" h="120000" extrusionOk="0">
                 <a:moveTo>
                   <a:pt x="0" y="0"/>
                 </a:moveTo>
@@ -1242,9 +1367,11 @@
       <p:sp>
         <p:nvSpPr>
           <p:cNvPr id="85" name="Google Shape;85;g78dd91d4b8_1_10:notes"/>
-          <p:cNvSpPr txBox="1"/>
+          <p:cNvSpPr txBox="1">
+            <a:spLocks noGrp="1"/>
+          </p:cNvSpPr>
           <p:nvPr>
-            <p:ph idx="1" type="body"/>
+            <p:ph type="body" idx="1"/>
           </p:nvPr>
         </p:nvSpPr>
         <p:spPr>
@@ -1257,12 +1384,12 @@
           </a:prstGeom>
         </p:spPr>
         <p:txBody>
-          <a:bodyPr anchorCtr="0" anchor="t" bIns="91425" lIns="91425" spcFirstLastPara="1" rIns="91425" wrap="square" tIns="91425">
+          <a:bodyPr spcFirstLastPara="1" wrap="square" lIns="91425" tIns="91425" rIns="91425" bIns="91425" anchor="t" anchorCtr="0">
             <a:noAutofit/>
           </a:bodyPr>
           <a:lstStyle/>
           <a:p>
-            <a:pPr indent="0" lvl="0" marL="0" rtl="0" algn="l">
+            <a:pPr marL="0" lvl="0" indent="0" algn="l" rtl="0">
               <a:spcBef>
                 <a:spcPts val="0"/>
               </a:spcBef>
@@ -1278,7 +1405,7 @@
             <a:endParaRPr/>
           </a:p>
           <a:p>
-            <a:pPr indent="0" lvl="0" marL="0" rtl="0" algn="l">
+            <a:pPr marL="0" lvl="0" indent="0" algn="l" rtl="0">
               <a:spcBef>
                 <a:spcPts val="0"/>
               </a:spcBef>
@@ -1294,7 +1421,7 @@
             <a:endParaRPr/>
           </a:p>
           <a:p>
-            <a:pPr indent="0" lvl="0" marL="0" rtl="0" algn="l">
+            <a:pPr marL="0" lvl="0" indent="0" algn="l" rtl="0">
               <a:spcBef>
                 <a:spcPts val="0"/>
               </a:spcBef>
@@ -1310,7 +1437,7 @@
             <a:endParaRPr/>
           </a:p>
           <a:p>
-            <a:pPr indent="0" lvl="0" marL="0" rtl="0" algn="l">
+            <a:pPr marL="0" lvl="0" indent="0" algn="l" rtl="0">
               <a:spcBef>
                 <a:spcPts val="0"/>
               </a:spcBef>
@@ -1326,7 +1453,7 @@
             <a:endParaRPr/>
           </a:p>
           <a:p>
-            <a:pPr indent="0" lvl="0" marL="0" rtl="0" algn="l">
+            <a:pPr marL="0" lvl="0" indent="0" algn="l" rtl="0">
               <a:spcBef>
                 <a:spcPts val="0"/>
               </a:spcBef>
@@ -1342,7 +1469,7 @@
             <a:endParaRPr/>
           </a:p>
           <a:p>
-            <a:pPr indent="0" lvl="0" marL="0" rtl="0" algn="l">
+            <a:pPr marL="0" lvl="0" indent="0" algn="l" rtl="0">
               <a:spcBef>
                 <a:spcPts val="0"/>
               </a:spcBef>
@@ -1351,13 +1478,10 @@
               </a:spcAft>
               <a:buNone/>
             </a:pPr>
-            <a:r>
-              <a:t/>
-            </a:r>
             <a:endParaRPr/>
           </a:p>
           <a:p>
-            <a:pPr indent="0" lvl="0" marL="0" rtl="0" algn="l">
+            <a:pPr marL="0" lvl="0" indent="0" algn="l" rtl="0">
               <a:spcBef>
                 <a:spcPts val="0"/>
               </a:spcBef>
@@ -1373,7 +1497,7 @@
             <a:endParaRPr/>
           </a:p>
           <a:p>
-            <a:pPr indent="0" lvl="0" marL="0" rtl="0" algn="l">
+            <a:pPr marL="0" lvl="0" indent="0" algn="l" rtl="0">
               <a:spcBef>
                 <a:spcPts val="0"/>
               </a:spcBef>
@@ -1382,9 +1506,6 @@
               </a:spcAft>
               <a:buNone/>
             </a:pPr>
-            <a:r>
-              <a:t/>
-            </a:r>
             <a:endParaRPr/>
           </a:p>
         </p:txBody>
@@ -1397,12 +1518,12 @@
 </p:notes>
 </file>
 
-<file path=ppt/notesSlides/notesSlide6.xml><?xml version="1.0" encoding="utf-8"?>
-<p:notes xmlns:a="http://schemas.openxmlformats.org/drawingml/2006/main" xmlns:r="http://schemas.openxmlformats.org/officeDocument/2006/relationships" xmlns:mc="http://schemas.openxmlformats.org/markup-compatibility/2006" xmlns:mv="urn:schemas-microsoft-com:mac:vml" xmlns:p="http://schemas.openxmlformats.org/presentationml/2006/main" xmlns:c="http://schemas.openxmlformats.org/drawingml/2006/chart" xmlns:dgm="http://schemas.openxmlformats.org/drawingml/2006/diagram" xmlns:o="urn:schemas-microsoft-com:office:office" xmlns:v="urn:schemas-microsoft-com:vml" xmlns:pvml="urn:schemas-microsoft-com:office:powerpoint" xmlns:com="http://schemas.openxmlformats.org/drawingml/2006/compatibility" xmlns:p14="http://schemas.microsoft.com/office/powerpoint/2010/main" xmlns:p15="http://schemas.microsoft.com/office/powerpoint/2012/main" showMasterPhAnim="0" showMasterSp="0">
+<file path=ppt/notesSlides/notesSlide7.xml><?xml version="1.0" encoding="utf-8"?>
+<p:notes xmlns:a="http://schemas.openxmlformats.org/drawingml/2006/main" xmlns:r="http://schemas.openxmlformats.org/officeDocument/2006/relationships" xmlns:p="http://schemas.openxmlformats.org/presentationml/2006/main" showMasterSp="0" showMasterPhAnim="0">
   <p:cSld>
     <p:spTree>
       <p:nvGrpSpPr>
-        <p:cNvPr id="89" name="Shape 89"/>
+        <p:cNvPr id="1" name="Shape 89"/>
         <p:cNvGrpSpPr/>
         <p:nvPr/>
       </p:nvGrpSpPr>
@@ -1417,9 +1538,11 @@
       <p:sp>
         <p:nvSpPr>
           <p:cNvPr id="90" name="Google Shape;90;g78dd91d4b8_1_15:notes"/>
-          <p:cNvSpPr/>
+          <p:cNvSpPr>
+            <a:spLocks noGrp="1" noRot="1" noChangeAspect="1"/>
+          </p:cNvSpPr>
           <p:nvPr>
-            <p:ph idx="2" type="sldImg"/>
+            <p:ph type="sldImg" idx="2"/>
           </p:nvPr>
         </p:nvSpPr>
         <p:spPr>
@@ -1428,9 +1551,13 @@
             <a:ext cx="6096000" cy="3429000"/>
           </a:xfrm>
           <a:custGeom>
-            <a:rect b="b" l="l" r="r" t="t"/>
+            <a:avLst/>
+            <a:gdLst/>
+            <a:ahLst/>
+            <a:cxnLst/>
+            <a:rect l="l" t="t" r="r" b="b"/>
             <a:pathLst>
-              <a:path extrusionOk="0" h="120000" w="120000">
+              <a:path w="120000" h="120000" extrusionOk="0">
                 <a:moveTo>
                   <a:pt x="0" y="0"/>
                 </a:moveTo>
@@ -1452,9 +1579,11 @@
       <p:sp>
         <p:nvSpPr>
           <p:cNvPr id="91" name="Google Shape;91;g78dd91d4b8_1_15:notes"/>
-          <p:cNvSpPr txBox="1"/>
+          <p:cNvSpPr txBox="1">
+            <a:spLocks noGrp="1"/>
+          </p:cNvSpPr>
           <p:nvPr>
-            <p:ph idx="1" type="body"/>
+            <p:ph type="body" idx="1"/>
           </p:nvPr>
         </p:nvSpPr>
         <p:spPr>
@@ -1467,12 +1596,12 @@
           </a:prstGeom>
         </p:spPr>
         <p:txBody>
-          <a:bodyPr anchorCtr="0" anchor="t" bIns="91425" lIns="91425" spcFirstLastPara="1" rIns="91425" wrap="square" tIns="91425">
+          <a:bodyPr spcFirstLastPara="1" wrap="square" lIns="91425" tIns="91425" rIns="91425" bIns="91425" anchor="t" anchorCtr="0">
             <a:noAutofit/>
           </a:bodyPr>
           <a:lstStyle/>
           <a:p>
-            <a:pPr indent="0" lvl="0" marL="0" rtl="0" algn="l">
+            <a:pPr marL="0" lvl="0" indent="0" algn="l" rtl="0">
               <a:spcBef>
                 <a:spcPts val="0"/>
               </a:spcBef>
@@ -1497,12 +1626,12 @@
 </p:notes>
 </file>
 
-<file path=ppt/notesSlides/notesSlide7.xml><?xml version="1.0" encoding="utf-8"?>
-<p:notes xmlns:a="http://schemas.openxmlformats.org/drawingml/2006/main" xmlns:r="http://schemas.openxmlformats.org/officeDocument/2006/relationships" xmlns:mc="http://schemas.openxmlformats.org/markup-compatibility/2006" xmlns:mv="urn:schemas-microsoft-com:mac:vml" xmlns:p="http://schemas.openxmlformats.org/presentationml/2006/main" xmlns:c="http://schemas.openxmlformats.org/drawingml/2006/chart" xmlns:dgm="http://schemas.openxmlformats.org/drawingml/2006/diagram" xmlns:o="urn:schemas-microsoft-com:office:office" xmlns:v="urn:schemas-microsoft-com:vml" xmlns:pvml="urn:schemas-microsoft-com:office:powerpoint" xmlns:com="http://schemas.openxmlformats.org/drawingml/2006/compatibility" xmlns:p14="http://schemas.microsoft.com/office/powerpoint/2010/main" xmlns:p15="http://schemas.microsoft.com/office/powerpoint/2012/main" showMasterPhAnim="0" showMasterSp="0">
+<file path=ppt/notesSlides/notesSlide8.xml><?xml version="1.0" encoding="utf-8"?>
+<p:notes xmlns:a="http://schemas.openxmlformats.org/drawingml/2006/main" xmlns:r="http://schemas.openxmlformats.org/officeDocument/2006/relationships" xmlns:p="http://schemas.openxmlformats.org/presentationml/2006/main" showMasterSp="0" showMasterPhAnim="0">
   <p:cSld>
     <p:spTree>
       <p:nvGrpSpPr>
-        <p:cNvPr id="95" name="Shape 95"/>
+        <p:cNvPr id="1" name="Shape 95"/>
         <p:cNvGrpSpPr/>
         <p:nvPr/>
       </p:nvGrpSpPr>
@@ -1517,9 +1646,11 @@
       <p:sp>
         <p:nvSpPr>
           <p:cNvPr id="96" name="Google Shape;96;g7563595ec2_0_0:notes"/>
-          <p:cNvSpPr/>
+          <p:cNvSpPr>
+            <a:spLocks noGrp="1" noRot="1" noChangeAspect="1"/>
+          </p:cNvSpPr>
           <p:nvPr>
-            <p:ph idx="2" type="sldImg"/>
+            <p:ph type="sldImg" idx="2"/>
           </p:nvPr>
         </p:nvSpPr>
         <p:spPr>
@@ -1528,9 +1659,13 @@
             <a:ext cx="6096000" cy="3429000"/>
           </a:xfrm>
           <a:custGeom>
-            <a:rect b="b" l="l" r="r" t="t"/>
+            <a:avLst/>
+            <a:gdLst/>
+            <a:ahLst/>
+            <a:cxnLst/>
+            <a:rect l="l" t="t" r="r" b="b"/>
             <a:pathLst>
-              <a:path extrusionOk="0" h="120000" w="120000">
+              <a:path w="120000" h="120000" extrusionOk="0">
                 <a:moveTo>
                   <a:pt x="0" y="0"/>
                 </a:moveTo>
@@ -1552,9 +1687,11 @@
       <p:sp>
         <p:nvSpPr>
           <p:cNvPr id="97" name="Google Shape;97;g7563595ec2_0_0:notes"/>
-          <p:cNvSpPr txBox="1"/>
+          <p:cNvSpPr txBox="1">
+            <a:spLocks noGrp="1"/>
+          </p:cNvSpPr>
           <p:nvPr>
-            <p:ph idx="1" type="body"/>
+            <p:ph type="body" idx="1"/>
           </p:nvPr>
         </p:nvSpPr>
         <p:spPr>
@@ -1567,12 +1704,12 @@
           </a:prstGeom>
         </p:spPr>
         <p:txBody>
-          <a:bodyPr anchorCtr="0" anchor="t" bIns="91425" lIns="91425" spcFirstLastPara="1" rIns="91425" wrap="square" tIns="91425">
+          <a:bodyPr spcFirstLastPara="1" wrap="square" lIns="91425" tIns="91425" rIns="91425" bIns="91425" anchor="t" anchorCtr="0">
             <a:noAutofit/>
           </a:bodyPr>
           <a:lstStyle/>
           <a:p>
-            <a:pPr indent="0" lvl="0" marL="0" rtl="0" algn="l">
+            <a:pPr marL="0" lvl="0" indent="0" algn="l" rtl="0">
               <a:spcBef>
                 <a:spcPts val="0"/>
               </a:spcBef>
@@ -1598,11 +1735,11 @@
 </file>
 
 <file path=ppt/slideLayouts/slideLayout1.xml><?xml version="1.0" encoding="utf-8"?>
-<p:sldLayout xmlns:a="http://schemas.openxmlformats.org/drawingml/2006/main" xmlns:r="http://schemas.openxmlformats.org/officeDocument/2006/relationships" xmlns:mc="http://schemas.openxmlformats.org/markup-compatibility/2006" xmlns:mv="urn:schemas-microsoft-com:mac:vml" xmlns:p="http://schemas.openxmlformats.org/presentationml/2006/main" xmlns:c="http://schemas.openxmlformats.org/drawingml/2006/chart" xmlns:dgm="http://schemas.openxmlformats.org/drawingml/2006/diagram" xmlns:o="urn:schemas-microsoft-com:office:office" xmlns:v="urn:schemas-microsoft-com:vml" xmlns:pvml="urn:schemas-microsoft-com:office:powerpoint" xmlns:com="http://schemas.openxmlformats.org/drawingml/2006/compatibility" xmlns:p14="http://schemas.microsoft.com/office/powerpoint/2010/main" xmlns:p15="http://schemas.microsoft.com/office/powerpoint/2012/main" matchingName="Title slide" type="title">
+<p:sldLayout xmlns:a="http://schemas.openxmlformats.org/drawingml/2006/main" xmlns:r="http://schemas.openxmlformats.org/officeDocument/2006/relationships" xmlns:p="http://schemas.openxmlformats.org/presentationml/2006/main" matchingName="Title slide" type="title">
   <p:cSld name="TITLE">
     <p:spTree>
       <p:nvGrpSpPr>
-        <p:cNvPr id="9" name="Shape 9"/>
+        <p:cNvPr id="1" name="Shape 9"/>
         <p:cNvGrpSpPr/>
         <p:nvPr/>
       </p:nvGrpSpPr>
@@ -1617,7 +1754,9 @@
       <p:sp>
         <p:nvSpPr>
           <p:cNvPr id="10" name="Google Shape;10;p2"/>
-          <p:cNvSpPr txBox="1"/>
+          <p:cNvSpPr txBox="1">
+            <a:spLocks noGrp="1"/>
+          </p:cNvSpPr>
           <p:nvPr>
             <p:ph type="ctrTitle"/>
           </p:nvPr>
@@ -1632,7 +1771,7 @@
           </a:prstGeom>
         </p:spPr>
         <p:txBody>
-          <a:bodyPr anchorCtr="0" anchor="b" bIns="91425" lIns="91425" spcFirstLastPara="1" rIns="91425" wrap="square" tIns="91425">
+          <a:bodyPr spcFirstLastPara="1" wrap="square" lIns="91425" tIns="91425" rIns="91425" bIns="91425" anchor="b" anchorCtr="0">
             <a:noAutofit/>
           </a:bodyPr>
           <a:lstStyle>
@@ -1736,15 +1875,19 @@
               <a:defRPr sz="5200"/>
             </a:lvl9pPr>
           </a:lstStyle>
-          <a:p/>
+          <a:p>
+            <a:endParaRPr/>
+          </a:p>
         </p:txBody>
       </p:sp>
       <p:sp>
         <p:nvSpPr>
           <p:cNvPr id="11" name="Google Shape;11;p2"/>
-          <p:cNvSpPr txBox="1"/>
+          <p:cNvSpPr txBox="1">
+            <a:spLocks noGrp="1"/>
+          </p:cNvSpPr>
           <p:nvPr>
-            <p:ph idx="1" type="subTitle"/>
+            <p:ph type="subTitle" idx="1"/>
           </p:nvPr>
         </p:nvSpPr>
         <p:spPr>
@@ -1757,7 +1900,7 @@
           </a:prstGeom>
         </p:spPr>
         <p:txBody>
-          <a:bodyPr anchorCtr="0" anchor="t" bIns="91425" lIns="91425" spcFirstLastPara="1" rIns="91425" wrap="square" tIns="91425">
+          <a:bodyPr spcFirstLastPara="1" wrap="square" lIns="91425" tIns="91425" rIns="91425" bIns="91425" anchor="t" anchorCtr="0">
             <a:noAutofit/>
           </a:bodyPr>
           <a:lstStyle>
@@ -1888,15 +2031,19 @@
               <a:defRPr sz="2800"/>
             </a:lvl9pPr>
           </a:lstStyle>
-          <a:p/>
+          <a:p>
+            <a:endParaRPr/>
+          </a:p>
         </p:txBody>
       </p:sp>
       <p:sp>
         <p:nvSpPr>
           <p:cNvPr id="12" name="Google Shape;12;p2"/>
-          <p:cNvSpPr txBox="1"/>
+          <p:cNvSpPr txBox="1">
+            <a:spLocks noGrp="1"/>
+          </p:cNvSpPr>
           <p:nvPr>
-            <p:ph idx="12" type="sldNum"/>
+            <p:ph type="sldNum" idx="12"/>
           </p:nvPr>
         </p:nvSpPr>
         <p:spPr>
@@ -1909,7 +2056,7 @@
           </a:prstGeom>
         </p:spPr>
         <p:txBody>
-          <a:bodyPr anchorCtr="0" anchor="ctr" bIns="91425" lIns="91425" spcFirstLastPara="1" rIns="91425" wrap="square" tIns="91425">
+          <a:bodyPr spcFirstLastPara="1" wrap="square" lIns="91425" tIns="91425" rIns="91425" bIns="91425" anchor="ctr" anchorCtr="0">
             <a:noAutofit/>
           </a:bodyPr>
           <a:lstStyle>
@@ -1951,7 +2098,7 @@
             </a:lvl9pPr>
           </a:lstStyle>
           <a:p>
-            <a:pPr indent="0" lvl="0" marL="0" rtl="0" algn="r">
+            <a:pPr marL="0" lvl="0" indent="0" algn="r" rtl="0">
               <a:spcBef>
                 <a:spcPts val="0"/>
               </a:spcBef>
@@ -1977,11 +2124,11 @@
 </file>
 
 <file path=ppt/slideLayouts/slideLayout10.xml><?xml version="1.0" encoding="utf-8"?>
-<p:sldLayout xmlns:a="http://schemas.openxmlformats.org/drawingml/2006/main" xmlns:r="http://schemas.openxmlformats.org/officeDocument/2006/relationships" xmlns:mc="http://schemas.openxmlformats.org/markup-compatibility/2006" xmlns:mv="urn:schemas-microsoft-com:mac:vml" xmlns:p="http://schemas.openxmlformats.org/presentationml/2006/main" xmlns:c="http://schemas.openxmlformats.org/drawingml/2006/chart" xmlns:dgm="http://schemas.openxmlformats.org/drawingml/2006/diagram" xmlns:o="urn:schemas-microsoft-com:office:office" xmlns:v="urn:schemas-microsoft-com:vml" xmlns:pvml="urn:schemas-microsoft-com:office:powerpoint" xmlns:com="http://schemas.openxmlformats.org/drawingml/2006/compatibility" xmlns:p14="http://schemas.microsoft.com/office/powerpoint/2010/main" xmlns:p15="http://schemas.microsoft.com/office/powerpoint/2012/main" matchingName="Big number">
+<p:sldLayout xmlns:a="http://schemas.openxmlformats.org/drawingml/2006/main" xmlns:r="http://schemas.openxmlformats.org/officeDocument/2006/relationships" xmlns:p="http://schemas.openxmlformats.org/presentationml/2006/main" matchingName="Big number">
   <p:cSld name="BIG_NUMBER">
     <p:spTree>
       <p:nvGrpSpPr>
-        <p:cNvPr id="44" name="Shape 44"/>
+        <p:cNvPr id="1" name="Shape 44"/>
         <p:cNvGrpSpPr/>
         <p:nvPr/>
       </p:nvGrpSpPr>
@@ -1996,9 +2143,11 @@
       <p:sp>
         <p:nvSpPr>
           <p:cNvPr id="45" name="Google Shape;45;p11"/>
-          <p:cNvSpPr txBox="1"/>
+          <p:cNvSpPr txBox="1">
+            <a:spLocks noGrp="1"/>
+          </p:cNvSpPr>
           <p:nvPr>
-            <p:ph hasCustomPrompt="1" type="title"/>
+            <p:ph type="title" hasCustomPrompt="1"/>
           </p:nvPr>
         </p:nvSpPr>
         <p:spPr>
@@ -2011,7 +2160,7 @@
           </a:prstGeom>
         </p:spPr>
         <p:txBody>
-          <a:bodyPr anchorCtr="0" anchor="b" bIns="91425" lIns="91425" spcFirstLastPara="1" rIns="91425" wrap="square" tIns="91425">
+          <a:bodyPr spcFirstLastPara="1" wrap="square" lIns="91425" tIns="91425" rIns="91425" bIns="91425" anchor="b" anchorCtr="0">
             <a:noAutofit/>
           </a:bodyPr>
           <a:lstStyle>
@@ -2125,9 +2274,11 @@
       <p:sp>
         <p:nvSpPr>
           <p:cNvPr id="46" name="Google Shape;46;p11"/>
-          <p:cNvSpPr txBox="1"/>
+          <p:cNvSpPr txBox="1">
+            <a:spLocks noGrp="1"/>
+          </p:cNvSpPr>
           <p:nvPr>
-            <p:ph idx="1" type="body"/>
+            <p:ph type="body" idx="1"/>
           </p:nvPr>
         </p:nvSpPr>
         <p:spPr>
@@ -2140,11 +2291,11 @@
           </a:prstGeom>
         </p:spPr>
         <p:txBody>
-          <a:bodyPr anchorCtr="0" anchor="t" bIns="91425" lIns="91425" spcFirstLastPara="1" rIns="91425" wrap="square" tIns="91425">
+          <a:bodyPr spcFirstLastPara="1" wrap="square" lIns="91425" tIns="91425" rIns="91425" bIns="91425" anchor="t" anchorCtr="0">
             <a:noAutofit/>
           </a:bodyPr>
           <a:lstStyle>
-            <a:lvl1pPr indent="-342900" lvl="0" marL="457200" algn="ctr">
+            <a:lvl1pPr marL="457200" lvl="0" indent="-342900" algn="ctr">
               <a:spcBef>
                 <a:spcPts val="0"/>
               </a:spcBef>
@@ -2155,7 +2306,7 @@
               <a:buChar char="●"/>
               <a:defRPr/>
             </a:lvl1pPr>
-            <a:lvl2pPr indent="-317500" lvl="1" marL="914400" algn="ctr">
+            <a:lvl2pPr marL="914400" lvl="1" indent="-317500" algn="ctr">
               <a:spcBef>
                 <a:spcPts val="1600"/>
               </a:spcBef>
@@ -2166,7 +2317,7 @@
               <a:buChar char="○"/>
               <a:defRPr/>
             </a:lvl2pPr>
-            <a:lvl3pPr indent="-317500" lvl="2" marL="1371600" algn="ctr">
+            <a:lvl3pPr marL="1371600" lvl="2" indent="-317500" algn="ctr">
               <a:spcBef>
                 <a:spcPts val="1600"/>
               </a:spcBef>
@@ -2177,7 +2328,7 @@
               <a:buChar char="■"/>
               <a:defRPr/>
             </a:lvl3pPr>
-            <a:lvl4pPr indent="-317500" lvl="3" marL="1828800" algn="ctr">
+            <a:lvl4pPr marL="1828800" lvl="3" indent="-317500" algn="ctr">
               <a:spcBef>
                 <a:spcPts val="1600"/>
               </a:spcBef>
@@ -2188,7 +2339,7 @@
               <a:buChar char="●"/>
               <a:defRPr/>
             </a:lvl4pPr>
-            <a:lvl5pPr indent="-317500" lvl="4" marL="2286000" algn="ctr">
+            <a:lvl5pPr marL="2286000" lvl="4" indent="-317500" algn="ctr">
               <a:spcBef>
                 <a:spcPts val="1600"/>
               </a:spcBef>
@@ -2199,7 +2350,7 @@
               <a:buChar char="○"/>
               <a:defRPr/>
             </a:lvl5pPr>
-            <a:lvl6pPr indent="-317500" lvl="5" marL="2743200" algn="ctr">
+            <a:lvl6pPr marL="2743200" lvl="5" indent="-317500" algn="ctr">
               <a:spcBef>
                 <a:spcPts val="1600"/>
               </a:spcBef>
@@ -2210,7 +2361,7 @@
               <a:buChar char="■"/>
               <a:defRPr/>
             </a:lvl6pPr>
-            <a:lvl7pPr indent="-317500" lvl="6" marL="3200400" algn="ctr">
+            <a:lvl7pPr marL="3200400" lvl="6" indent="-317500" algn="ctr">
               <a:spcBef>
                 <a:spcPts val="1600"/>
               </a:spcBef>
@@ -2221,7 +2372,7 @@
               <a:buChar char="●"/>
               <a:defRPr/>
             </a:lvl7pPr>
-            <a:lvl8pPr indent="-317500" lvl="7" marL="3657600" algn="ctr">
+            <a:lvl8pPr marL="3657600" lvl="7" indent="-317500" algn="ctr">
               <a:spcBef>
                 <a:spcPts val="1600"/>
               </a:spcBef>
@@ -2232,7 +2383,7 @@
               <a:buChar char="○"/>
               <a:defRPr/>
             </a:lvl8pPr>
-            <a:lvl9pPr indent="-317500" lvl="8" marL="4114800" algn="ctr">
+            <a:lvl9pPr marL="4114800" lvl="8" indent="-317500" algn="ctr">
               <a:spcBef>
                 <a:spcPts val="1600"/>
               </a:spcBef>
@@ -2244,15 +2395,19 @@
               <a:defRPr/>
             </a:lvl9pPr>
           </a:lstStyle>
-          <a:p/>
+          <a:p>
+            <a:endParaRPr/>
+          </a:p>
         </p:txBody>
       </p:sp>
       <p:sp>
         <p:nvSpPr>
           <p:cNvPr id="47" name="Google Shape;47;p11"/>
-          <p:cNvSpPr txBox="1"/>
+          <p:cNvSpPr txBox="1">
+            <a:spLocks noGrp="1"/>
+          </p:cNvSpPr>
           <p:nvPr>
-            <p:ph idx="12" type="sldNum"/>
+            <p:ph type="sldNum" idx="12"/>
           </p:nvPr>
         </p:nvSpPr>
         <p:spPr>
@@ -2265,7 +2420,7 @@
           </a:prstGeom>
         </p:spPr>
         <p:txBody>
-          <a:bodyPr anchorCtr="0" anchor="ctr" bIns="91425" lIns="91425" spcFirstLastPara="1" rIns="91425" wrap="square" tIns="91425">
+          <a:bodyPr spcFirstLastPara="1" wrap="square" lIns="91425" tIns="91425" rIns="91425" bIns="91425" anchor="ctr" anchorCtr="0">
             <a:noAutofit/>
           </a:bodyPr>
           <a:lstStyle>
@@ -2307,7 +2462,7 @@
             </a:lvl9pPr>
           </a:lstStyle>
           <a:p>
-            <a:pPr indent="0" lvl="0" marL="0" rtl="0" algn="r">
+            <a:pPr marL="0" lvl="0" indent="0" algn="r" rtl="0">
               <a:spcBef>
                 <a:spcPts val="0"/>
               </a:spcBef>
@@ -2333,11 +2488,11 @@
 </file>
 
 <file path=ppt/slideLayouts/slideLayout11.xml><?xml version="1.0" encoding="utf-8"?>
-<p:sldLayout xmlns:a="http://schemas.openxmlformats.org/drawingml/2006/main" xmlns:r="http://schemas.openxmlformats.org/officeDocument/2006/relationships" xmlns:mc="http://schemas.openxmlformats.org/markup-compatibility/2006" xmlns:mv="urn:schemas-microsoft-com:mac:vml" xmlns:p="http://schemas.openxmlformats.org/presentationml/2006/main" xmlns:c="http://schemas.openxmlformats.org/drawingml/2006/chart" xmlns:dgm="http://schemas.openxmlformats.org/drawingml/2006/diagram" xmlns:o="urn:schemas-microsoft-com:office:office" xmlns:v="urn:schemas-microsoft-com:vml" xmlns:pvml="urn:schemas-microsoft-com:office:powerpoint" xmlns:com="http://schemas.openxmlformats.org/drawingml/2006/compatibility" xmlns:p14="http://schemas.microsoft.com/office/powerpoint/2010/main" xmlns:p15="http://schemas.microsoft.com/office/powerpoint/2012/main" matchingName="Blank" type="blank">
+<p:sldLayout xmlns:a="http://schemas.openxmlformats.org/drawingml/2006/main" xmlns:r="http://schemas.openxmlformats.org/officeDocument/2006/relationships" xmlns:p="http://schemas.openxmlformats.org/presentationml/2006/main" matchingName="Blank" type="blank">
   <p:cSld name="BLANK">
     <p:spTree>
       <p:nvGrpSpPr>
-        <p:cNvPr id="48" name="Shape 48"/>
+        <p:cNvPr id="1" name="Shape 48"/>
         <p:cNvGrpSpPr/>
         <p:nvPr/>
       </p:nvGrpSpPr>
@@ -2352,9 +2507,11 @@
       <p:sp>
         <p:nvSpPr>
           <p:cNvPr id="49" name="Google Shape;49;p12"/>
-          <p:cNvSpPr txBox="1"/>
+          <p:cNvSpPr txBox="1">
+            <a:spLocks noGrp="1"/>
+          </p:cNvSpPr>
           <p:nvPr>
-            <p:ph idx="12" type="sldNum"/>
+            <p:ph type="sldNum" idx="12"/>
           </p:nvPr>
         </p:nvSpPr>
         <p:spPr>
@@ -2367,7 +2524,7 @@
           </a:prstGeom>
         </p:spPr>
         <p:txBody>
-          <a:bodyPr anchorCtr="0" anchor="ctr" bIns="91425" lIns="91425" spcFirstLastPara="1" rIns="91425" wrap="square" tIns="91425">
+          <a:bodyPr spcFirstLastPara="1" wrap="square" lIns="91425" tIns="91425" rIns="91425" bIns="91425" anchor="ctr" anchorCtr="0">
             <a:noAutofit/>
           </a:bodyPr>
           <a:lstStyle>
@@ -2409,7 +2566,7 @@
             </a:lvl9pPr>
           </a:lstStyle>
           <a:p>
-            <a:pPr indent="0" lvl="0" marL="0" rtl="0" algn="r">
+            <a:pPr marL="0" lvl="0" indent="0" algn="r" rtl="0">
               <a:spcBef>
                 <a:spcPts val="0"/>
               </a:spcBef>
@@ -2435,11 +2592,11 @@
 </file>
 
 <file path=ppt/slideLayouts/slideLayout2.xml><?xml version="1.0" encoding="utf-8"?>
-<p:sldLayout xmlns:a="http://schemas.openxmlformats.org/drawingml/2006/main" xmlns:r="http://schemas.openxmlformats.org/officeDocument/2006/relationships" xmlns:mc="http://schemas.openxmlformats.org/markup-compatibility/2006" xmlns:mv="urn:schemas-microsoft-com:mac:vml" xmlns:p="http://schemas.openxmlformats.org/presentationml/2006/main" xmlns:c="http://schemas.openxmlformats.org/drawingml/2006/chart" xmlns:dgm="http://schemas.openxmlformats.org/drawingml/2006/diagram" xmlns:o="urn:schemas-microsoft-com:office:office" xmlns:v="urn:schemas-microsoft-com:vml" xmlns:pvml="urn:schemas-microsoft-com:office:powerpoint" xmlns:com="http://schemas.openxmlformats.org/drawingml/2006/compatibility" xmlns:p14="http://schemas.microsoft.com/office/powerpoint/2010/main" xmlns:p15="http://schemas.microsoft.com/office/powerpoint/2012/main" matchingName="Section header" type="secHead">
+<p:sldLayout xmlns:a="http://schemas.openxmlformats.org/drawingml/2006/main" xmlns:r="http://schemas.openxmlformats.org/officeDocument/2006/relationships" xmlns:p="http://schemas.openxmlformats.org/presentationml/2006/main" matchingName="Section header" type="secHead">
   <p:cSld name="SECTION_HEADER">
     <p:spTree>
       <p:nvGrpSpPr>
-        <p:cNvPr id="13" name="Shape 13"/>
+        <p:cNvPr id="1" name="Shape 13"/>
         <p:cNvGrpSpPr/>
         <p:nvPr/>
       </p:nvGrpSpPr>
@@ -2454,7 +2611,9 @@
       <p:sp>
         <p:nvSpPr>
           <p:cNvPr id="14" name="Google Shape;14;p3"/>
-          <p:cNvSpPr txBox="1"/>
+          <p:cNvSpPr txBox="1">
+            <a:spLocks noGrp="1"/>
+          </p:cNvSpPr>
           <p:nvPr>
             <p:ph type="title"/>
           </p:nvPr>
@@ -2469,7 +2628,7 @@
           </a:prstGeom>
         </p:spPr>
         <p:txBody>
-          <a:bodyPr anchorCtr="0" anchor="ctr" bIns="91425" lIns="91425" spcFirstLastPara="1" rIns="91425" wrap="square" tIns="91425">
+          <a:bodyPr spcFirstLastPara="1" wrap="square" lIns="91425" tIns="91425" rIns="91425" bIns="91425" anchor="ctr" anchorCtr="0">
             <a:noAutofit/>
           </a:bodyPr>
           <a:lstStyle>
@@ -2573,15 +2732,19 @@
               <a:defRPr sz="3600"/>
             </a:lvl9pPr>
           </a:lstStyle>
-          <a:p/>
+          <a:p>
+            <a:endParaRPr/>
+          </a:p>
         </p:txBody>
       </p:sp>
       <p:sp>
         <p:nvSpPr>
           <p:cNvPr id="15" name="Google Shape;15;p3"/>
-          <p:cNvSpPr txBox="1"/>
+          <p:cNvSpPr txBox="1">
+            <a:spLocks noGrp="1"/>
+          </p:cNvSpPr>
           <p:nvPr>
-            <p:ph idx="12" type="sldNum"/>
+            <p:ph type="sldNum" idx="12"/>
           </p:nvPr>
         </p:nvSpPr>
         <p:spPr>
@@ -2594,7 +2757,7 @@
           </a:prstGeom>
         </p:spPr>
         <p:txBody>
-          <a:bodyPr anchorCtr="0" anchor="ctr" bIns="91425" lIns="91425" spcFirstLastPara="1" rIns="91425" wrap="square" tIns="91425">
+          <a:bodyPr spcFirstLastPara="1" wrap="square" lIns="91425" tIns="91425" rIns="91425" bIns="91425" anchor="ctr" anchorCtr="0">
             <a:noAutofit/>
           </a:bodyPr>
           <a:lstStyle>
@@ -2636,7 +2799,7 @@
             </a:lvl9pPr>
           </a:lstStyle>
           <a:p>
-            <a:pPr indent="0" lvl="0" marL="0" rtl="0" algn="r">
+            <a:pPr marL="0" lvl="0" indent="0" algn="r" rtl="0">
               <a:spcBef>
                 <a:spcPts val="0"/>
               </a:spcBef>
@@ -2662,11 +2825,11 @@
 </file>
 
 <file path=ppt/slideLayouts/slideLayout3.xml><?xml version="1.0" encoding="utf-8"?>
-<p:sldLayout xmlns:a="http://schemas.openxmlformats.org/drawingml/2006/main" xmlns:r="http://schemas.openxmlformats.org/officeDocument/2006/relationships" xmlns:mc="http://schemas.openxmlformats.org/markup-compatibility/2006" xmlns:mv="urn:schemas-microsoft-com:mac:vml" xmlns:p="http://schemas.openxmlformats.org/presentationml/2006/main" xmlns:c="http://schemas.openxmlformats.org/drawingml/2006/chart" xmlns:dgm="http://schemas.openxmlformats.org/drawingml/2006/diagram" xmlns:o="urn:schemas-microsoft-com:office:office" xmlns:v="urn:schemas-microsoft-com:vml" xmlns:pvml="urn:schemas-microsoft-com:office:powerpoint" xmlns:com="http://schemas.openxmlformats.org/drawingml/2006/compatibility" xmlns:p14="http://schemas.microsoft.com/office/powerpoint/2010/main" xmlns:p15="http://schemas.microsoft.com/office/powerpoint/2012/main" matchingName="Title and body" type="tx">
+<p:sldLayout xmlns:a="http://schemas.openxmlformats.org/drawingml/2006/main" xmlns:r="http://schemas.openxmlformats.org/officeDocument/2006/relationships" xmlns:p="http://schemas.openxmlformats.org/presentationml/2006/main" matchingName="Title and body" type="tx">
   <p:cSld name="TITLE_AND_BODY">
     <p:spTree>
       <p:nvGrpSpPr>
-        <p:cNvPr id="16" name="Shape 16"/>
+        <p:cNvPr id="1" name="Shape 16"/>
         <p:cNvGrpSpPr/>
         <p:nvPr/>
       </p:nvGrpSpPr>
@@ -2681,7 +2844,9 @@
       <p:sp>
         <p:nvSpPr>
           <p:cNvPr id="17" name="Google Shape;17;p4"/>
-          <p:cNvSpPr txBox="1"/>
+          <p:cNvSpPr txBox="1">
+            <a:spLocks noGrp="1"/>
+          </p:cNvSpPr>
           <p:nvPr>
             <p:ph type="title"/>
           </p:nvPr>
@@ -2696,7 +2861,7 @@
           </a:prstGeom>
         </p:spPr>
         <p:txBody>
-          <a:bodyPr anchorCtr="0" anchor="t" bIns="91425" lIns="91425" spcFirstLastPara="1" rIns="91425" wrap="square" tIns="91425">
+          <a:bodyPr spcFirstLastPara="1" wrap="square" lIns="91425" tIns="91425" rIns="91425" bIns="91425" anchor="t" anchorCtr="0">
             <a:noAutofit/>
           </a:bodyPr>
           <a:lstStyle>
@@ -2800,15 +2965,19 @@
               <a:defRPr/>
             </a:lvl9pPr>
           </a:lstStyle>
-          <a:p/>
+          <a:p>
+            <a:endParaRPr/>
+          </a:p>
         </p:txBody>
       </p:sp>
       <p:sp>
         <p:nvSpPr>
           <p:cNvPr id="18" name="Google Shape;18;p4"/>
-          <p:cNvSpPr txBox="1"/>
+          <p:cNvSpPr txBox="1">
+            <a:spLocks noGrp="1"/>
+          </p:cNvSpPr>
           <p:nvPr>
-            <p:ph idx="1" type="body"/>
+            <p:ph type="body" idx="1"/>
           </p:nvPr>
         </p:nvSpPr>
         <p:spPr>
@@ -2821,11 +2990,11 @@
           </a:prstGeom>
         </p:spPr>
         <p:txBody>
-          <a:bodyPr anchorCtr="0" anchor="t" bIns="91425" lIns="91425" spcFirstLastPara="1" rIns="91425" wrap="square" tIns="91425">
+          <a:bodyPr spcFirstLastPara="1" wrap="square" lIns="91425" tIns="91425" rIns="91425" bIns="91425" anchor="t" anchorCtr="0">
             <a:noAutofit/>
           </a:bodyPr>
           <a:lstStyle>
-            <a:lvl1pPr indent="-342900" lvl="0" marL="457200">
+            <a:lvl1pPr marL="457200" lvl="0" indent="-342900">
               <a:spcBef>
                 <a:spcPts val="0"/>
               </a:spcBef>
@@ -2836,7 +3005,7 @@
               <a:buChar char="●"/>
               <a:defRPr/>
             </a:lvl1pPr>
-            <a:lvl2pPr indent="-317500" lvl="1" marL="914400">
+            <a:lvl2pPr marL="914400" lvl="1" indent="-317500">
               <a:spcBef>
                 <a:spcPts val="1600"/>
               </a:spcBef>
@@ -2847,7 +3016,7 @@
               <a:buChar char="○"/>
               <a:defRPr/>
             </a:lvl2pPr>
-            <a:lvl3pPr indent="-317500" lvl="2" marL="1371600">
+            <a:lvl3pPr marL="1371600" lvl="2" indent="-317500">
               <a:spcBef>
                 <a:spcPts val="1600"/>
               </a:spcBef>
@@ -2858,7 +3027,7 @@
               <a:buChar char="■"/>
               <a:defRPr/>
             </a:lvl3pPr>
-            <a:lvl4pPr indent="-317500" lvl="3" marL="1828800">
+            <a:lvl4pPr marL="1828800" lvl="3" indent="-317500">
               <a:spcBef>
                 <a:spcPts val="1600"/>
               </a:spcBef>
@@ -2869,7 +3038,7 @@
               <a:buChar char="●"/>
               <a:defRPr/>
             </a:lvl4pPr>
-            <a:lvl5pPr indent="-317500" lvl="4" marL="2286000">
+            <a:lvl5pPr marL="2286000" lvl="4" indent="-317500">
               <a:spcBef>
                 <a:spcPts val="1600"/>
               </a:spcBef>
@@ -2880,7 +3049,7 @@
               <a:buChar char="○"/>
               <a:defRPr/>
             </a:lvl5pPr>
-            <a:lvl6pPr indent="-317500" lvl="5" marL="2743200">
+            <a:lvl6pPr marL="2743200" lvl="5" indent="-317500">
               <a:spcBef>
                 <a:spcPts val="1600"/>
               </a:spcBef>
@@ -2891,7 +3060,7 @@
               <a:buChar char="■"/>
               <a:defRPr/>
             </a:lvl6pPr>
-            <a:lvl7pPr indent="-317500" lvl="6" marL="3200400">
+            <a:lvl7pPr marL="3200400" lvl="6" indent="-317500">
               <a:spcBef>
                 <a:spcPts val="1600"/>
               </a:spcBef>
@@ -2902,7 +3071,7 @@
               <a:buChar char="●"/>
               <a:defRPr/>
             </a:lvl7pPr>
-            <a:lvl8pPr indent="-317500" lvl="7" marL="3657600">
+            <a:lvl8pPr marL="3657600" lvl="7" indent="-317500">
               <a:spcBef>
                 <a:spcPts val="1600"/>
               </a:spcBef>
@@ -2913,7 +3082,7 @@
               <a:buChar char="○"/>
               <a:defRPr/>
             </a:lvl8pPr>
-            <a:lvl9pPr indent="-317500" lvl="8" marL="4114800">
+            <a:lvl9pPr marL="4114800" lvl="8" indent="-317500">
               <a:spcBef>
                 <a:spcPts val="1600"/>
               </a:spcBef>
@@ -2925,15 +3094,19 @@
               <a:defRPr/>
             </a:lvl9pPr>
           </a:lstStyle>
-          <a:p/>
+          <a:p>
+            <a:endParaRPr/>
+          </a:p>
         </p:txBody>
       </p:sp>
       <p:sp>
         <p:nvSpPr>
           <p:cNvPr id="19" name="Google Shape;19;p4"/>
-          <p:cNvSpPr txBox="1"/>
+          <p:cNvSpPr txBox="1">
+            <a:spLocks noGrp="1"/>
+          </p:cNvSpPr>
           <p:nvPr>
-            <p:ph idx="12" type="sldNum"/>
+            <p:ph type="sldNum" idx="12"/>
           </p:nvPr>
         </p:nvSpPr>
         <p:spPr>
@@ -2946,7 +3119,7 @@
           </a:prstGeom>
         </p:spPr>
         <p:txBody>
-          <a:bodyPr anchorCtr="0" anchor="ctr" bIns="91425" lIns="91425" spcFirstLastPara="1" rIns="91425" wrap="square" tIns="91425">
+          <a:bodyPr spcFirstLastPara="1" wrap="square" lIns="91425" tIns="91425" rIns="91425" bIns="91425" anchor="ctr" anchorCtr="0">
             <a:noAutofit/>
           </a:bodyPr>
           <a:lstStyle>
@@ -2988,7 +3161,7 @@
             </a:lvl9pPr>
           </a:lstStyle>
           <a:p>
-            <a:pPr indent="0" lvl="0" marL="0" rtl="0" algn="r">
+            <a:pPr marL="0" lvl="0" indent="0" algn="r" rtl="0">
               <a:spcBef>
                 <a:spcPts val="0"/>
               </a:spcBef>
@@ -3014,11 +3187,11 @@
 </file>
 
 <file path=ppt/slideLayouts/slideLayout4.xml><?xml version="1.0" encoding="utf-8"?>
-<p:sldLayout xmlns:a="http://schemas.openxmlformats.org/drawingml/2006/main" xmlns:r="http://schemas.openxmlformats.org/officeDocument/2006/relationships" xmlns:mc="http://schemas.openxmlformats.org/markup-compatibility/2006" xmlns:mv="urn:schemas-microsoft-com:mac:vml" xmlns:p="http://schemas.openxmlformats.org/presentationml/2006/main" xmlns:c="http://schemas.openxmlformats.org/drawingml/2006/chart" xmlns:dgm="http://schemas.openxmlformats.org/drawingml/2006/diagram" xmlns:o="urn:schemas-microsoft-com:office:office" xmlns:v="urn:schemas-microsoft-com:vml" xmlns:pvml="urn:schemas-microsoft-com:office:powerpoint" xmlns:com="http://schemas.openxmlformats.org/drawingml/2006/compatibility" xmlns:p14="http://schemas.microsoft.com/office/powerpoint/2010/main" xmlns:p15="http://schemas.microsoft.com/office/powerpoint/2012/main" matchingName="Title and two columns" type="twoColTx">
+<p:sldLayout xmlns:a="http://schemas.openxmlformats.org/drawingml/2006/main" xmlns:r="http://schemas.openxmlformats.org/officeDocument/2006/relationships" xmlns:p="http://schemas.openxmlformats.org/presentationml/2006/main" matchingName="Title and two columns" type="twoColTx">
   <p:cSld name="TITLE_AND_TWO_COLUMNS">
     <p:spTree>
       <p:nvGrpSpPr>
-        <p:cNvPr id="20" name="Shape 20"/>
+        <p:cNvPr id="1" name="Shape 20"/>
         <p:cNvGrpSpPr/>
         <p:nvPr/>
       </p:nvGrpSpPr>
@@ -3033,7 +3206,9 @@
       <p:sp>
         <p:nvSpPr>
           <p:cNvPr id="21" name="Google Shape;21;p5"/>
-          <p:cNvSpPr txBox="1"/>
+          <p:cNvSpPr txBox="1">
+            <a:spLocks noGrp="1"/>
+          </p:cNvSpPr>
           <p:nvPr>
             <p:ph type="title"/>
           </p:nvPr>
@@ -3048,7 +3223,7 @@
           </a:prstGeom>
         </p:spPr>
         <p:txBody>
-          <a:bodyPr anchorCtr="0" anchor="t" bIns="91425" lIns="91425" spcFirstLastPara="1" rIns="91425" wrap="square" tIns="91425">
+          <a:bodyPr spcFirstLastPara="1" wrap="square" lIns="91425" tIns="91425" rIns="91425" bIns="91425" anchor="t" anchorCtr="0">
             <a:noAutofit/>
           </a:bodyPr>
           <a:lstStyle>
@@ -3152,15 +3327,19 @@
               <a:defRPr/>
             </a:lvl9pPr>
           </a:lstStyle>
-          <a:p/>
+          <a:p>
+            <a:endParaRPr/>
+          </a:p>
         </p:txBody>
       </p:sp>
       <p:sp>
         <p:nvSpPr>
           <p:cNvPr id="22" name="Google Shape;22;p5"/>
-          <p:cNvSpPr txBox="1"/>
+          <p:cNvSpPr txBox="1">
+            <a:spLocks noGrp="1"/>
+          </p:cNvSpPr>
           <p:nvPr>
-            <p:ph idx="1" type="body"/>
+            <p:ph type="body" idx="1"/>
           </p:nvPr>
         </p:nvSpPr>
         <p:spPr>
@@ -3173,11 +3352,11 @@
           </a:prstGeom>
         </p:spPr>
         <p:txBody>
-          <a:bodyPr anchorCtr="0" anchor="t" bIns="91425" lIns="91425" spcFirstLastPara="1" rIns="91425" wrap="square" tIns="91425">
+          <a:bodyPr spcFirstLastPara="1" wrap="square" lIns="91425" tIns="91425" rIns="91425" bIns="91425" anchor="t" anchorCtr="0">
             <a:noAutofit/>
           </a:bodyPr>
           <a:lstStyle>
-            <a:lvl1pPr indent="-317500" lvl="0" marL="457200">
+            <a:lvl1pPr marL="457200" lvl="0" indent="-317500">
               <a:spcBef>
                 <a:spcPts val="0"/>
               </a:spcBef>
@@ -3188,7 +3367,7 @@
               <a:buChar char="●"/>
               <a:defRPr sz="1400"/>
             </a:lvl1pPr>
-            <a:lvl2pPr indent="-304800" lvl="1" marL="914400">
+            <a:lvl2pPr marL="914400" lvl="1" indent="-304800">
               <a:spcBef>
                 <a:spcPts val="1600"/>
               </a:spcBef>
@@ -3199,7 +3378,7 @@
               <a:buChar char="○"/>
               <a:defRPr sz="1200"/>
             </a:lvl2pPr>
-            <a:lvl3pPr indent="-304800" lvl="2" marL="1371600">
+            <a:lvl3pPr marL="1371600" lvl="2" indent="-304800">
               <a:spcBef>
                 <a:spcPts val="1600"/>
               </a:spcBef>
@@ -3210,7 +3389,7 @@
               <a:buChar char="■"/>
               <a:defRPr sz="1200"/>
             </a:lvl3pPr>
-            <a:lvl4pPr indent="-304800" lvl="3" marL="1828800">
+            <a:lvl4pPr marL="1828800" lvl="3" indent="-304800">
               <a:spcBef>
                 <a:spcPts val="1600"/>
               </a:spcBef>
@@ -3221,7 +3400,7 @@
               <a:buChar char="●"/>
               <a:defRPr sz="1200"/>
             </a:lvl4pPr>
-            <a:lvl5pPr indent="-304800" lvl="4" marL="2286000">
+            <a:lvl5pPr marL="2286000" lvl="4" indent="-304800">
               <a:spcBef>
                 <a:spcPts val="1600"/>
               </a:spcBef>
@@ -3232,7 +3411,7 @@
               <a:buChar char="○"/>
               <a:defRPr sz="1200"/>
             </a:lvl5pPr>
-            <a:lvl6pPr indent="-304800" lvl="5" marL="2743200">
+            <a:lvl6pPr marL="2743200" lvl="5" indent="-304800">
               <a:spcBef>
                 <a:spcPts val="1600"/>
               </a:spcBef>
@@ -3243,7 +3422,7 @@
               <a:buChar char="■"/>
               <a:defRPr sz="1200"/>
             </a:lvl6pPr>
-            <a:lvl7pPr indent="-304800" lvl="6" marL="3200400">
+            <a:lvl7pPr marL="3200400" lvl="6" indent="-304800">
               <a:spcBef>
                 <a:spcPts val="1600"/>
               </a:spcBef>
@@ -3254,7 +3433,7 @@
               <a:buChar char="●"/>
               <a:defRPr sz="1200"/>
             </a:lvl7pPr>
-            <a:lvl8pPr indent="-304800" lvl="7" marL="3657600">
+            <a:lvl8pPr marL="3657600" lvl="7" indent="-304800">
               <a:spcBef>
                 <a:spcPts val="1600"/>
               </a:spcBef>
@@ -3265,7 +3444,7 @@
               <a:buChar char="○"/>
               <a:defRPr sz="1200"/>
             </a:lvl8pPr>
-            <a:lvl9pPr indent="-304800" lvl="8" marL="4114800">
+            <a:lvl9pPr marL="4114800" lvl="8" indent="-304800">
               <a:spcBef>
                 <a:spcPts val="1600"/>
               </a:spcBef>
@@ -3277,15 +3456,19 @@
               <a:defRPr sz="1200"/>
             </a:lvl9pPr>
           </a:lstStyle>
-          <a:p/>
+          <a:p>
+            <a:endParaRPr/>
+          </a:p>
         </p:txBody>
       </p:sp>
       <p:sp>
         <p:nvSpPr>
           <p:cNvPr id="23" name="Google Shape;23;p5"/>
-          <p:cNvSpPr txBox="1"/>
+          <p:cNvSpPr txBox="1">
+            <a:spLocks noGrp="1"/>
+          </p:cNvSpPr>
           <p:nvPr>
-            <p:ph idx="2" type="body"/>
+            <p:ph type="body" idx="2"/>
           </p:nvPr>
         </p:nvSpPr>
         <p:spPr>
@@ -3298,11 +3481,11 @@
           </a:prstGeom>
         </p:spPr>
         <p:txBody>
-          <a:bodyPr anchorCtr="0" anchor="t" bIns="91425" lIns="91425" spcFirstLastPara="1" rIns="91425" wrap="square" tIns="91425">
+          <a:bodyPr spcFirstLastPara="1" wrap="square" lIns="91425" tIns="91425" rIns="91425" bIns="91425" anchor="t" anchorCtr="0">
             <a:noAutofit/>
           </a:bodyPr>
           <a:lstStyle>
-            <a:lvl1pPr indent="-317500" lvl="0" marL="457200">
+            <a:lvl1pPr marL="457200" lvl="0" indent="-317500">
               <a:spcBef>
                 <a:spcPts val="0"/>
               </a:spcBef>
@@ -3313,7 +3496,7 @@
               <a:buChar char="●"/>
               <a:defRPr sz="1400"/>
             </a:lvl1pPr>
-            <a:lvl2pPr indent="-304800" lvl="1" marL="914400">
+            <a:lvl2pPr marL="914400" lvl="1" indent="-304800">
               <a:spcBef>
                 <a:spcPts val="1600"/>
               </a:spcBef>
@@ -3324,7 +3507,7 @@
               <a:buChar char="○"/>
               <a:defRPr sz="1200"/>
             </a:lvl2pPr>
-            <a:lvl3pPr indent="-304800" lvl="2" marL="1371600">
+            <a:lvl3pPr marL="1371600" lvl="2" indent="-304800">
               <a:spcBef>
                 <a:spcPts val="1600"/>
               </a:spcBef>
@@ -3335,7 +3518,7 @@
               <a:buChar char="■"/>
               <a:defRPr sz="1200"/>
             </a:lvl3pPr>
-            <a:lvl4pPr indent="-304800" lvl="3" marL="1828800">
+            <a:lvl4pPr marL="1828800" lvl="3" indent="-304800">
               <a:spcBef>
                 <a:spcPts val="1600"/>
               </a:spcBef>
@@ -3346,7 +3529,7 @@
               <a:buChar char="●"/>
               <a:defRPr sz="1200"/>
             </a:lvl4pPr>
-            <a:lvl5pPr indent="-304800" lvl="4" marL="2286000">
+            <a:lvl5pPr marL="2286000" lvl="4" indent="-304800">
               <a:spcBef>
                 <a:spcPts val="1600"/>
               </a:spcBef>
@@ -3357,7 +3540,7 @@
               <a:buChar char="○"/>
               <a:defRPr sz="1200"/>
             </a:lvl5pPr>
-            <a:lvl6pPr indent="-304800" lvl="5" marL="2743200">
+            <a:lvl6pPr marL="2743200" lvl="5" indent="-304800">
               <a:spcBef>
                 <a:spcPts val="1600"/>
               </a:spcBef>
@@ -3368,7 +3551,7 @@
               <a:buChar char="■"/>
               <a:defRPr sz="1200"/>
             </a:lvl6pPr>
-            <a:lvl7pPr indent="-304800" lvl="6" marL="3200400">
+            <a:lvl7pPr marL="3200400" lvl="6" indent="-304800">
               <a:spcBef>
                 <a:spcPts val="1600"/>
               </a:spcBef>
@@ -3379,7 +3562,7 @@
               <a:buChar char="●"/>
               <a:defRPr sz="1200"/>
             </a:lvl7pPr>
-            <a:lvl8pPr indent="-304800" lvl="7" marL="3657600">
+            <a:lvl8pPr marL="3657600" lvl="7" indent="-304800">
               <a:spcBef>
                 <a:spcPts val="1600"/>
               </a:spcBef>
@@ -3390,7 +3573,7 @@
               <a:buChar char="○"/>
               <a:defRPr sz="1200"/>
             </a:lvl8pPr>
-            <a:lvl9pPr indent="-304800" lvl="8" marL="4114800">
+            <a:lvl9pPr marL="4114800" lvl="8" indent="-304800">
               <a:spcBef>
                 <a:spcPts val="1600"/>
               </a:spcBef>
@@ -3402,15 +3585,19 @@
               <a:defRPr sz="1200"/>
             </a:lvl9pPr>
           </a:lstStyle>
-          <a:p/>
+          <a:p>
+            <a:endParaRPr/>
+          </a:p>
         </p:txBody>
       </p:sp>
       <p:sp>
         <p:nvSpPr>
           <p:cNvPr id="24" name="Google Shape;24;p5"/>
-          <p:cNvSpPr txBox="1"/>
+          <p:cNvSpPr txBox="1">
+            <a:spLocks noGrp="1"/>
+          </p:cNvSpPr>
           <p:nvPr>
-            <p:ph idx="12" type="sldNum"/>
+            <p:ph type="sldNum" idx="12"/>
           </p:nvPr>
         </p:nvSpPr>
         <p:spPr>
@@ -3423,7 +3610,7 @@
           </a:prstGeom>
         </p:spPr>
         <p:txBody>
-          <a:bodyPr anchorCtr="0" anchor="ctr" bIns="91425" lIns="91425" spcFirstLastPara="1" rIns="91425" wrap="square" tIns="91425">
+          <a:bodyPr spcFirstLastPara="1" wrap="square" lIns="91425" tIns="91425" rIns="91425" bIns="91425" anchor="ctr" anchorCtr="0">
             <a:noAutofit/>
           </a:bodyPr>
           <a:lstStyle>
@@ -3465,7 +3652,7 @@
             </a:lvl9pPr>
           </a:lstStyle>
           <a:p>
-            <a:pPr indent="0" lvl="0" marL="0" rtl="0" algn="r">
+            <a:pPr marL="0" lvl="0" indent="0" algn="r" rtl="0">
               <a:spcBef>
                 <a:spcPts val="0"/>
               </a:spcBef>
@@ -3491,11 +3678,11 @@
 </file>
 
 <file path=ppt/slideLayouts/slideLayout5.xml><?xml version="1.0" encoding="utf-8"?>
-<p:sldLayout xmlns:a="http://schemas.openxmlformats.org/drawingml/2006/main" xmlns:r="http://schemas.openxmlformats.org/officeDocument/2006/relationships" xmlns:mc="http://schemas.openxmlformats.org/markup-compatibility/2006" xmlns:mv="urn:schemas-microsoft-com:mac:vml" xmlns:p="http://schemas.openxmlformats.org/presentationml/2006/main" xmlns:c="http://schemas.openxmlformats.org/drawingml/2006/chart" xmlns:dgm="http://schemas.openxmlformats.org/drawingml/2006/diagram" xmlns:o="urn:schemas-microsoft-com:office:office" xmlns:v="urn:schemas-microsoft-com:vml" xmlns:pvml="urn:schemas-microsoft-com:office:powerpoint" xmlns:com="http://schemas.openxmlformats.org/drawingml/2006/compatibility" xmlns:p14="http://schemas.microsoft.com/office/powerpoint/2010/main" xmlns:p15="http://schemas.microsoft.com/office/powerpoint/2012/main" matchingName="Title only" type="titleOnly">
+<p:sldLayout xmlns:a="http://schemas.openxmlformats.org/drawingml/2006/main" xmlns:r="http://schemas.openxmlformats.org/officeDocument/2006/relationships" xmlns:p="http://schemas.openxmlformats.org/presentationml/2006/main" matchingName="Title only" type="titleOnly">
   <p:cSld name="TITLE_ONLY">
     <p:spTree>
       <p:nvGrpSpPr>
-        <p:cNvPr id="25" name="Shape 25"/>
+        <p:cNvPr id="1" name="Shape 25"/>
         <p:cNvGrpSpPr/>
         <p:nvPr/>
       </p:nvGrpSpPr>
@@ -3510,7 +3697,9 @@
       <p:sp>
         <p:nvSpPr>
           <p:cNvPr id="26" name="Google Shape;26;p6"/>
-          <p:cNvSpPr txBox="1"/>
+          <p:cNvSpPr txBox="1">
+            <a:spLocks noGrp="1"/>
+          </p:cNvSpPr>
           <p:nvPr>
             <p:ph type="title"/>
           </p:nvPr>
@@ -3525,7 +3714,7 @@
           </a:prstGeom>
         </p:spPr>
         <p:txBody>
-          <a:bodyPr anchorCtr="0" anchor="t" bIns="91425" lIns="91425" spcFirstLastPara="1" rIns="91425" wrap="square" tIns="91425">
+          <a:bodyPr spcFirstLastPara="1" wrap="square" lIns="91425" tIns="91425" rIns="91425" bIns="91425" anchor="t" anchorCtr="0">
             <a:noAutofit/>
           </a:bodyPr>
           <a:lstStyle>
@@ -3629,15 +3818,19 @@
               <a:defRPr/>
             </a:lvl9pPr>
           </a:lstStyle>
-          <a:p/>
+          <a:p>
+            <a:endParaRPr/>
+          </a:p>
         </p:txBody>
       </p:sp>
       <p:sp>
         <p:nvSpPr>
           <p:cNvPr id="27" name="Google Shape;27;p6"/>
-          <p:cNvSpPr txBox="1"/>
+          <p:cNvSpPr txBox="1">
+            <a:spLocks noGrp="1"/>
+          </p:cNvSpPr>
           <p:nvPr>
-            <p:ph idx="12" type="sldNum"/>
+            <p:ph type="sldNum" idx="12"/>
           </p:nvPr>
         </p:nvSpPr>
         <p:spPr>
@@ -3650,7 +3843,7 @@
           </a:prstGeom>
         </p:spPr>
         <p:txBody>
-          <a:bodyPr anchorCtr="0" anchor="ctr" bIns="91425" lIns="91425" spcFirstLastPara="1" rIns="91425" wrap="square" tIns="91425">
+          <a:bodyPr spcFirstLastPara="1" wrap="square" lIns="91425" tIns="91425" rIns="91425" bIns="91425" anchor="ctr" anchorCtr="0">
             <a:noAutofit/>
           </a:bodyPr>
           <a:lstStyle>
@@ -3692,7 +3885,7 @@
             </a:lvl9pPr>
           </a:lstStyle>
           <a:p>
-            <a:pPr indent="0" lvl="0" marL="0" rtl="0" algn="r">
+            <a:pPr marL="0" lvl="0" indent="0" algn="r" rtl="0">
               <a:spcBef>
                 <a:spcPts val="0"/>
               </a:spcBef>
@@ -3718,11 +3911,11 @@
 </file>
 
 <file path=ppt/slideLayouts/slideLayout6.xml><?xml version="1.0" encoding="utf-8"?>
-<p:sldLayout xmlns:a="http://schemas.openxmlformats.org/drawingml/2006/main" xmlns:r="http://schemas.openxmlformats.org/officeDocument/2006/relationships" xmlns:mc="http://schemas.openxmlformats.org/markup-compatibility/2006" xmlns:mv="urn:schemas-microsoft-com:mac:vml" xmlns:p="http://schemas.openxmlformats.org/presentationml/2006/main" xmlns:c="http://schemas.openxmlformats.org/drawingml/2006/chart" xmlns:dgm="http://schemas.openxmlformats.org/drawingml/2006/diagram" xmlns:o="urn:schemas-microsoft-com:office:office" xmlns:v="urn:schemas-microsoft-com:vml" xmlns:pvml="urn:schemas-microsoft-com:office:powerpoint" xmlns:com="http://schemas.openxmlformats.org/drawingml/2006/compatibility" xmlns:p14="http://schemas.microsoft.com/office/powerpoint/2010/main" xmlns:p15="http://schemas.microsoft.com/office/powerpoint/2012/main" matchingName="One column text">
+<p:sldLayout xmlns:a="http://schemas.openxmlformats.org/drawingml/2006/main" xmlns:r="http://schemas.openxmlformats.org/officeDocument/2006/relationships" xmlns:p="http://schemas.openxmlformats.org/presentationml/2006/main" matchingName="One column text">
   <p:cSld name="ONE_COLUMN_TEXT">
     <p:spTree>
       <p:nvGrpSpPr>
-        <p:cNvPr id="28" name="Shape 28"/>
+        <p:cNvPr id="1" name="Shape 28"/>
         <p:cNvGrpSpPr/>
         <p:nvPr/>
       </p:nvGrpSpPr>
@@ -3737,7 +3930,9 @@
       <p:sp>
         <p:nvSpPr>
           <p:cNvPr id="29" name="Google Shape;29;p7"/>
-          <p:cNvSpPr txBox="1"/>
+          <p:cNvSpPr txBox="1">
+            <a:spLocks noGrp="1"/>
+          </p:cNvSpPr>
           <p:nvPr>
             <p:ph type="title"/>
           </p:nvPr>
@@ -3752,7 +3947,7 @@
           </a:prstGeom>
         </p:spPr>
         <p:txBody>
-          <a:bodyPr anchorCtr="0" anchor="b" bIns="91425" lIns="91425" spcFirstLastPara="1" rIns="91425" wrap="square" tIns="91425">
+          <a:bodyPr spcFirstLastPara="1" wrap="square" lIns="91425" tIns="91425" rIns="91425" bIns="91425" anchor="b" anchorCtr="0">
             <a:noAutofit/>
           </a:bodyPr>
           <a:lstStyle>
@@ -3856,15 +4051,19 @@
               <a:defRPr sz="2400"/>
             </a:lvl9pPr>
           </a:lstStyle>
-          <a:p/>
+          <a:p>
+            <a:endParaRPr/>
+          </a:p>
         </p:txBody>
       </p:sp>
       <p:sp>
         <p:nvSpPr>
           <p:cNvPr id="30" name="Google Shape;30;p7"/>
-          <p:cNvSpPr txBox="1"/>
+          <p:cNvSpPr txBox="1">
+            <a:spLocks noGrp="1"/>
+          </p:cNvSpPr>
           <p:nvPr>
-            <p:ph idx="1" type="body"/>
+            <p:ph type="body" idx="1"/>
           </p:nvPr>
         </p:nvSpPr>
         <p:spPr>
@@ -3877,11 +4076,11 @@
           </a:prstGeom>
         </p:spPr>
         <p:txBody>
-          <a:bodyPr anchorCtr="0" anchor="t" bIns="91425" lIns="91425" spcFirstLastPara="1" rIns="91425" wrap="square" tIns="91425">
+          <a:bodyPr spcFirstLastPara="1" wrap="square" lIns="91425" tIns="91425" rIns="91425" bIns="91425" anchor="t" anchorCtr="0">
             <a:noAutofit/>
           </a:bodyPr>
           <a:lstStyle>
-            <a:lvl1pPr indent="-304800" lvl="0" marL="457200">
+            <a:lvl1pPr marL="457200" lvl="0" indent="-304800">
               <a:spcBef>
                 <a:spcPts val="0"/>
               </a:spcBef>
@@ -3892,7 +4091,7 @@
               <a:buChar char="●"/>
               <a:defRPr sz="1200"/>
             </a:lvl1pPr>
-            <a:lvl2pPr indent="-304800" lvl="1" marL="914400">
+            <a:lvl2pPr marL="914400" lvl="1" indent="-304800">
               <a:spcBef>
                 <a:spcPts val="1600"/>
               </a:spcBef>
@@ -3903,7 +4102,7 @@
               <a:buChar char="○"/>
               <a:defRPr sz="1200"/>
             </a:lvl2pPr>
-            <a:lvl3pPr indent="-304800" lvl="2" marL="1371600">
+            <a:lvl3pPr marL="1371600" lvl="2" indent="-304800">
               <a:spcBef>
                 <a:spcPts val="1600"/>
               </a:spcBef>
@@ -3914,7 +4113,7 @@
               <a:buChar char="■"/>
               <a:defRPr sz="1200"/>
             </a:lvl3pPr>
-            <a:lvl4pPr indent="-304800" lvl="3" marL="1828800">
+            <a:lvl4pPr marL="1828800" lvl="3" indent="-304800">
               <a:spcBef>
                 <a:spcPts val="1600"/>
               </a:spcBef>
@@ -3925,7 +4124,7 @@
               <a:buChar char="●"/>
               <a:defRPr sz="1200"/>
             </a:lvl4pPr>
-            <a:lvl5pPr indent="-304800" lvl="4" marL="2286000">
+            <a:lvl5pPr marL="2286000" lvl="4" indent="-304800">
               <a:spcBef>
                 <a:spcPts val="1600"/>
               </a:spcBef>
@@ -3936,7 +4135,7 @@
               <a:buChar char="○"/>
               <a:defRPr sz="1200"/>
             </a:lvl5pPr>
-            <a:lvl6pPr indent="-304800" lvl="5" marL="2743200">
+            <a:lvl6pPr marL="2743200" lvl="5" indent="-304800">
               <a:spcBef>
                 <a:spcPts val="1600"/>
               </a:spcBef>
@@ -3947,7 +4146,7 @@
               <a:buChar char="■"/>
               <a:defRPr sz="1200"/>
             </a:lvl6pPr>
-            <a:lvl7pPr indent="-304800" lvl="6" marL="3200400">
+            <a:lvl7pPr marL="3200400" lvl="6" indent="-304800">
               <a:spcBef>
                 <a:spcPts val="1600"/>
               </a:spcBef>
@@ -3958,7 +4157,7 @@
               <a:buChar char="●"/>
               <a:defRPr sz="1200"/>
             </a:lvl7pPr>
-            <a:lvl8pPr indent="-304800" lvl="7" marL="3657600">
+            <a:lvl8pPr marL="3657600" lvl="7" indent="-304800">
               <a:spcBef>
                 <a:spcPts val="1600"/>
               </a:spcBef>
@@ -3969,7 +4168,7 @@
               <a:buChar char="○"/>
               <a:defRPr sz="1200"/>
             </a:lvl8pPr>
-            <a:lvl9pPr indent="-304800" lvl="8" marL="4114800">
+            <a:lvl9pPr marL="4114800" lvl="8" indent="-304800">
               <a:spcBef>
                 <a:spcPts val="1600"/>
               </a:spcBef>
@@ -3981,15 +4180,19 @@
               <a:defRPr sz="1200"/>
             </a:lvl9pPr>
           </a:lstStyle>
-          <a:p/>
+          <a:p>
+            <a:endParaRPr/>
+          </a:p>
         </p:txBody>
       </p:sp>
       <p:sp>
         <p:nvSpPr>
           <p:cNvPr id="31" name="Google Shape;31;p7"/>
-          <p:cNvSpPr txBox="1"/>
+          <p:cNvSpPr txBox="1">
+            <a:spLocks noGrp="1"/>
+          </p:cNvSpPr>
           <p:nvPr>
-            <p:ph idx="12" type="sldNum"/>
+            <p:ph type="sldNum" idx="12"/>
           </p:nvPr>
         </p:nvSpPr>
         <p:spPr>
@@ -4002,7 +4205,7 @@
           </a:prstGeom>
         </p:spPr>
         <p:txBody>
-          <a:bodyPr anchorCtr="0" anchor="ctr" bIns="91425" lIns="91425" spcFirstLastPara="1" rIns="91425" wrap="square" tIns="91425">
+          <a:bodyPr spcFirstLastPara="1" wrap="square" lIns="91425" tIns="91425" rIns="91425" bIns="91425" anchor="ctr" anchorCtr="0">
             <a:noAutofit/>
           </a:bodyPr>
           <a:lstStyle>
@@ -4044,7 +4247,7 @@
             </a:lvl9pPr>
           </a:lstStyle>
           <a:p>
-            <a:pPr indent="0" lvl="0" marL="0" rtl="0" algn="r">
+            <a:pPr marL="0" lvl="0" indent="0" algn="r" rtl="0">
               <a:spcBef>
                 <a:spcPts val="0"/>
               </a:spcBef>
@@ -4070,11 +4273,11 @@
 </file>
 
 <file path=ppt/slideLayouts/slideLayout7.xml><?xml version="1.0" encoding="utf-8"?>
-<p:sldLayout xmlns:a="http://schemas.openxmlformats.org/drawingml/2006/main" xmlns:r="http://schemas.openxmlformats.org/officeDocument/2006/relationships" xmlns:mc="http://schemas.openxmlformats.org/markup-compatibility/2006" xmlns:mv="urn:schemas-microsoft-com:mac:vml" xmlns:p="http://schemas.openxmlformats.org/presentationml/2006/main" xmlns:c="http://schemas.openxmlformats.org/drawingml/2006/chart" xmlns:dgm="http://schemas.openxmlformats.org/drawingml/2006/diagram" xmlns:o="urn:schemas-microsoft-com:office:office" xmlns:v="urn:schemas-microsoft-com:vml" xmlns:pvml="urn:schemas-microsoft-com:office:powerpoint" xmlns:com="http://schemas.openxmlformats.org/drawingml/2006/compatibility" xmlns:p14="http://schemas.microsoft.com/office/powerpoint/2010/main" xmlns:p15="http://schemas.microsoft.com/office/powerpoint/2012/main" matchingName="Main point">
+<p:sldLayout xmlns:a="http://schemas.openxmlformats.org/drawingml/2006/main" xmlns:r="http://schemas.openxmlformats.org/officeDocument/2006/relationships" xmlns:p="http://schemas.openxmlformats.org/presentationml/2006/main" matchingName="Main point">
   <p:cSld name="MAIN_POINT">
     <p:spTree>
       <p:nvGrpSpPr>
-        <p:cNvPr id="32" name="Shape 32"/>
+        <p:cNvPr id="1" name="Shape 32"/>
         <p:cNvGrpSpPr/>
         <p:nvPr/>
       </p:nvGrpSpPr>
@@ -4089,7 +4292,9 @@
       <p:sp>
         <p:nvSpPr>
           <p:cNvPr id="33" name="Google Shape;33;p8"/>
-          <p:cNvSpPr txBox="1"/>
+          <p:cNvSpPr txBox="1">
+            <a:spLocks noGrp="1"/>
+          </p:cNvSpPr>
           <p:nvPr>
             <p:ph type="title"/>
           </p:nvPr>
@@ -4104,7 +4309,7 @@
           </a:prstGeom>
         </p:spPr>
         <p:txBody>
-          <a:bodyPr anchorCtr="0" anchor="ctr" bIns="91425" lIns="91425" spcFirstLastPara="1" rIns="91425" wrap="square" tIns="91425">
+          <a:bodyPr spcFirstLastPara="1" wrap="square" lIns="91425" tIns="91425" rIns="91425" bIns="91425" anchor="ctr" anchorCtr="0">
             <a:noAutofit/>
           </a:bodyPr>
           <a:lstStyle>
@@ -4208,15 +4413,19 @@
               <a:defRPr sz="4800"/>
             </a:lvl9pPr>
           </a:lstStyle>
-          <a:p/>
+          <a:p>
+            <a:endParaRPr/>
+          </a:p>
         </p:txBody>
       </p:sp>
       <p:sp>
         <p:nvSpPr>
           <p:cNvPr id="34" name="Google Shape;34;p8"/>
-          <p:cNvSpPr txBox="1"/>
+          <p:cNvSpPr txBox="1">
+            <a:spLocks noGrp="1"/>
+          </p:cNvSpPr>
           <p:nvPr>
-            <p:ph idx="12" type="sldNum"/>
+            <p:ph type="sldNum" idx="12"/>
           </p:nvPr>
         </p:nvSpPr>
         <p:spPr>
@@ -4229,7 +4438,7 @@
           </a:prstGeom>
         </p:spPr>
         <p:txBody>
-          <a:bodyPr anchorCtr="0" anchor="ctr" bIns="91425" lIns="91425" spcFirstLastPara="1" rIns="91425" wrap="square" tIns="91425">
+          <a:bodyPr spcFirstLastPara="1" wrap="square" lIns="91425" tIns="91425" rIns="91425" bIns="91425" anchor="ctr" anchorCtr="0">
             <a:noAutofit/>
           </a:bodyPr>
           <a:lstStyle>
@@ -4271,7 +4480,7 @@
             </a:lvl9pPr>
           </a:lstStyle>
           <a:p>
-            <a:pPr indent="0" lvl="0" marL="0" rtl="0" algn="r">
+            <a:pPr marL="0" lvl="0" indent="0" algn="r" rtl="0">
               <a:spcBef>
                 <a:spcPts val="0"/>
               </a:spcBef>
@@ -4297,11 +4506,11 @@
 </file>
 
 <file path=ppt/slideLayouts/slideLayout8.xml><?xml version="1.0" encoding="utf-8"?>
-<p:sldLayout xmlns:a="http://schemas.openxmlformats.org/drawingml/2006/main" xmlns:r="http://schemas.openxmlformats.org/officeDocument/2006/relationships" xmlns:mc="http://schemas.openxmlformats.org/markup-compatibility/2006" xmlns:mv="urn:schemas-microsoft-com:mac:vml" xmlns:p="http://schemas.openxmlformats.org/presentationml/2006/main" xmlns:c="http://schemas.openxmlformats.org/drawingml/2006/chart" xmlns:dgm="http://schemas.openxmlformats.org/drawingml/2006/diagram" xmlns:o="urn:schemas-microsoft-com:office:office" xmlns:v="urn:schemas-microsoft-com:vml" xmlns:pvml="urn:schemas-microsoft-com:office:powerpoint" xmlns:com="http://schemas.openxmlformats.org/drawingml/2006/compatibility" xmlns:p14="http://schemas.microsoft.com/office/powerpoint/2010/main" xmlns:p15="http://schemas.microsoft.com/office/powerpoint/2012/main" matchingName="Section title and description">
+<p:sldLayout xmlns:a="http://schemas.openxmlformats.org/drawingml/2006/main" xmlns:r="http://schemas.openxmlformats.org/officeDocument/2006/relationships" xmlns:p="http://schemas.openxmlformats.org/presentationml/2006/main" matchingName="Section title and description">
   <p:cSld name="SECTION_TITLE_AND_DESCRIPTION">
     <p:spTree>
       <p:nvGrpSpPr>
-        <p:cNvPr id="35" name="Shape 35"/>
+        <p:cNvPr id="1" name="Shape 35"/>
         <p:cNvGrpSpPr/>
         <p:nvPr/>
       </p:nvGrpSpPr>
@@ -4335,12 +4544,12 @@
           </a:ln>
         </p:spPr>
         <p:txBody>
-          <a:bodyPr anchorCtr="0" anchor="ctr" bIns="91425" lIns="91425" spcFirstLastPara="1" rIns="91425" wrap="square" tIns="91425">
+          <a:bodyPr spcFirstLastPara="1" wrap="square" lIns="91425" tIns="91425" rIns="91425" bIns="91425" anchor="ctr" anchorCtr="0">
             <a:noAutofit/>
           </a:bodyPr>
           <a:lstStyle/>
           <a:p>
-            <a:pPr indent="0" lvl="0" marL="0" rtl="0" algn="l">
+            <a:pPr marL="0" lvl="0" indent="0" algn="l" rtl="0">
               <a:spcBef>
                 <a:spcPts val="0"/>
               </a:spcBef>
@@ -4349,9 +4558,6 @@
               </a:spcAft>
               <a:buNone/>
             </a:pPr>
-            <a:r>
-              <a:t/>
-            </a:r>
             <a:endParaRPr/>
           </a:p>
         </p:txBody>
@@ -4359,7 +4565,9 @@
       <p:sp>
         <p:nvSpPr>
           <p:cNvPr id="37" name="Google Shape;37;p9"/>
-          <p:cNvSpPr txBox="1"/>
+          <p:cNvSpPr txBox="1">
+            <a:spLocks noGrp="1"/>
+          </p:cNvSpPr>
           <p:nvPr>
             <p:ph type="title"/>
           </p:nvPr>
@@ -4374,7 +4582,7 @@
           </a:prstGeom>
         </p:spPr>
         <p:txBody>
-          <a:bodyPr anchorCtr="0" anchor="b" bIns="91425" lIns="91425" spcFirstLastPara="1" rIns="91425" wrap="square" tIns="91425">
+          <a:bodyPr spcFirstLastPara="1" wrap="square" lIns="91425" tIns="91425" rIns="91425" bIns="91425" anchor="b" anchorCtr="0">
             <a:noAutofit/>
           </a:bodyPr>
           <a:lstStyle>
@@ -4478,15 +4686,19 @@
               <a:defRPr sz="4200"/>
             </a:lvl9pPr>
           </a:lstStyle>
-          <a:p/>
+          <a:p>
+            <a:endParaRPr/>
+          </a:p>
         </p:txBody>
       </p:sp>
       <p:sp>
         <p:nvSpPr>
           <p:cNvPr id="38" name="Google Shape;38;p9"/>
-          <p:cNvSpPr txBox="1"/>
+          <p:cNvSpPr txBox="1">
+            <a:spLocks noGrp="1"/>
+          </p:cNvSpPr>
           <p:nvPr>
-            <p:ph idx="1" type="subTitle"/>
+            <p:ph type="subTitle" idx="1"/>
           </p:nvPr>
         </p:nvSpPr>
         <p:spPr>
@@ -4499,7 +4711,7 @@
           </a:prstGeom>
         </p:spPr>
         <p:txBody>
-          <a:bodyPr anchorCtr="0" anchor="t" bIns="91425" lIns="91425" spcFirstLastPara="1" rIns="91425" wrap="square" tIns="91425">
+          <a:bodyPr spcFirstLastPara="1" wrap="square" lIns="91425" tIns="91425" rIns="91425" bIns="91425" anchor="t" anchorCtr="0">
             <a:noAutofit/>
           </a:bodyPr>
           <a:lstStyle>
@@ -4630,15 +4842,19 @@
               <a:defRPr sz="2100"/>
             </a:lvl9pPr>
           </a:lstStyle>
-          <a:p/>
+          <a:p>
+            <a:endParaRPr/>
+          </a:p>
         </p:txBody>
       </p:sp>
       <p:sp>
         <p:nvSpPr>
           <p:cNvPr id="39" name="Google Shape;39;p9"/>
-          <p:cNvSpPr txBox="1"/>
+          <p:cNvSpPr txBox="1">
+            <a:spLocks noGrp="1"/>
+          </p:cNvSpPr>
           <p:nvPr>
-            <p:ph idx="2" type="body"/>
+            <p:ph type="body" idx="2"/>
           </p:nvPr>
         </p:nvSpPr>
         <p:spPr>
@@ -4651,11 +4867,11 @@
           </a:prstGeom>
         </p:spPr>
         <p:txBody>
-          <a:bodyPr anchorCtr="0" anchor="ctr" bIns="91425" lIns="91425" spcFirstLastPara="1" rIns="91425" wrap="square" tIns="91425">
+          <a:bodyPr spcFirstLastPara="1" wrap="square" lIns="91425" tIns="91425" rIns="91425" bIns="91425" anchor="ctr" anchorCtr="0">
             <a:noAutofit/>
           </a:bodyPr>
           <a:lstStyle>
-            <a:lvl1pPr indent="-342900" lvl="0" marL="457200">
+            <a:lvl1pPr marL="457200" lvl="0" indent="-342900">
               <a:spcBef>
                 <a:spcPts val="0"/>
               </a:spcBef>
@@ -4666,7 +4882,7 @@
               <a:buChar char="●"/>
               <a:defRPr/>
             </a:lvl1pPr>
-            <a:lvl2pPr indent="-317500" lvl="1" marL="914400">
+            <a:lvl2pPr marL="914400" lvl="1" indent="-317500">
               <a:spcBef>
                 <a:spcPts val="1600"/>
               </a:spcBef>
@@ -4677,7 +4893,7 @@
               <a:buChar char="○"/>
               <a:defRPr/>
             </a:lvl2pPr>
-            <a:lvl3pPr indent="-317500" lvl="2" marL="1371600">
+            <a:lvl3pPr marL="1371600" lvl="2" indent="-317500">
               <a:spcBef>
                 <a:spcPts val="1600"/>
               </a:spcBef>
@@ -4688,7 +4904,7 @@
               <a:buChar char="■"/>
               <a:defRPr/>
             </a:lvl3pPr>
-            <a:lvl4pPr indent="-317500" lvl="3" marL="1828800">
+            <a:lvl4pPr marL="1828800" lvl="3" indent="-317500">
               <a:spcBef>
                 <a:spcPts val="1600"/>
               </a:spcBef>
@@ -4699,7 +4915,7 @@
               <a:buChar char="●"/>
               <a:defRPr/>
             </a:lvl4pPr>
-            <a:lvl5pPr indent="-317500" lvl="4" marL="2286000">
+            <a:lvl5pPr marL="2286000" lvl="4" indent="-317500">
               <a:spcBef>
                 <a:spcPts val="1600"/>
               </a:spcBef>
@@ -4710,7 +4926,7 @@
               <a:buChar char="○"/>
               <a:defRPr/>
             </a:lvl5pPr>
-            <a:lvl6pPr indent="-317500" lvl="5" marL="2743200">
+            <a:lvl6pPr marL="2743200" lvl="5" indent="-317500">
               <a:spcBef>
                 <a:spcPts val="1600"/>
               </a:spcBef>
@@ -4721,7 +4937,7 @@
               <a:buChar char="■"/>
               <a:defRPr/>
             </a:lvl6pPr>
-            <a:lvl7pPr indent="-317500" lvl="6" marL="3200400">
+            <a:lvl7pPr marL="3200400" lvl="6" indent="-317500">
               <a:spcBef>
                 <a:spcPts val="1600"/>
               </a:spcBef>
@@ -4732,7 +4948,7 @@
               <a:buChar char="●"/>
               <a:defRPr/>
             </a:lvl7pPr>
-            <a:lvl8pPr indent="-317500" lvl="7" marL="3657600">
+            <a:lvl8pPr marL="3657600" lvl="7" indent="-317500">
               <a:spcBef>
                 <a:spcPts val="1600"/>
               </a:spcBef>
@@ -4743,7 +4959,7 @@
               <a:buChar char="○"/>
               <a:defRPr/>
             </a:lvl8pPr>
-            <a:lvl9pPr indent="-317500" lvl="8" marL="4114800">
+            <a:lvl9pPr marL="4114800" lvl="8" indent="-317500">
               <a:spcBef>
                 <a:spcPts val="1600"/>
               </a:spcBef>
@@ -4755,15 +4971,19 @@
               <a:defRPr/>
             </a:lvl9pPr>
           </a:lstStyle>
-          <a:p/>
+          <a:p>
+            <a:endParaRPr/>
+          </a:p>
         </p:txBody>
       </p:sp>
       <p:sp>
         <p:nvSpPr>
           <p:cNvPr id="40" name="Google Shape;40;p9"/>
-          <p:cNvSpPr txBox="1"/>
+          <p:cNvSpPr txBox="1">
+            <a:spLocks noGrp="1"/>
+          </p:cNvSpPr>
           <p:nvPr>
-            <p:ph idx="12" type="sldNum"/>
+            <p:ph type="sldNum" idx="12"/>
           </p:nvPr>
         </p:nvSpPr>
         <p:spPr>
@@ -4776,7 +4996,7 @@
           </a:prstGeom>
         </p:spPr>
         <p:txBody>
-          <a:bodyPr anchorCtr="0" anchor="ctr" bIns="91425" lIns="91425" spcFirstLastPara="1" rIns="91425" wrap="square" tIns="91425">
+          <a:bodyPr spcFirstLastPara="1" wrap="square" lIns="91425" tIns="91425" rIns="91425" bIns="91425" anchor="ctr" anchorCtr="0">
             <a:noAutofit/>
           </a:bodyPr>
           <a:lstStyle>
@@ -4818,7 +5038,7 @@
             </a:lvl9pPr>
           </a:lstStyle>
           <a:p>
-            <a:pPr indent="0" lvl="0" marL="0" rtl="0" algn="r">
+            <a:pPr marL="0" lvl="0" indent="0" algn="r" rtl="0">
               <a:spcBef>
                 <a:spcPts val="0"/>
               </a:spcBef>
@@ -4844,11 +5064,11 @@
 </file>
 
 <file path=ppt/slideLayouts/slideLayout9.xml><?xml version="1.0" encoding="utf-8"?>
-<p:sldLayout xmlns:a="http://schemas.openxmlformats.org/drawingml/2006/main" xmlns:r="http://schemas.openxmlformats.org/officeDocument/2006/relationships" xmlns:mc="http://schemas.openxmlformats.org/markup-compatibility/2006" xmlns:mv="urn:schemas-microsoft-com:mac:vml" xmlns:p="http://schemas.openxmlformats.org/presentationml/2006/main" xmlns:c="http://schemas.openxmlformats.org/drawingml/2006/chart" xmlns:dgm="http://schemas.openxmlformats.org/drawingml/2006/diagram" xmlns:o="urn:schemas-microsoft-com:office:office" xmlns:v="urn:schemas-microsoft-com:vml" xmlns:pvml="urn:schemas-microsoft-com:office:powerpoint" xmlns:com="http://schemas.openxmlformats.org/drawingml/2006/compatibility" xmlns:p14="http://schemas.microsoft.com/office/powerpoint/2010/main" xmlns:p15="http://schemas.microsoft.com/office/powerpoint/2012/main" matchingName="Caption">
+<p:sldLayout xmlns:a="http://schemas.openxmlformats.org/drawingml/2006/main" xmlns:r="http://schemas.openxmlformats.org/officeDocument/2006/relationships" xmlns:p="http://schemas.openxmlformats.org/presentationml/2006/main" matchingName="Caption">
   <p:cSld name="CAPTION_ONLY">
     <p:spTree>
       <p:nvGrpSpPr>
-        <p:cNvPr id="41" name="Shape 41"/>
+        <p:cNvPr id="1" name="Shape 41"/>
         <p:cNvGrpSpPr/>
         <p:nvPr/>
       </p:nvGrpSpPr>
@@ -4863,9 +5083,11 @@
       <p:sp>
         <p:nvSpPr>
           <p:cNvPr id="42" name="Google Shape;42;p10"/>
-          <p:cNvSpPr txBox="1"/>
+          <p:cNvSpPr txBox="1">
+            <a:spLocks noGrp="1"/>
+          </p:cNvSpPr>
           <p:nvPr>
-            <p:ph idx="1" type="body"/>
+            <p:ph type="body" idx="1"/>
           </p:nvPr>
         </p:nvSpPr>
         <p:spPr>
@@ -4878,11 +5100,11 @@
           </a:prstGeom>
         </p:spPr>
         <p:txBody>
-          <a:bodyPr anchorCtr="0" anchor="ctr" bIns="91425" lIns="91425" spcFirstLastPara="1" rIns="91425" wrap="square" tIns="91425">
+          <a:bodyPr spcFirstLastPara="1" wrap="square" lIns="91425" tIns="91425" rIns="91425" bIns="91425" anchor="ctr" anchorCtr="0">
             <a:noAutofit/>
           </a:bodyPr>
           <a:lstStyle>
-            <a:lvl1pPr indent="-228600" lvl="0" marL="457200">
+            <a:lvl1pPr marL="457200" lvl="0" indent="-228600">
               <a:lnSpc>
                 <a:spcPct val="100000"/>
               </a:lnSpc>
@@ -4897,15 +5119,19 @@
               <a:defRPr/>
             </a:lvl1pPr>
           </a:lstStyle>
-          <a:p/>
+          <a:p>
+            <a:endParaRPr/>
+          </a:p>
         </p:txBody>
       </p:sp>
       <p:sp>
         <p:nvSpPr>
           <p:cNvPr id="43" name="Google Shape;43;p10"/>
-          <p:cNvSpPr txBox="1"/>
+          <p:cNvSpPr txBox="1">
+            <a:spLocks noGrp="1"/>
+          </p:cNvSpPr>
           <p:nvPr>
-            <p:ph idx="12" type="sldNum"/>
+            <p:ph type="sldNum" idx="12"/>
           </p:nvPr>
         </p:nvSpPr>
         <p:spPr>
@@ -4918,7 +5144,7 @@
           </a:prstGeom>
         </p:spPr>
         <p:txBody>
-          <a:bodyPr anchorCtr="0" anchor="ctr" bIns="91425" lIns="91425" spcFirstLastPara="1" rIns="91425" wrap="square" tIns="91425">
+          <a:bodyPr spcFirstLastPara="1" wrap="square" lIns="91425" tIns="91425" rIns="91425" bIns="91425" anchor="ctr" anchorCtr="0">
             <a:noAutofit/>
           </a:bodyPr>
           <a:lstStyle>
@@ -4960,7 +5186,7 @@
             </a:lvl9pPr>
           </a:lstStyle>
           <a:p>
-            <a:pPr indent="0" lvl="0" marL="0" rtl="0" algn="r">
+            <a:pPr marL="0" lvl="0" indent="0" algn="r" rtl="0">
               <a:spcBef>
                 <a:spcPts val="0"/>
               </a:spcBef>
@@ -4986,18 +5212,19 @@
 </file>
 
 <file path=ppt/slideMasters/slideMaster1.xml><?xml version="1.0" encoding="utf-8"?>
-<p:sldMaster xmlns:a="http://schemas.openxmlformats.org/drawingml/2006/main" xmlns:r="http://schemas.openxmlformats.org/officeDocument/2006/relationships" xmlns:mc="http://schemas.openxmlformats.org/markup-compatibility/2006" xmlns:mv="urn:schemas-microsoft-com:mac:vml" xmlns:p="http://schemas.openxmlformats.org/presentationml/2006/main" xmlns:c="http://schemas.openxmlformats.org/drawingml/2006/chart" xmlns:dgm="http://schemas.openxmlformats.org/drawingml/2006/diagram" xmlns:o="urn:schemas-microsoft-com:office:office" xmlns:v="urn:schemas-microsoft-com:vml" xmlns:pvml="urn:schemas-microsoft-com:office:powerpoint" xmlns:com="http://schemas.openxmlformats.org/drawingml/2006/compatibility" xmlns:p14="http://schemas.microsoft.com/office/powerpoint/2010/main" xmlns:p15="http://schemas.microsoft.com/office/powerpoint/2012/main">
+<p:sldMaster xmlns:a="http://schemas.openxmlformats.org/drawingml/2006/main" xmlns:r="http://schemas.openxmlformats.org/officeDocument/2006/relationships" xmlns:p="http://schemas.openxmlformats.org/presentationml/2006/main">
   <p:cSld name="simple-light-2">
     <p:bg>
       <p:bgPr>
         <a:solidFill>
           <a:schemeClr val="lt1"/>
         </a:solidFill>
+        <a:effectLst/>
       </p:bgPr>
     </p:bg>
     <p:spTree>
       <p:nvGrpSpPr>
-        <p:cNvPr id="5" name="Shape 5"/>
+        <p:cNvPr id="1" name="Shape 5"/>
         <p:cNvGrpSpPr/>
         <p:nvPr/>
       </p:nvGrpSpPr>
@@ -5012,7 +5239,9 @@
       <p:sp>
         <p:nvSpPr>
           <p:cNvPr id="6" name="Google Shape;6;p1"/>
-          <p:cNvSpPr txBox="1"/>
+          <p:cNvSpPr txBox="1">
+            <a:spLocks noGrp="1"/>
+          </p:cNvSpPr>
           <p:nvPr>
             <p:ph type="title"/>
           </p:nvPr>
@@ -5031,7 +5260,7 @@
           </a:ln>
         </p:spPr>
         <p:txBody>
-          <a:bodyPr anchorCtr="0" anchor="t" bIns="91425" lIns="91425" spcFirstLastPara="1" rIns="91425" wrap="square" tIns="91425">
+          <a:bodyPr spcFirstLastPara="1" wrap="square" lIns="91425" tIns="91425" rIns="91425" bIns="91425" anchor="t" anchorCtr="0">
             <a:noAutofit/>
           </a:bodyPr>
           <a:lstStyle>
@@ -5198,15 +5427,19 @@
               </a:defRPr>
             </a:lvl9pPr>
           </a:lstStyle>
-          <a:p/>
+          <a:p>
+            <a:endParaRPr/>
+          </a:p>
         </p:txBody>
       </p:sp>
       <p:sp>
         <p:nvSpPr>
           <p:cNvPr id="7" name="Google Shape;7;p1"/>
-          <p:cNvSpPr txBox="1"/>
+          <p:cNvSpPr txBox="1">
+            <a:spLocks noGrp="1"/>
+          </p:cNvSpPr>
           <p:nvPr>
-            <p:ph idx="1" type="body"/>
+            <p:ph type="body" idx="1"/>
           </p:nvPr>
         </p:nvSpPr>
         <p:spPr>
@@ -5223,11 +5456,11 @@
           </a:ln>
         </p:spPr>
         <p:txBody>
-          <a:bodyPr anchorCtr="0" anchor="t" bIns="91425" lIns="91425" spcFirstLastPara="1" rIns="91425" wrap="square" tIns="91425">
+          <a:bodyPr spcFirstLastPara="1" wrap="square" lIns="91425" tIns="91425" rIns="91425" bIns="91425" anchor="t" anchorCtr="0">
             <a:noAutofit/>
           </a:bodyPr>
           <a:lstStyle>
-            <a:lvl1pPr indent="-342900" lvl="0" marL="457200">
+            <a:lvl1pPr marL="457200" lvl="0" indent="-342900">
               <a:lnSpc>
                 <a:spcPct val="115000"/>
               </a:lnSpc>
@@ -5248,7 +5481,7 @@
                 </a:solidFill>
               </a:defRPr>
             </a:lvl1pPr>
-            <a:lvl2pPr indent="-317500" lvl="1" marL="914400">
+            <a:lvl2pPr marL="914400" lvl="1" indent="-317500">
               <a:lnSpc>
                 <a:spcPct val="115000"/>
               </a:lnSpc>
@@ -5269,7 +5502,7 @@
                 </a:solidFill>
               </a:defRPr>
             </a:lvl2pPr>
-            <a:lvl3pPr indent="-317500" lvl="2" marL="1371600">
+            <a:lvl3pPr marL="1371600" lvl="2" indent="-317500">
               <a:lnSpc>
                 <a:spcPct val="115000"/>
               </a:lnSpc>
@@ -5290,7 +5523,7 @@
                 </a:solidFill>
               </a:defRPr>
             </a:lvl3pPr>
-            <a:lvl4pPr indent="-317500" lvl="3" marL="1828800">
+            <a:lvl4pPr marL="1828800" lvl="3" indent="-317500">
               <a:lnSpc>
                 <a:spcPct val="115000"/>
               </a:lnSpc>
@@ -5311,7 +5544,7 @@
                 </a:solidFill>
               </a:defRPr>
             </a:lvl4pPr>
-            <a:lvl5pPr indent="-317500" lvl="4" marL="2286000">
+            <a:lvl5pPr marL="2286000" lvl="4" indent="-317500">
               <a:lnSpc>
                 <a:spcPct val="115000"/>
               </a:lnSpc>
@@ -5332,7 +5565,7 @@
                 </a:solidFill>
               </a:defRPr>
             </a:lvl5pPr>
-            <a:lvl6pPr indent="-317500" lvl="5" marL="2743200">
+            <a:lvl6pPr marL="2743200" lvl="5" indent="-317500">
               <a:lnSpc>
                 <a:spcPct val="115000"/>
               </a:lnSpc>
@@ -5353,7 +5586,7 @@
                 </a:solidFill>
               </a:defRPr>
             </a:lvl6pPr>
-            <a:lvl7pPr indent="-317500" lvl="6" marL="3200400">
+            <a:lvl7pPr marL="3200400" lvl="6" indent="-317500">
               <a:lnSpc>
                 <a:spcPct val="115000"/>
               </a:lnSpc>
@@ -5374,7 +5607,7 @@
                 </a:solidFill>
               </a:defRPr>
             </a:lvl7pPr>
-            <a:lvl8pPr indent="-317500" lvl="7" marL="3657600">
+            <a:lvl8pPr marL="3657600" lvl="7" indent="-317500">
               <a:lnSpc>
                 <a:spcPct val="115000"/>
               </a:lnSpc>
@@ -5395,7 +5628,7 @@
                 </a:solidFill>
               </a:defRPr>
             </a:lvl8pPr>
-            <a:lvl9pPr indent="-317500" lvl="8" marL="4114800">
+            <a:lvl9pPr marL="4114800" lvl="8" indent="-317500">
               <a:lnSpc>
                 <a:spcPct val="115000"/>
               </a:lnSpc>
@@ -5417,15 +5650,19 @@
               </a:defRPr>
             </a:lvl9pPr>
           </a:lstStyle>
-          <a:p/>
+          <a:p>
+            <a:endParaRPr/>
+          </a:p>
         </p:txBody>
       </p:sp>
       <p:sp>
         <p:nvSpPr>
           <p:cNvPr id="8" name="Google Shape;8;p1"/>
-          <p:cNvSpPr txBox="1"/>
+          <p:cNvSpPr txBox="1">
+            <a:spLocks noGrp="1"/>
+          </p:cNvSpPr>
           <p:nvPr>
-            <p:ph idx="12" type="sldNum"/>
+            <p:ph type="sldNum" idx="12"/>
           </p:nvPr>
         </p:nvSpPr>
         <p:spPr>
@@ -5442,7 +5679,7 @@
           </a:ln>
         </p:spPr>
         <p:txBody>
-          <a:bodyPr anchorCtr="0" anchor="ctr" bIns="91425" lIns="91425" spcFirstLastPara="1" rIns="91425" wrap="square" tIns="91425">
+          <a:bodyPr spcFirstLastPara="1" wrap="square" lIns="91425" tIns="91425" rIns="91425" bIns="91425" anchor="ctr" anchorCtr="0">
             <a:noAutofit/>
           </a:bodyPr>
           <a:lstStyle>
@@ -5520,7 +5757,7 @@
             </a:lvl9pPr>
           </a:lstStyle>
           <a:p>
-            <a:pPr indent="0" lvl="0" marL="0" rtl="0" algn="r">
+            <a:pPr marL="0" lvl="0" indent="0" algn="r" rtl="0">
               <a:spcBef>
                 <a:spcPts val="0"/>
               </a:spcBef>
@@ -5539,7 +5776,7 @@
       </p:sp>
     </p:spTree>
   </p:cSld>
-  <p:clrMap accent1="accent1" accent2="accent2" accent3="accent3" accent4="accent4" accent5="accent5" accent6="accent6" bg1="lt1" bg2="dk2" tx1="dk1" tx2="lt2" folHlink="folHlink" hlink="hlink"/>
+  <p:clrMap bg1="lt1" tx1="dk1" bg2="dk2" tx2="lt2" accent1="accent1" accent2="accent2" accent3="accent3" accent4="accent4" accent5="accent5" accent6="accent6" hlink="hlink" folHlink="folHlink"/>
   <p:sldLayoutIdLst>
     <p:sldLayoutId id="2147483648" r:id="rId1"/>
     <p:sldLayoutId id="2147483649" r:id="rId2"/>
@@ -5553,10 +5790,10 @@
     <p:sldLayoutId id="2147483657" r:id="rId10"/>
     <p:sldLayoutId id="2147483658" r:id="rId11"/>
   </p:sldLayoutIdLst>
-  <p:hf dt="0" ftr="0" hdr="0" sldNum="0"/>
+  <p:hf sldNum="0" hdr="0" ftr="0" dt="0"/>
   <p:txStyles>
     <p:titleStyle>
-      <a:defPPr lvl="0" marR="0" rtl="0" algn="l">
+      <a:defPPr marR="0" lvl="0" algn="l" rtl="0">
         <a:lnSpc>
           <a:spcPct val="100000"/>
         </a:lnSpc>
@@ -5567,7 +5804,7 @@
           <a:spcPts val="0"/>
         </a:spcAft>
       </a:defPPr>
-      <a:lvl1pPr lvl="0" marR="0" rtl="0" algn="l">
+      <a:lvl1pPr marR="0" lvl="0" algn="l" rtl="0">
         <a:lnSpc>
           <a:spcPct val="100000"/>
         </a:lnSpc>
@@ -5581,7 +5818,7 @@
           <a:srgbClr val="000000"/>
         </a:buClr>
         <a:buFont typeface="Arial"/>
-        <a:defRPr b="0" i="0" sz="1400" u="none" cap="none" strike="noStrike">
+        <a:defRPr sz="1400" b="0" i="0" u="none" strike="noStrike" cap="none">
           <a:solidFill>
             <a:srgbClr val="000000"/>
           </a:solidFill>
@@ -5591,7 +5828,7 @@
           <a:sym typeface="Arial"/>
         </a:defRPr>
       </a:lvl1pPr>
-      <a:lvl2pPr lvl="1" marR="0" rtl="0" algn="l">
+      <a:lvl2pPr marR="0" lvl="1" algn="l" rtl="0">
         <a:lnSpc>
           <a:spcPct val="100000"/>
         </a:lnSpc>
@@ -5605,7 +5842,7 @@
           <a:srgbClr val="000000"/>
         </a:buClr>
         <a:buFont typeface="Arial"/>
-        <a:defRPr b="0" i="0" sz="1400" u="none" cap="none" strike="noStrike">
+        <a:defRPr sz="1400" b="0" i="0" u="none" strike="noStrike" cap="none">
           <a:solidFill>
             <a:srgbClr val="000000"/>
           </a:solidFill>
@@ -5615,7 +5852,7 @@
           <a:sym typeface="Arial"/>
         </a:defRPr>
       </a:lvl2pPr>
-      <a:lvl3pPr lvl="2" marR="0" rtl="0" algn="l">
+      <a:lvl3pPr marR="0" lvl="2" algn="l" rtl="0">
         <a:lnSpc>
           <a:spcPct val="100000"/>
         </a:lnSpc>
@@ -5629,7 +5866,7 @@
           <a:srgbClr val="000000"/>
         </a:buClr>
         <a:buFont typeface="Arial"/>
-        <a:defRPr b="0" i="0" sz="1400" u="none" cap="none" strike="noStrike">
+        <a:defRPr sz="1400" b="0" i="0" u="none" strike="noStrike" cap="none">
           <a:solidFill>
             <a:srgbClr val="000000"/>
           </a:solidFill>
@@ -5639,7 +5876,7 @@
           <a:sym typeface="Arial"/>
         </a:defRPr>
       </a:lvl3pPr>
-      <a:lvl4pPr lvl="3" marR="0" rtl="0" algn="l">
+      <a:lvl4pPr marR="0" lvl="3" algn="l" rtl="0">
         <a:lnSpc>
           <a:spcPct val="100000"/>
         </a:lnSpc>
@@ -5653,7 +5890,7 @@
           <a:srgbClr val="000000"/>
         </a:buClr>
         <a:buFont typeface="Arial"/>
-        <a:defRPr b="0" i="0" sz="1400" u="none" cap="none" strike="noStrike">
+        <a:defRPr sz="1400" b="0" i="0" u="none" strike="noStrike" cap="none">
           <a:solidFill>
             <a:srgbClr val="000000"/>
           </a:solidFill>
@@ -5663,7 +5900,7 @@
           <a:sym typeface="Arial"/>
         </a:defRPr>
       </a:lvl4pPr>
-      <a:lvl5pPr lvl="4" marR="0" rtl="0" algn="l">
+      <a:lvl5pPr marR="0" lvl="4" algn="l" rtl="0">
         <a:lnSpc>
           <a:spcPct val="100000"/>
         </a:lnSpc>
@@ -5677,7 +5914,7 @@
           <a:srgbClr val="000000"/>
         </a:buClr>
         <a:buFont typeface="Arial"/>
-        <a:defRPr b="0" i="0" sz="1400" u="none" cap="none" strike="noStrike">
+        <a:defRPr sz="1400" b="0" i="0" u="none" strike="noStrike" cap="none">
           <a:solidFill>
             <a:srgbClr val="000000"/>
           </a:solidFill>
@@ -5687,7 +5924,7 @@
           <a:sym typeface="Arial"/>
         </a:defRPr>
       </a:lvl5pPr>
-      <a:lvl6pPr lvl="5" marR="0" rtl="0" algn="l">
+      <a:lvl6pPr marR="0" lvl="5" algn="l" rtl="0">
         <a:lnSpc>
           <a:spcPct val="100000"/>
         </a:lnSpc>
@@ -5701,7 +5938,7 @@
           <a:srgbClr val="000000"/>
         </a:buClr>
         <a:buFont typeface="Arial"/>
-        <a:defRPr b="0" i="0" sz="1400" u="none" cap="none" strike="noStrike">
+        <a:defRPr sz="1400" b="0" i="0" u="none" strike="noStrike" cap="none">
           <a:solidFill>
             <a:srgbClr val="000000"/>
           </a:solidFill>
@@ -5711,7 +5948,7 @@
           <a:sym typeface="Arial"/>
         </a:defRPr>
       </a:lvl6pPr>
-      <a:lvl7pPr lvl="6" marR="0" rtl="0" algn="l">
+      <a:lvl7pPr marR="0" lvl="6" algn="l" rtl="0">
         <a:lnSpc>
           <a:spcPct val="100000"/>
         </a:lnSpc>
@@ -5725,7 +5962,7 @@
           <a:srgbClr val="000000"/>
         </a:buClr>
         <a:buFont typeface="Arial"/>
-        <a:defRPr b="0" i="0" sz="1400" u="none" cap="none" strike="noStrike">
+        <a:defRPr sz="1400" b="0" i="0" u="none" strike="noStrike" cap="none">
           <a:solidFill>
             <a:srgbClr val="000000"/>
           </a:solidFill>
@@ -5735,7 +5972,7 @@
           <a:sym typeface="Arial"/>
         </a:defRPr>
       </a:lvl7pPr>
-      <a:lvl8pPr lvl="7" marR="0" rtl="0" algn="l">
+      <a:lvl8pPr marR="0" lvl="7" algn="l" rtl="0">
         <a:lnSpc>
           <a:spcPct val="100000"/>
         </a:lnSpc>
@@ -5749,7 +5986,7 @@
           <a:srgbClr val="000000"/>
         </a:buClr>
         <a:buFont typeface="Arial"/>
-        <a:defRPr b="0" i="0" sz="1400" u="none" cap="none" strike="noStrike">
+        <a:defRPr sz="1400" b="0" i="0" u="none" strike="noStrike" cap="none">
           <a:solidFill>
             <a:srgbClr val="000000"/>
           </a:solidFill>
@@ -5759,7 +5996,7 @@
           <a:sym typeface="Arial"/>
         </a:defRPr>
       </a:lvl8pPr>
-      <a:lvl9pPr lvl="8" marR="0" rtl="0" algn="l">
+      <a:lvl9pPr marR="0" lvl="8" algn="l" rtl="0">
         <a:lnSpc>
           <a:spcPct val="100000"/>
         </a:lnSpc>
@@ -5773,7 +6010,7 @@
           <a:srgbClr val="000000"/>
         </a:buClr>
         <a:buFont typeface="Arial"/>
-        <a:defRPr b="0" i="0" sz="1400" u="none" cap="none" strike="noStrike">
+        <a:defRPr sz="1400" b="0" i="0" u="none" strike="noStrike" cap="none">
           <a:solidFill>
             <a:srgbClr val="000000"/>
           </a:solidFill>
@@ -5785,7 +6022,7 @@
       </a:lvl9pPr>
     </p:titleStyle>
     <p:bodyStyle>
-      <a:defPPr lvl="0" marR="0" rtl="0" algn="l">
+      <a:defPPr marR="0" lvl="0" algn="l" rtl="0">
         <a:lnSpc>
           <a:spcPct val="100000"/>
         </a:lnSpc>
@@ -5796,7 +6033,7 @@
           <a:spcPts val="0"/>
         </a:spcAft>
       </a:defPPr>
-      <a:lvl1pPr lvl="0" marR="0" rtl="0" algn="l">
+      <a:lvl1pPr marR="0" lvl="0" algn="l" rtl="0">
         <a:lnSpc>
           <a:spcPct val="100000"/>
         </a:lnSpc>
@@ -5810,7 +6047,7 @@
           <a:srgbClr val="000000"/>
         </a:buClr>
         <a:buFont typeface="Arial"/>
-        <a:defRPr b="0" i="0" sz="1400" u="none" cap="none" strike="noStrike">
+        <a:defRPr sz="1400" b="0" i="0" u="none" strike="noStrike" cap="none">
           <a:solidFill>
             <a:srgbClr val="000000"/>
           </a:solidFill>
@@ -5820,7 +6057,7 @@
           <a:sym typeface="Arial"/>
         </a:defRPr>
       </a:lvl1pPr>
-      <a:lvl2pPr lvl="1" marR="0" rtl="0" algn="l">
+      <a:lvl2pPr marR="0" lvl="1" algn="l" rtl="0">
         <a:lnSpc>
           <a:spcPct val="100000"/>
         </a:lnSpc>
@@ -5834,7 +6071,7 @@
           <a:srgbClr val="000000"/>
         </a:buClr>
         <a:buFont typeface="Arial"/>
-        <a:defRPr b="0" i="0" sz="1400" u="none" cap="none" strike="noStrike">
+        <a:defRPr sz="1400" b="0" i="0" u="none" strike="noStrike" cap="none">
           <a:solidFill>
             <a:srgbClr val="000000"/>
           </a:solidFill>
@@ -5844,7 +6081,7 @@
           <a:sym typeface="Arial"/>
         </a:defRPr>
       </a:lvl2pPr>
-      <a:lvl3pPr lvl="2" marR="0" rtl="0" algn="l">
+      <a:lvl3pPr marR="0" lvl="2" algn="l" rtl="0">
         <a:lnSpc>
           <a:spcPct val="100000"/>
         </a:lnSpc>
@@ -5858,7 +6095,7 @@
           <a:srgbClr val="000000"/>
         </a:buClr>
         <a:buFont typeface="Arial"/>
-        <a:defRPr b="0" i="0" sz="1400" u="none" cap="none" strike="noStrike">
+        <a:defRPr sz="1400" b="0" i="0" u="none" strike="noStrike" cap="none">
           <a:solidFill>
             <a:srgbClr val="000000"/>
           </a:solidFill>
@@ -5868,7 +6105,7 @@
           <a:sym typeface="Arial"/>
         </a:defRPr>
       </a:lvl3pPr>
-      <a:lvl4pPr lvl="3" marR="0" rtl="0" algn="l">
+      <a:lvl4pPr marR="0" lvl="3" algn="l" rtl="0">
         <a:lnSpc>
           <a:spcPct val="100000"/>
         </a:lnSpc>
@@ -5882,7 +6119,7 @@
           <a:srgbClr val="000000"/>
         </a:buClr>
         <a:buFont typeface="Arial"/>
-        <a:defRPr b="0" i="0" sz="1400" u="none" cap="none" strike="noStrike">
+        <a:defRPr sz="1400" b="0" i="0" u="none" strike="noStrike" cap="none">
           <a:solidFill>
             <a:srgbClr val="000000"/>
           </a:solidFill>
@@ -5892,7 +6129,7 @@
           <a:sym typeface="Arial"/>
         </a:defRPr>
       </a:lvl4pPr>
-      <a:lvl5pPr lvl="4" marR="0" rtl="0" algn="l">
+      <a:lvl5pPr marR="0" lvl="4" algn="l" rtl="0">
         <a:lnSpc>
           <a:spcPct val="100000"/>
         </a:lnSpc>
@@ -5906,7 +6143,7 @@
           <a:srgbClr val="000000"/>
         </a:buClr>
         <a:buFont typeface="Arial"/>
-        <a:defRPr b="0" i="0" sz="1400" u="none" cap="none" strike="noStrike">
+        <a:defRPr sz="1400" b="0" i="0" u="none" strike="noStrike" cap="none">
           <a:solidFill>
             <a:srgbClr val="000000"/>
           </a:solidFill>
@@ -5916,7 +6153,7 @@
           <a:sym typeface="Arial"/>
         </a:defRPr>
       </a:lvl5pPr>
-      <a:lvl6pPr lvl="5" marR="0" rtl="0" algn="l">
+      <a:lvl6pPr marR="0" lvl="5" algn="l" rtl="0">
         <a:lnSpc>
           <a:spcPct val="100000"/>
         </a:lnSpc>
@@ -5930,7 +6167,7 @@
           <a:srgbClr val="000000"/>
         </a:buClr>
         <a:buFont typeface="Arial"/>
-        <a:defRPr b="0" i="0" sz="1400" u="none" cap="none" strike="noStrike">
+        <a:defRPr sz="1400" b="0" i="0" u="none" strike="noStrike" cap="none">
           <a:solidFill>
             <a:srgbClr val="000000"/>
           </a:solidFill>
@@ -5940,7 +6177,7 @@
           <a:sym typeface="Arial"/>
         </a:defRPr>
       </a:lvl6pPr>
-      <a:lvl7pPr lvl="6" marR="0" rtl="0" algn="l">
+      <a:lvl7pPr marR="0" lvl="6" algn="l" rtl="0">
         <a:lnSpc>
           <a:spcPct val="100000"/>
         </a:lnSpc>
@@ -5954,7 +6191,7 @@
           <a:srgbClr val="000000"/>
         </a:buClr>
         <a:buFont typeface="Arial"/>
-        <a:defRPr b="0" i="0" sz="1400" u="none" cap="none" strike="noStrike">
+        <a:defRPr sz="1400" b="0" i="0" u="none" strike="noStrike" cap="none">
           <a:solidFill>
             <a:srgbClr val="000000"/>
           </a:solidFill>
@@ -5964,7 +6201,7 @@
           <a:sym typeface="Arial"/>
         </a:defRPr>
       </a:lvl7pPr>
-      <a:lvl8pPr lvl="7" marR="0" rtl="0" algn="l">
+      <a:lvl8pPr marR="0" lvl="7" algn="l" rtl="0">
         <a:lnSpc>
           <a:spcPct val="100000"/>
         </a:lnSpc>
@@ -5978,7 +6215,7 @@
           <a:srgbClr val="000000"/>
         </a:buClr>
         <a:buFont typeface="Arial"/>
-        <a:defRPr b="0" i="0" sz="1400" u="none" cap="none" strike="noStrike">
+        <a:defRPr sz="1400" b="0" i="0" u="none" strike="noStrike" cap="none">
           <a:solidFill>
             <a:srgbClr val="000000"/>
           </a:solidFill>
@@ -5988,7 +6225,7 @@
           <a:sym typeface="Arial"/>
         </a:defRPr>
       </a:lvl8pPr>
-      <a:lvl9pPr lvl="8" marR="0" rtl="0" algn="l">
+      <a:lvl9pPr marR="0" lvl="8" algn="l" rtl="0">
         <a:lnSpc>
           <a:spcPct val="100000"/>
         </a:lnSpc>
@@ -6002,7 +6239,7 @@
           <a:srgbClr val="000000"/>
         </a:buClr>
         <a:buFont typeface="Arial"/>
-        <a:defRPr b="0" i="0" sz="1400" u="none" cap="none" strike="noStrike">
+        <a:defRPr sz="1400" b="0" i="0" u="none" strike="noStrike" cap="none">
           <a:solidFill>
             <a:srgbClr val="000000"/>
           </a:solidFill>
@@ -6014,7 +6251,7 @@
       </a:lvl9pPr>
     </p:bodyStyle>
     <p:otherStyle>
-      <a:defPPr lvl="0" marR="0" rtl="0" algn="l">
+      <a:defPPr marR="0" lvl="0" algn="l" rtl="0">
         <a:lnSpc>
           <a:spcPct val="100000"/>
         </a:lnSpc>
@@ -6025,7 +6262,7 @@
           <a:spcPts val="0"/>
         </a:spcAft>
       </a:defPPr>
-      <a:lvl1pPr lvl="0" marR="0" rtl="0" algn="l">
+      <a:lvl1pPr marR="0" lvl="0" algn="l" rtl="0">
         <a:lnSpc>
           <a:spcPct val="100000"/>
         </a:lnSpc>
@@ -6039,7 +6276,7 @@
           <a:srgbClr val="000000"/>
         </a:buClr>
         <a:buFont typeface="Arial"/>
-        <a:defRPr b="0" i="0" sz="1400" u="none" cap="none" strike="noStrike">
+        <a:defRPr sz="1400" b="0" i="0" u="none" strike="noStrike" cap="none">
           <a:solidFill>
             <a:srgbClr val="000000"/>
           </a:solidFill>
@@ -6049,7 +6286,7 @@
           <a:sym typeface="Arial"/>
         </a:defRPr>
       </a:lvl1pPr>
-      <a:lvl2pPr lvl="1" marR="0" rtl="0" algn="l">
+      <a:lvl2pPr marR="0" lvl="1" algn="l" rtl="0">
         <a:lnSpc>
           <a:spcPct val="100000"/>
         </a:lnSpc>
@@ -6063,7 +6300,7 @@
           <a:srgbClr val="000000"/>
         </a:buClr>
         <a:buFont typeface="Arial"/>
-        <a:defRPr b="0" i="0" sz="1400" u="none" cap="none" strike="noStrike">
+        <a:defRPr sz="1400" b="0" i="0" u="none" strike="noStrike" cap="none">
           <a:solidFill>
             <a:srgbClr val="000000"/>
           </a:solidFill>
@@ -6073,7 +6310,7 @@
           <a:sym typeface="Arial"/>
         </a:defRPr>
       </a:lvl2pPr>
-      <a:lvl3pPr lvl="2" marR="0" rtl="0" algn="l">
+      <a:lvl3pPr marR="0" lvl="2" algn="l" rtl="0">
         <a:lnSpc>
           <a:spcPct val="100000"/>
         </a:lnSpc>
@@ -6087,7 +6324,7 @@
           <a:srgbClr val="000000"/>
         </a:buClr>
         <a:buFont typeface="Arial"/>
-        <a:defRPr b="0" i="0" sz="1400" u="none" cap="none" strike="noStrike">
+        <a:defRPr sz="1400" b="0" i="0" u="none" strike="noStrike" cap="none">
           <a:solidFill>
             <a:srgbClr val="000000"/>
           </a:solidFill>
@@ -6097,7 +6334,7 @@
           <a:sym typeface="Arial"/>
         </a:defRPr>
       </a:lvl3pPr>
-      <a:lvl4pPr lvl="3" marR="0" rtl="0" algn="l">
+      <a:lvl4pPr marR="0" lvl="3" algn="l" rtl="0">
         <a:lnSpc>
           <a:spcPct val="100000"/>
         </a:lnSpc>
@@ -6111,7 +6348,7 @@
           <a:srgbClr val="000000"/>
         </a:buClr>
         <a:buFont typeface="Arial"/>
-        <a:defRPr b="0" i="0" sz="1400" u="none" cap="none" strike="noStrike">
+        <a:defRPr sz="1400" b="0" i="0" u="none" strike="noStrike" cap="none">
           <a:solidFill>
             <a:srgbClr val="000000"/>
           </a:solidFill>
@@ -6121,7 +6358,7 @@
           <a:sym typeface="Arial"/>
         </a:defRPr>
       </a:lvl4pPr>
-      <a:lvl5pPr lvl="4" marR="0" rtl="0" algn="l">
+      <a:lvl5pPr marR="0" lvl="4" algn="l" rtl="0">
         <a:lnSpc>
           <a:spcPct val="100000"/>
         </a:lnSpc>
@@ -6135,7 +6372,7 @@
           <a:srgbClr val="000000"/>
         </a:buClr>
         <a:buFont typeface="Arial"/>
-        <a:defRPr b="0" i="0" sz="1400" u="none" cap="none" strike="noStrike">
+        <a:defRPr sz="1400" b="0" i="0" u="none" strike="noStrike" cap="none">
           <a:solidFill>
             <a:srgbClr val="000000"/>
           </a:solidFill>
@@ -6145,7 +6382,7 @@
           <a:sym typeface="Arial"/>
         </a:defRPr>
       </a:lvl5pPr>
-      <a:lvl6pPr lvl="5" marR="0" rtl="0" algn="l">
+      <a:lvl6pPr marR="0" lvl="5" algn="l" rtl="0">
         <a:lnSpc>
           <a:spcPct val="100000"/>
         </a:lnSpc>
@@ -6159,7 +6396,7 @@
           <a:srgbClr val="000000"/>
         </a:buClr>
         <a:buFont typeface="Arial"/>
-        <a:defRPr b="0" i="0" sz="1400" u="none" cap="none" strike="noStrike">
+        <a:defRPr sz="1400" b="0" i="0" u="none" strike="noStrike" cap="none">
           <a:solidFill>
             <a:srgbClr val="000000"/>
           </a:solidFill>
@@ -6169,7 +6406,7 @@
           <a:sym typeface="Arial"/>
         </a:defRPr>
       </a:lvl6pPr>
-      <a:lvl7pPr lvl="6" marR="0" rtl="0" algn="l">
+      <a:lvl7pPr marR="0" lvl="6" algn="l" rtl="0">
         <a:lnSpc>
           <a:spcPct val="100000"/>
         </a:lnSpc>
@@ -6183,7 +6420,7 @@
           <a:srgbClr val="000000"/>
         </a:buClr>
         <a:buFont typeface="Arial"/>
-        <a:defRPr b="0" i="0" sz="1400" u="none" cap="none" strike="noStrike">
+        <a:defRPr sz="1400" b="0" i="0" u="none" strike="noStrike" cap="none">
           <a:solidFill>
             <a:srgbClr val="000000"/>
           </a:solidFill>
@@ -6193,7 +6430,7 @@
           <a:sym typeface="Arial"/>
         </a:defRPr>
       </a:lvl7pPr>
-      <a:lvl8pPr lvl="7" marR="0" rtl="0" algn="l">
+      <a:lvl8pPr marR="0" lvl="7" algn="l" rtl="0">
         <a:lnSpc>
           <a:spcPct val="100000"/>
         </a:lnSpc>
@@ -6207,7 +6444,7 @@
           <a:srgbClr val="000000"/>
         </a:buClr>
         <a:buFont typeface="Arial"/>
-        <a:defRPr b="0" i="0" sz="1400" u="none" cap="none" strike="noStrike">
+        <a:defRPr sz="1400" b="0" i="0" u="none" strike="noStrike" cap="none">
           <a:solidFill>
             <a:srgbClr val="000000"/>
           </a:solidFill>
@@ -6217,7 +6454,7 @@
           <a:sym typeface="Arial"/>
         </a:defRPr>
       </a:lvl8pPr>
-      <a:lvl9pPr lvl="8" marR="0" rtl="0" algn="l">
+      <a:lvl9pPr marR="0" lvl="8" algn="l" rtl="0">
         <a:lnSpc>
           <a:spcPct val="100000"/>
         </a:lnSpc>
@@ -6231,7 +6468,7 @@
           <a:srgbClr val="000000"/>
         </a:buClr>
         <a:buFont typeface="Arial"/>
-        <a:defRPr b="0" i="0" sz="1400" u="none" cap="none" strike="noStrike">
+        <a:defRPr sz="1400" b="0" i="0" u="none" strike="noStrike" cap="none">
           <a:solidFill>
             <a:srgbClr val="000000"/>
           </a:solidFill>
@@ -6247,11 +6484,11 @@
 </file>
 
 <file path=ppt/slides/slide1.xml><?xml version="1.0" encoding="utf-8"?>
-<p:sld xmlns:a="http://schemas.openxmlformats.org/drawingml/2006/main" xmlns:r="http://schemas.openxmlformats.org/officeDocument/2006/relationships" xmlns:mc="http://schemas.openxmlformats.org/markup-compatibility/2006" xmlns:mv="urn:schemas-microsoft-com:mac:vml" xmlns:p="http://schemas.openxmlformats.org/presentationml/2006/main" xmlns:c="http://schemas.openxmlformats.org/drawingml/2006/chart" xmlns:dgm="http://schemas.openxmlformats.org/drawingml/2006/diagram" xmlns:o="urn:schemas-microsoft-com:office:office" xmlns:v="urn:schemas-microsoft-com:vml" xmlns:pvml="urn:schemas-microsoft-com:office:powerpoint" xmlns:com="http://schemas.openxmlformats.org/drawingml/2006/compatibility" xmlns:p14="http://schemas.microsoft.com/office/powerpoint/2010/main" xmlns:p15="http://schemas.microsoft.com/office/powerpoint/2012/main">
+<p:sld xmlns:a="http://schemas.openxmlformats.org/drawingml/2006/main" xmlns:r="http://schemas.openxmlformats.org/officeDocument/2006/relationships" xmlns:p="http://schemas.openxmlformats.org/presentationml/2006/main">
   <p:cSld>
     <p:spTree>
       <p:nvGrpSpPr>
-        <p:cNvPr id="53" name="Shape 53"/>
+        <p:cNvPr id="1" name="Shape 53"/>
         <p:cNvGrpSpPr/>
         <p:nvPr/>
       </p:nvGrpSpPr>
@@ -6266,7 +6503,9 @@
       <p:sp>
         <p:nvSpPr>
           <p:cNvPr id="54" name="Google Shape;54;p13"/>
-          <p:cNvSpPr txBox="1"/>
+          <p:cNvSpPr txBox="1">
+            <a:spLocks noGrp="1"/>
+          </p:cNvSpPr>
           <p:nvPr>
             <p:ph type="ctrTitle"/>
           </p:nvPr>
@@ -6281,12 +6520,12 @@
           </a:prstGeom>
         </p:spPr>
         <p:txBody>
-          <a:bodyPr anchorCtr="0" anchor="b" bIns="91425" lIns="91425" spcFirstLastPara="1" rIns="91425" wrap="square" tIns="91425">
+          <a:bodyPr spcFirstLastPara="1" wrap="square" lIns="91425" tIns="91425" rIns="91425" bIns="91425" anchor="b" anchorCtr="0">
             <a:noAutofit/>
           </a:bodyPr>
           <a:lstStyle/>
           <a:p>
-            <a:pPr indent="0" lvl="0" marL="0" rtl="0" algn="ctr">
+            <a:pPr marL="0" lvl="0" indent="0" algn="ctr" rtl="0">
               <a:spcBef>
                 <a:spcPts val="0"/>
               </a:spcBef>
@@ -6306,9 +6545,11 @@
       <p:sp>
         <p:nvSpPr>
           <p:cNvPr id="55" name="Google Shape;55;p13"/>
-          <p:cNvSpPr txBox="1"/>
+          <p:cNvSpPr txBox="1">
+            <a:spLocks noGrp="1"/>
+          </p:cNvSpPr>
           <p:nvPr>
-            <p:ph idx="1" type="subTitle"/>
+            <p:ph type="subTitle" idx="1"/>
           </p:nvPr>
         </p:nvSpPr>
         <p:spPr>
@@ -6321,12 +6562,12 @@
           </a:prstGeom>
         </p:spPr>
         <p:txBody>
-          <a:bodyPr anchorCtr="0" anchor="t" bIns="91425" lIns="91425" spcFirstLastPara="1" rIns="91425" wrap="square" tIns="91425">
+          <a:bodyPr spcFirstLastPara="1" wrap="square" lIns="91425" tIns="91425" rIns="91425" bIns="91425" anchor="t" anchorCtr="0">
             <a:noAutofit/>
           </a:bodyPr>
           <a:lstStyle/>
           <a:p>
-            <a:pPr indent="0" lvl="0" marL="0" rtl="0" algn="ctr">
+            <a:pPr marL="0" lvl="0" indent="0" algn="ctr" rtl="0">
               <a:spcBef>
                 <a:spcPts val="0"/>
               </a:spcBef>
@@ -6342,7 +6583,7 @@
             <a:endParaRPr/>
           </a:p>
           <a:p>
-            <a:pPr indent="457200" lvl="0" marL="2286000" rtl="0" algn="l">
+            <a:pPr marL="2286000" lvl="0" indent="457200" algn="l" rtl="0">
               <a:spcBef>
                 <a:spcPts val="0"/>
               </a:spcBef>
@@ -6353,16 +6594,12 @@
             </a:pPr>
             <a:r>
               <a:rPr lang="zh-TW"/>
-              <a:t>b05902108 </a:t>
-            </a:r>
-            <a:r>
-              <a:rPr lang="zh-TW"/>
-              <a:t>施承志</a:t>
+              <a:t>b05902108 施承志</a:t>
             </a:r>
             <a:endParaRPr/>
           </a:p>
           <a:p>
-            <a:pPr indent="457200" lvl="0" marL="2286000" rtl="0" algn="l">
+            <a:pPr marL="2286000" lvl="0" indent="457200" algn="l" rtl="0">
               <a:spcBef>
                 <a:spcPts val="0"/>
               </a:spcBef>
@@ -6378,7 +6615,7 @@
             <a:endParaRPr/>
           </a:p>
           <a:p>
-            <a:pPr indent="457200" lvl="0" marL="2286000" rtl="0" algn="l">
+            <a:pPr marL="2286000" lvl="0" indent="457200" algn="l" rtl="0">
               <a:spcBef>
                 <a:spcPts val="0"/>
               </a:spcBef>
@@ -6404,11 +6641,11 @@
 </file>
 
 <file path=ppt/slides/slide2.xml><?xml version="1.0" encoding="utf-8"?>
-<p:sld xmlns:a="http://schemas.openxmlformats.org/drawingml/2006/main" xmlns:r="http://schemas.openxmlformats.org/officeDocument/2006/relationships" xmlns:mc="http://schemas.openxmlformats.org/markup-compatibility/2006" xmlns:mv="urn:schemas-microsoft-com:mac:vml" xmlns:p="http://schemas.openxmlformats.org/presentationml/2006/main" xmlns:c="http://schemas.openxmlformats.org/drawingml/2006/chart" xmlns:dgm="http://schemas.openxmlformats.org/drawingml/2006/diagram" xmlns:o="urn:schemas-microsoft-com:office:office" xmlns:v="urn:schemas-microsoft-com:vml" xmlns:pvml="urn:schemas-microsoft-com:office:powerpoint" xmlns:com="http://schemas.openxmlformats.org/drawingml/2006/compatibility" xmlns:p14="http://schemas.microsoft.com/office/powerpoint/2010/main" xmlns:p15="http://schemas.microsoft.com/office/powerpoint/2012/main">
+<p:sld xmlns:a="http://schemas.openxmlformats.org/drawingml/2006/main" xmlns:r="http://schemas.openxmlformats.org/officeDocument/2006/relationships" xmlns:p="http://schemas.openxmlformats.org/presentationml/2006/main">
   <p:cSld>
     <p:spTree>
       <p:nvGrpSpPr>
-        <p:cNvPr id="59" name="Shape 59"/>
+        <p:cNvPr id="1" name="Shape 59"/>
         <p:cNvGrpSpPr/>
         <p:nvPr/>
       </p:nvGrpSpPr>
@@ -6423,7 +6660,9 @@
       <p:sp>
         <p:nvSpPr>
           <p:cNvPr id="60" name="Google Shape;60;p14"/>
-          <p:cNvSpPr txBox="1"/>
+          <p:cNvSpPr txBox="1">
+            <a:spLocks noGrp="1"/>
+          </p:cNvSpPr>
           <p:nvPr>
             <p:ph type="title"/>
           </p:nvPr>
@@ -6438,12 +6677,12 @@
           </a:prstGeom>
         </p:spPr>
         <p:txBody>
-          <a:bodyPr anchorCtr="0" anchor="t" bIns="91425" lIns="91425" spcFirstLastPara="1" rIns="91425" wrap="square" tIns="91425">
+          <a:bodyPr spcFirstLastPara="1" wrap="square" lIns="91425" tIns="91425" rIns="91425" bIns="91425" anchor="t" anchorCtr="0">
             <a:noAutofit/>
           </a:bodyPr>
           <a:lstStyle/>
           <a:p>
-            <a:pPr indent="0" lvl="0" marL="0" rtl="0" algn="l">
+            <a:pPr marL="0" lvl="0" indent="0" algn="l" rtl="0">
               <a:spcBef>
                 <a:spcPts val="0"/>
               </a:spcBef>
@@ -6463,9 +6702,11 @@
       <p:sp>
         <p:nvSpPr>
           <p:cNvPr id="61" name="Google Shape;61;p14"/>
-          <p:cNvSpPr txBox="1"/>
+          <p:cNvSpPr txBox="1">
+            <a:spLocks noGrp="1"/>
+          </p:cNvSpPr>
           <p:nvPr>
-            <p:ph idx="1" type="body"/>
+            <p:ph type="body" idx="1"/>
           </p:nvPr>
         </p:nvSpPr>
         <p:spPr>
@@ -6478,12 +6719,12 @@
           </a:prstGeom>
         </p:spPr>
         <p:txBody>
-          <a:bodyPr anchorCtr="0" anchor="t" bIns="91425" lIns="91425" spcFirstLastPara="1" rIns="91425" wrap="square" tIns="91425">
+          <a:bodyPr spcFirstLastPara="1" wrap="square" lIns="91425" tIns="91425" rIns="91425" bIns="91425" anchor="t" anchorCtr="0">
             <a:noAutofit/>
           </a:bodyPr>
           <a:lstStyle/>
           <a:p>
-            <a:pPr indent="0" lvl="0" marL="0" rtl="0" algn="l">
+            <a:pPr marL="0" lvl="0" indent="0" algn="l" rtl="0">
               <a:spcBef>
                 <a:spcPts val="0"/>
               </a:spcBef>
@@ -6499,7 +6740,7 @@
             <a:endParaRPr/>
           </a:p>
           <a:p>
-            <a:pPr indent="-342900" lvl="0" marL="457200" rtl="0" algn="l">
+            <a:pPr marL="457200" lvl="0" indent="-342900" algn="l" rtl="0">
               <a:spcBef>
                 <a:spcPts val="1600"/>
               </a:spcBef>
@@ -6511,14 +6752,10 @@
             </a:pPr>
             <a:r>
               <a:rPr lang="zh-TW"/>
-              <a:t>Help pe</a:t>
+              <a:t>Help people to </a:t>
             </a:r>
             <a:r>
-              <a:rPr lang="zh-TW"/>
-              <a:t>ople to </a:t>
-            </a:r>
-            <a:r>
-              <a:rPr b="1" lang="zh-TW"/>
+              <a:rPr lang="zh-TW" b="1"/>
               <a:t>find the target location</a:t>
             </a:r>
             <a:r>
@@ -6528,7 +6765,7 @@
             <a:endParaRPr/>
           </a:p>
           <a:p>
-            <a:pPr indent="-342900" lvl="0" marL="457200" rtl="0" algn="l">
+            <a:pPr marL="457200" lvl="0" indent="-342900" algn="l" rtl="0">
               <a:spcBef>
                 <a:spcPts val="0"/>
               </a:spcBef>
@@ -6545,7 +6782,7 @@
             <a:endParaRPr/>
           </a:p>
           <a:p>
-            <a:pPr indent="-342900" lvl="0" marL="457200" rtl="0" algn="l">
+            <a:pPr marL="457200" lvl="0" indent="-342900" algn="l" rtl="0">
               <a:spcBef>
                 <a:spcPts val="0"/>
               </a:spcBef>
@@ -6556,7 +6793,7 @@
               <a:buAutoNum type="arabicPeriod"/>
             </a:pPr>
             <a:r>
-              <a:rPr b="1" lang="zh-TW"/>
+              <a:rPr lang="zh-TW" b="1"/>
               <a:t>Proactively</a:t>
             </a:r>
             <a:r>
@@ -6566,7 +6803,7 @@
             <a:endParaRPr/>
           </a:p>
           <a:p>
-            <a:pPr indent="0" lvl="0" marL="0" rtl="0" algn="l">
+            <a:pPr marL="0" lvl="0" indent="0" algn="l" rtl="0">
               <a:spcBef>
                 <a:spcPts val="1600"/>
               </a:spcBef>
@@ -6663,11 +6900,11 @@
 </file>
 
 <file path=ppt/slides/slide3.xml><?xml version="1.0" encoding="utf-8"?>
-<p:sld xmlns:a="http://schemas.openxmlformats.org/drawingml/2006/main" xmlns:r="http://schemas.openxmlformats.org/officeDocument/2006/relationships" xmlns:mc="http://schemas.openxmlformats.org/markup-compatibility/2006" xmlns:mv="urn:schemas-microsoft-com:mac:vml" xmlns:p="http://schemas.openxmlformats.org/presentationml/2006/main" xmlns:c="http://schemas.openxmlformats.org/drawingml/2006/chart" xmlns:dgm="http://schemas.openxmlformats.org/drawingml/2006/diagram" xmlns:o="urn:schemas-microsoft-com:office:office" xmlns:v="urn:schemas-microsoft-com:vml" xmlns:pvml="urn:schemas-microsoft-com:office:powerpoint" xmlns:com="http://schemas.openxmlformats.org/drawingml/2006/compatibility" xmlns:p14="http://schemas.microsoft.com/office/powerpoint/2010/main" xmlns:p15="http://schemas.microsoft.com/office/powerpoint/2012/main">
+<p:sld xmlns:a="http://schemas.openxmlformats.org/drawingml/2006/main" xmlns:r="http://schemas.openxmlformats.org/officeDocument/2006/relationships" xmlns:p="http://schemas.openxmlformats.org/presentationml/2006/main">
   <p:cSld>
     <p:spTree>
       <p:nvGrpSpPr>
-        <p:cNvPr id="67" name="Shape 67"/>
+        <p:cNvPr id="1" name="Shape 67"/>
         <p:cNvGrpSpPr/>
         <p:nvPr/>
       </p:nvGrpSpPr>
@@ -6682,7 +6919,9 @@
       <p:sp>
         <p:nvSpPr>
           <p:cNvPr id="68" name="Google Shape;68;p15"/>
-          <p:cNvSpPr txBox="1"/>
+          <p:cNvSpPr txBox="1">
+            <a:spLocks noGrp="1"/>
+          </p:cNvSpPr>
           <p:nvPr>
             <p:ph type="title"/>
           </p:nvPr>
@@ -6697,12 +6936,12 @@
           </a:prstGeom>
         </p:spPr>
         <p:txBody>
-          <a:bodyPr anchorCtr="0" anchor="t" bIns="91425" lIns="91425" spcFirstLastPara="1" rIns="91425" wrap="square" tIns="91425">
+          <a:bodyPr spcFirstLastPara="1" wrap="square" lIns="91425" tIns="91425" rIns="91425" bIns="91425" anchor="t" anchorCtr="0">
             <a:noAutofit/>
           </a:bodyPr>
           <a:lstStyle/>
           <a:p>
-            <a:pPr indent="0" lvl="0" marL="0" rtl="0" algn="l">
+            <a:pPr marL="0" lvl="0" indent="0" algn="l" rtl="0">
               <a:spcBef>
                 <a:spcPts val="0"/>
               </a:spcBef>
@@ -6722,9 +6961,11 @@
       <p:sp>
         <p:nvSpPr>
           <p:cNvPr id="69" name="Google Shape;69;p15"/>
-          <p:cNvSpPr txBox="1"/>
+          <p:cNvSpPr txBox="1">
+            <a:spLocks noGrp="1"/>
+          </p:cNvSpPr>
           <p:nvPr>
-            <p:ph idx="1" type="body"/>
+            <p:ph type="body" idx="1"/>
           </p:nvPr>
         </p:nvSpPr>
         <p:spPr>
@@ -6737,12 +6978,12 @@
           </a:prstGeom>
         </p:spPr>
         <p:txBody>
-          <a:bodyPr anchorCtr="0" anchor="t" bIns="91425" lIns="91425" spcFirstLastPara="1" rIns="91425" wrap="square" tIns="91425">
+          <a:bodyPr spcFirstLastPara="1" wrap="square" lIns="91425" tIns="91425" rIns="91425" bIns="91425" anchor="t" anchorCtr="0">
             <a:noAutofit/>
           </a:bodyPr>
           <a:lstStyle/>
           <a:p>
-            <a:pPr indent="0" lvl="0" marL="0" rtl="0" algn="l">
+            <a:pPr marL="0" lvl="0" indent="0" algn="l" rtl="0">
               <a:spcBef>
                 <a:spcPts val="0"/>
               </a:spcBef>
@@ -6756,7 +6997,7 @@
               <a:t>Sometimes, some people want to visit CS-building but they don’t know </a:t>
             </a:r>
             <a:r>
-              <a:rPr b="1" lang="zh-TW"/>
+              <a:rPr lang="zh-TW" b="1"/>
               <a:t>where bathroom or elevator is</a:t>
             </a:r>
             <a:r>
@@ -6764,16 +7005,12 @@
               <a:t>. Additionally, lots of CS-students are </a:t>
             </a:r>
             <a:r>
-              <a:rPr b="1" lang="zh-TW"/>
+              <a:rPr lang="zh-TW" b="1"/>
               <a:t>too busy studying to help those people out</a:t>
             </a:r>
             <a:r>
               <a:rPr lang="zh-TW"/>
-              <a:t>. Therefore, with the aid of “</a:t>
-            </a:r>
-            <a:r>
-              <a:rPr lang="zh-TW"/>
-              <a:t>CSIE-</a:t>
+              <a:t>. Therefore, with the aid of “CSIE-</a:t>
             </a:r>
             <a:r>
               <a:rPr lang="zh-TW">
@@ -6791,7 +7028,7 @@
               <a:t>”  , newcomers can </a:t>
             </a:r>
             <a:r>
-              <a:rPr b="1" lang="zh-TW"/>
+              <a:rPr lang="zh-TW" b="1"/>
               <a:t>immediately</a:t>
             </a:r>
             <a:r>
@@ -6867,11 +7104,11 @@
 </file>
 
 <file path=ppt/slides/slide4.xml><?xml version="1.0" encoding="utf-8"?>
-<p:sld xmlns:a="http://schemas.openxmlformats.org/drawingml/2006/main" xmlns:r="http://schemas.openxmlformats.org/officeDocument/2006/relationships" xmlns:mc="http://schemas.openxmlformats.org/markup-compatibility/2006" xmlns:mv="urn:schemas-microsoft-com:mac:vml" xmlns:p="http://schemas.openxmlformats.org/presentationml/2006/main" xmlns:c="http://schemas.openxmlformats.org/drawingml/2006/chart" xmlns:dgm="http://schemas.openxmlformats.org/drawingml/2006/diagram" xmlns:o="urn:schemas-microsoft-com:office:office" xmlns:v="urn:schemas-microsoft-com:vml" xmlns:pvml="urn:schemas-microsoft-com:office:powerpoint" xmlns:com="http://schemas.openxmlformats.org/drawingml/2006/compatibility" xmlns:p14="http://schemas.microsoft.com/office/powerpoint/2010/main" xmlns:p15="http://schemas.microsoft.com/office/powerpoint/2012/main">
+<p:sld xmlns:a="http://schemas.openxmlformats.org/drawingml/2006/main" xmlns:r="http://schemas.openxmlformats.org/officeDocument/2006/relationships" xmlns:p="http://schemas.openxmlformats.org/presentationml/2006/main">
   <p:cSld>
     <p:spTree>
       <p:nvGrpSpPr>
-        <p:cNvPr id="75" name="Shape 75"/>
+        <p:cNvPr id="1" name="Shape 75"/>
         <p:cNvGrpSpPr/>
         <p:nvPr/>
       </p:nvGrpSpPr>
@@ -6942,7 +7179,9 @@
       <p:sp>
         <p:nvSpPr>
           <p:cNvPr id="78" name="Google Shape;78;p16"/>
-          <p:cNvSpPr txBox="1"/>
+          <p:cNvSpPr txBox="1">
+            <a:spLocks noGrp="1"/>
+          </p:cNvSpPr>
           <p:nvPr>
             <p:ph type="title"/>
           </p:nvPr>
@@ -6957,12 +7196,12 @@
           </a:prstGeom>
         </p:spPr>
         <p:txBody>
-          <a:bodyPr anchorCtr="0" anchor="t" bIns="91425" lIns="91425" spcFirstLastPara="1" rIns="91425" wrap="square" tIns="91425">
+          <a:bodyPr spcFirstLastPara="1" wrap="square" lIns="91425" tIns="91425" rIns="91425" bIns="91425" anchor="t" anchorCtr="0">
             <a:noAutofit/>
           </a:bodyPr>
           <a:lstStyle/>
           <a:p>
-            <a:pPr indent="0" lvl="0" marL="0" rtl="0" algn="l">
+            <a:pPr marL="0" lvl="0" indent="0" algn="l" rtl="0">
               <a:spcBef>
                 <a:spcPts val="0"/>
               </a:spcBef>
@@ -6982,9 +7221,11 @@
       <p:sp>
         <p:nvSpPr>
           <p:cNvPr id="79" name="Google Shape;79;p16"/>
-          <p:cNvSpPr txBox="1"/>
+          <p:cNvSpPr txBox="1">
+            <a:spLocks noGrp="1"/>
+          </p:cNvSpPr>
           <p:nvPr>
-            <p:ph idx="1" type="body"/>
+            <p:ph type="body" idx="1"/>
           </p:nvPr>
         </p:nvSpPr>
         <p:spPr>
@@ -6997,12 +7238,12 @@
           </a:prstGeom>
         </p:spPr>
         <p:txBody>
-          <a:bodyPr anchorCtr="0" anchor="t" bIns="91425" lIns="91425" spcFirstLastPara="1" rIns="91425" wrap="square" tIns="91425">
+          <a:bodyPr spcFirstLastPara="1" wrap="square" lIns="91425" tIns="91425" rIns="91425" bIns="91425" anchor="t" anchorCtr="0">
             <a:noAutofit/>
           </a:bodyPr>
           <a:lstStyle/>
           <a:p>
-            <a:pPr indent="-342900" lvl="0" marL="457200" rtl="0" algn="l">
+            <a:pPr marL="457200" lvl="0" indent="-342900" algn="l" rtl="0">
               <a:spcBef>
                 <a:spcPts val="0"/>
               </a:spcBef>
@@ -7030,7 +7271,7 @@
             </a:endParaRPr>
           </a:p>
           <a:p>
-            <a:pPr indent="-317500" lvl="1" marL="914400" rtl="0" algn="l">
+            <a:pPr marL="914400" lvl="1" indent="-317500" algn="l" rtl="0">
               <a:spcBef>
                 <a:spcPts val="0"/>
               </a:spcBef>
@@ -7058,7 +7299,7 @@
             </a:endParaRPr>
           </a:p>
           <a:p>
-            <a:pPr indent="-317500" lvl="1" marL="914400" rtl="0" algn="l">
+            <a:pPr marL="914400" lvl="1" indent="-317500" algn="l" rtl="0">
               <a:spcBef>
                 <a:spcPts val="0"/>
               </a:spcBef>
@@ -7086,7 +7327,7 @@
             </a:endParaRPr>
           </a:p>
           <a:p>
-            <a:pPr indent="-317500" lvl="1" marL="914400" rtl="0" algn="l">
+            <a:pPr marL="914400" lvl="1" indent="-317500" algn="l" rtl="0">
               <a:spcBef>
                 <a:spcPts val="0"/>
               </a:spcBef>
@@ -7114,7 +7355,7 @@
             </a:endParaRPr>
           </a:p>
           <a:p>
-            <a:pPr indent="-342900" lvl="0" marL="457200" rtl="0" algn="l">
+            <a:pPr marL="457200" lvl="0" indent="-342900" algn="l" rtl="0">
               <a:spcBef>
                 <a:spcPts val="0"/>
               </a:spcBef>
@@ -7142,7 +7383,7 @@
             </a:endParaRPr>
           </a:p>
           <a:p>
-            <a:pPr indent="-317500" lvl="1" marL="914400" rtl="0" algn="l">
+            <a:pPr marL="914400" lvl="1" indent="-317500" algn="l" rtl="0">
               <a:spcBef>
                 <a:spcPts val="0"/>
               </a:spcBef>
@@ -7170,7 +7411,7 @@
             </a:endParaRPr>
           </a:p>
           <a:p>
-            <a:pPr indent="-317500" lvl="1" marL="914400" rtl="0" algn="l">
+            <a:pPr marL="914400" lvl="1" indent="-317500" algn="l" rtl="0">
               <a:spcBef>
                 <a:spcPts val="0"/>
               </a:spcBef>
@@ -7198,7 +7439,7 @@
             </a:endParaRPr>
           </a:p>
           <a:p>
-            <a:pPr indent="-317500" lvl="2" marL="1371600" rtl="0" algn="l">
+            <a:pPr marL="1371600" lvl="2" indent="-317500" algn="l" rtl="0">
               <a:spcBef>
                 <a:spcPts val="0"/>
               </a:spcBef>
@@ -7226,7 +7467,7 @@
             </a:endParaRPr>
           </a:p>
           <a:p>
-            <a:pPr indent="-317500" lvl="2" marL="1371600" rtl="0" algn="l">
+            <a:pPr marL="1371600" lvl="2" indent="-317500" algn="l" rtl="0">
               <a:spcBef>
                 <a:spcPts val="0"/>
               </a:spcBef>
@@ -7254,7 +7495,7 @@
             </a:endParaRPr>
           </a:p>
           <a:p>
-            <a:pPr indent="-317500" lvl="2" marL="1371600" rtl="0" algn="l">
+            <a:pPr marL="1371600" lvl="2" indent="-317500" algn="l" rtl="0">
               <a:spcBef>
                 <a:spcPts val="0"/>
               </a:spcBef>
@@ -7282,7 +7523,7 @@
             </a:endParaRPr>
           </a:p>
           <a:p>
-            <a:pPr indent="-317500" lvl="2" marL="1371600" rtl="0" algn="l">
+            <a:pPr marL="1371600" lvl="2" indent="-317500" algn="l" rtl="0">
               <a:spcBef>
                 <a:spcPts val="0"/>
               </a:spcBef>
@@ -7310,7 +7551,7 @@
             </a:endParaRPr>
           </a:p>
           <a:p>
-            <a:pPr indent="-342900" lvl="0" marL="457200" rtl="0" algn="l">
+            <a:pPr marL="457200" lvl="0" indent="-342900" algn="l" rtl="0">
               <a:spcBef>
                 <a:spcPts val="0"/>
               </a:spcBef>
@@ -7338,7 +7579,7 @@
             </a:endParaRPr>
           </a:p>
           <a:p>
-            <a:pPr indent="-317500" lvl="1" marL="914400" rtl="0" algn="l">
+            <a:pPr marL="914400" lvl="1" indent="-317500" algn="l" rtl="0">
               <a:spcBef>
                 <a:spcPts val="0"/>
               </a:spcBef>
@@ -7460,11 +7701,155 @@
 </file>
 
 <file path=ppt/slides/slide5.xml><?xml version="1.0" encoding="utf-8"?>
-<p:sld xmlns:a="http://schemas.openxmlformats.org/drawingml/2006/main" xmlns:r="http://schemas.openxmlformats.org/officeDocument/2006/relationships" xmlns:mc="http://schemas.openxmlformats.org/markup-compatibility/2006" xmlns:mv="urn:schemas-microsoft-com:mac:vml" xmlns:p="http://schemas.openxmlformats.org/presentationml/2006/main" xmlns:c="http://schemas.openxmlformats.org/drawingml/2006/chart" xmlns:dgm="http://schemas.openxmlformats.org/drawingml/2006/diagram" xmlns:o="urn:schemas-microsoft-com:office:office" xmlns:v="urn:schemas-microsoft-com:vml" xmlns:pvml="urn:schemas-microsoft-com:office:powerpoint" xmlns:com="http://schemas.openxmlformats.org/drawingml/2006/compatibility" xmlns:p14="http://schemas.microsoft.com/office/powerpoint/2010/main" xmlns:p15="http://schemas.microsoft.com/office/powerpoint/2012/main">
+<p:sld xmlns:a="http://schemas.openxmlformats.org/drawingml/2006/main" xmlns:r="http://schemas.openxmlformats.org/officeDocument/2006/relationships" xmlns:p="http://schemas.openxmlformats.org/presentationml/2006/main">
   <p:cSld>
     <p:spTree>
       <p:nvGrpSpPr>
-        <p:cNvPr id="86" name="Shape 86"/>
+        <p:cNvPr id="1" name=""/>
+        <p:cNvGrpSpPr/>
+        <p:nvPr/>
+      </p:nvGrpSpPr>
+      <p:grpSpPr>
+        <a:xfrm>
+          <a:off x="0" y="0"/>
+          <a:ext cx="0" cy="0"/>
+          <a:chOff x="0" y="0"/>
+          <a:chExt cx="0" cy="0"/>
+        </a:xfrm>
+      </p:grpSpPr>
+      <p:sp>
+        <p:nvSpPr>
+          <p:cNvPr id="2" name="標題 1">
+            <a:extLst>
+              <a:ext uri="{FF2B5EF4-FFF2-40B4-BE49-F238E27FC236}">
+                <a16:creationId xmlns:a16="http://schemas.microsoft.com/office/drawing/2014/main" id="{EA0C1FFD-4F07-2E46-826B-95A38EB3EE12}"/>
+              </a:ext>
+            </a:extLst>
+          </p:cNvPr>
+          <p:cNvSpPr>
+            <a:spLocks noGrp="1"/>
+          </p:cNvSpPr>
+          <p:nvPr>
+            <p:ph type="title"/>
+          </p:nvPr>
+        </p:nvSpPr>
+        <p:spPr/>
+        <p:txBody>
+          <a:bodyPr/>
+          <a:lstStyle/>
+          <a:p>
+            <a:r>
+              <a:rPr kumimoji="1" lang="en-US" altLang="zh-TW" dirty="0"/>
+              <a:t>How</a:t>
+            </a:r>
+            <a:endParaRPr kumimoji="1" lang="zh-TW" altLang="en-US" dirty="0"/>
+          </a:p>
+        </p:txBody>
+      </p:sp>
+      <p:sp>
+        <p:nvSpPr>
+          <p:cNvPr id="3" name="文字版面配置區 2">
+            <a:extLst>
+              <a:ext uri="{FF2B5EF4-FFF2-40B4-BE49-F238E27FC236}">
+                <a16:creationId xmlns:a16="http://schemas.microsoft.com/office/drawing/2014/main" id="{08C72BFF-2FCE-3940-B2E5-3561422B304D}"/>
+              </a:ext>
+            </a:extLst>
+          </p:cNvPr>
+          <p:cNvSpPr>
+            <a:spLocks noGrp="1"/>
+          </p:cNvSpPr>
+          <p:nvPr>
+            <p:ph type="body" idx="1"/>
+          </p:nvPr>
+        </p:nvSpPr>
+        <p:spPr/>
+        <p:txBody>
+          <a:bodyPr/>
+          <a:lstStyle/>
+          <a:p>
+            <a:endParaRPr kumimoji="1" lang="zh-TW" altLang="en-US"/>
+          </a:p>
+        </p:txBody>
+      </p:sp>
+      <p:pic>
+        <p:nvPicPr>
+          <p:cNvPr id="5" name="圖片 4">
+            <a:extLst>
+              <a:ext uri="{FF2B5EF4-FFF2-40B4-BE49-F238E27FC236}">
+                <a16:creationId xmlns:a16="http://schemas.microsoft.com/office/drawing/2014/main" id="{CB0BEF62-1AB9-1B4C-9609-8CBFB247E836}"/>
+              </a:ext>
+            </a:extLst>
+          </p:cNvPr>
+          <p:cNvPicPr>
+            <a:picLocks noChangeAspect="1"/>
+          </p:cNvPicPr>
+          <p:nvPr/>
+        </p:nvPicPr>
+        <p:blipFill>
+          <a:blip r:embed="rId3"/>
+          <a:stretch>
+            <a:fillRect/>
+          </a:stretch>
+        </p:blipFill>
+        <p:spPr>
+          <a:xfrm>
+            <a:off x="2896031" y="235670"/>
+            <a:ext cx="5295861" cy="2978922"/>
+          </a:xfrm>
+          <a:prstGeom prst="rect">
+            <a:avLst/>
+          </a:prstGeom>
+        </p:spPr>
+      </p:pic>
+      <p:pic>
+        <p:nvPicPr>
+          <p:cNvPr id="7" name="圖片 6">
+            <a:extLst>
+              <a:ext uri="{FF2B5EF4-FFF2-40B4-BE49-F238E27FC236}">
+                <a16:creationId xmlns:a16="http://schemas.microsoft.com/office/drawing/2014/main" id="{F8B6921D-FDEA-3C40-82C1-DD4420878547}"/>
+              </a:ext>
+            </a:extLst>
+          </p:cNvPr>
+          <p:cNvPicPr>
+            <a:picLocks noChangeAspect="1"/>
+          </p:cNvPicPr>
+          <p:nvPr/>
+        </p:nvPicPr>
+        <p:blipFill>
+          <a:blip r:embed="rId4"/>
+          <a:stretch>
+            <a:fillRect/>
+          </a:stretch>
+        </p:blipFill>
+        <p:spPr>
+          <a:xfrm>
+            <a:off x="386497" y="2141014"/>
+            <a:ext cx="4807671" cy="2704315"/>
+          </a:xfrm>
+          <a:prstGeom prst="rect">
+            <a:avLst/>
+          </a:prstGeom>
+        </p:spPr>
+      </p:pic>
+    </p:spTree>
+    <p:extLst>
+      <p:ext uri="{BB962C8B-B14F-4D97-AF65-F5344CB8AC3E}">
+        <p14:creationId xmlns:p14="http://schemas.microsoft.com/office/powerpoint/2010/main" val="4046388526"/>
+      </p:ext>
+    </p:extLst>
+  </p:cSld>
+  <p:clrMapOvr>
+    <a:masterClrMapping/>
+  </p:clrMapOvr>
+</p:sld>
+</file>
+
+<file path=ppt/slides/slide6.xml><?xml version="1.0" encoding="utf-8"?>
+<p:sld xmlns:a="http://schemas.openxmlformats.org/drawingml/2006/main" xmlns:r="http://schemas.openxmlformats.org/officeDocument/2006/relationships" xmlns:p="http://schemas.openxmlformats.org/presentationml/2006/main">
+  <p:cSld>
+    <p:spTree>
+      <p:nvGrpSpPr>
+        <p:cNvPr id="1" name="Shape 86"/>
         <p:cNvGrpSpPr/>
         <p:nvPr/>
       </p:nvGrpSpPr>
@@ -7479,7 +7864,9 @@
       <p:sp>
         <p:nvSpPr>
           <p:cNvPr id="87" name="Google Shape;87;p17"/>
-          <p:cNvSpPr txBox="1"/>
+          <p:cNvSpPr txBox="1">
+            <a:spLocks noGrp="1"/>
+          </p:cNvSpPr>
           <p:nvPr>
             <p:ph type="title"/>
           </p:nvPr>
@@ -7494,12 +7881,12 @@
           </a:prstGeom>
         </p:spPr>
         <p:txBody>
-          <a:bodyPr anchorCtr="0" anchor="t" bIns="91425" lIns="91425" spcFirstLastPara="1" rIns="91425" wrap="square" tIns="91425">
+          <a:bodyPr spcFirstLastPara="1" wrap="square" lIns="91425" tIns="91425" rIns="91425" bIns="91425" anchor="t" anchorCtr="0">
             <a:noAutofit/>
           </a:bodyPr>
           <a:lstStyle/>
           <a:p>
-            <a:pPr indent="0" lvl="0" marL="0" rtl="0" algn="l">
+            <a:pPr marL="0" lvl="0" indent="0" algn="l" rtl="0">
               <a:spcBef>
                 <a:spcPts val="0"/>
               </a:spcBef>
@@ -7524,7 +7911,7 @@
         </p:nvGraphicFramePr>
         <p:xfrm>
           <a:off x="311700" y="1047750"/>
-          <a:ext cx="3000000" cy="3000000"/>
+          <a:ext cx="8520600" cy="3818400"/>
         </p:xfrm>
         <a:graphic>
           <a:graphicData uri="http://schemas.openxmlformats.org/drawingml/2006/table">
@@ -7534,8 +7921,20 @@
                 <a:tableStyleId>{57E8B487-9CFA-4BB4-9A92-B180B1C2885D}</a:tableStyleId>
               </a:tblPr>
               <a:tblGrid>
-                <a:gridCol w="1809850"/>
-                <a:gridCol w="6710750"/>
+                <a:gridCol w="1809850">
+                  <a:extLst>
+                    <a:ext uri="{9D8B030D-6E8A-4147-A177-3AD203B41FA5}">
+                      <a16:colId xmlns:a16="http://schemas.microsoft.com/office/drawing/2014/main" val="20000"/>
+                    </a:ext>
+                  </a:extLst>
+                </a:gridCol>
+                <a:gridCol w="6710750">
+                  <a:extLst>
+                    <a:ext uri="{9D8B030D-6E8A-4147-A177-3AD203B41FA5}">
+                      <a16:colId xmlns:a16="http://schemas.microsoft.com/office/drawing/2014/main" val="20001"/>
+                    </a:ext>
+                  </a:extLst>
+                </a:gridCol>
               </a:tblGrid>
               <a:tr h="477300">
                 <a:tc>
@@ -7543,7 +7942,7 @@
                     <a:bodyPr/>
                     <a:lstStyle/>
                     <a:p>
-                      <a:pPr indent="0" lvl="0" marL="0" rtl="0" algn="l">
+                      <a:pPr marL="0" lvl="0" indent="0" algn="l" rtl="0">
                         <a:spcBef>
                           <a:spcPts val="0"/>
                         </a:spcBef>
@@ -7559,14 +7958,14 @@
                       <a:endParaRPr sz="1800"/>
                     </a:p>
                   </a:txBody>
-                  <a:tcPr marT="91425" marB="91425" marR="91425" marL="91425"/>
+                  <a:tcPr marL="91425" marR="91425" marT="91425" marB="91425"/>
                 </a:tc>
                 <a:tc>
                   <a:txBody>
                     <a:bodyPr/>
                     <a:lstStyle/>
                     <a:p>
-                      <a:pPr indent="0" lvl="0" marL="0" rtl="0" algn="l">
+                      <a:pPr marL="0" lvl="0" indent="0" algn="l" rtl="0">
                         <a:spcBef>
                           <a:spcPts val="0"/>
                         </a:spcBef>
@@ -7582,8 +7981,13 @@
                       <a:endParaRPr sz="1800"/>
                     </a:p>
                   </a:txBody>
-                  <a:tcPr marT="91425" marB="91425" marR="91425" marL="91425"/>
+                  <a:tcPr marL="91425" marR="91425" marT="91425" marB="91425"/>
                 </a:tc>
+                <a:extLst>
+                  <a:ext uri="{0D108BD9-81ED-4DB2-BD59-A6C34878D82A}">
+                    <a16:rowId xmlns:a16="http://schemas.microsoft.com/office/drawing/2014/main" val="10000"/>
+                  </a:ext>
+                </a:extLst>
               </a:tr>
               <a:tr h="477300">
                 <a:tc>
@@ -7591,7 +7995,7 @@
                     <a:bodyPr/>
                     <a:lstStyle/>
                     <a:p>
-                      <a:pPr indent="0" lvl="0" marL="0" rtl="0" algn="l">
+                      <a:pPr marL="0" lvl="0" indent="0" algn="l" rtl="0">
                         <a:spcBef>
                           <a:spcPts val="0"/>
                         </a:spcBef>
@@ -7607,14 +8011,14 @@
                       <a:endParaRPr sz="1800"/>
                     </a:p>
                   </a:txBody>
-                  <a:tcPr marT="91425" marB="91425" marR="91425" marL="91425"/>
+                  <a:tcPr marL="91425" marR="91425" marT="91425" marB="91425"/>
                 </a:tc>
                 <a:tc>
                   <a:txBody>
                     <a:bodyPr/>
                     <a:lstStyle/>
                     <a:p>
-                      <a:pPr indent="0" lvl="0" marL="0" rtl="0" algn="l">
+                      <a:pPr marL="0" lvl="0" indent="0" algn="l" rtl="0">
                         <a:spcBef>
                           <a:spcPts val="0"/>
                         </a:spcBef>
@@ -7630,8 +8034,13 @@
                       <a:endParaRPr sz="1800"/>
                     </a:p>
                   </a:txBody>
-                  <a:tcPr marT="91425" marB="91425" marR="91425" marL="91425"/>
+                  <a:tcPr marL="91425" marR="91425" marT="91425" marB="91425"/>
                 </a:tc>
+                <a:extLst>
+                  <a:ext uri="{0D108BD9-81ED-4DB2-BD59-A6C34878D82A}">
+                    <a16:rowId xmlns:a16="http://schemas.microsoft.com/office/drawing/2014/main" val="10001"/>
+                  </a:ext>
+                </a:extLst>
               </a:tr>
               <a:tr h="477300">
                 <a:tc>
@@ -7639,7 +8048,7 @@
                     <a:bodyPr/>
                     <a:lstStyle/>
                     <a:p>
-                      <a:pPr indent="0" lvl="0" marL="0" rtl="0" algn="l">
+                      <a:pPr marL="0" lvl="0" indent="0" algn="l" rtl="0">
                         <a:spcBef>
                           <a:spcPts val="0"/>
                         </a:spcBef>
@@ -7655,14 +8064,14 @@
                       <a:endParaRPr sz="1800"/>
                     </a:p>
                   </a:txBody>
-                  <a:tcPr marT="91425" marB="91425" marR="91425" marL="91425"/>
+                  <a:tcPr marL="91425" marR="91425" marT="91425" marB="91425"/>
                 </a:tc>
                 <a:tc>
                   <a:txBody>
                     <a:bodyPr/>
                     <a:lstStyle/>
                     <a:p>
-                      <a:pPr indent="0" lvl="0" marL="0" rtl="0" algn="l">
+                      <a:pPr marL="0" lvl="0" indent="0" algn="l" rtl="0">
                         <a:spcBef>
                           <a:spcPts val="0"/>
                         </a:spcBef>
@@ -7678,8 +8087,13 @@
                       <a:endParaRPr sz="1800"/>
                     </a:p>
                   </a:txBody>
-                  <a:tcPr marT="91425" marB="91425" marR="91425" marL="91425"/>
+                  <a:tcPr marL="91425" marR="91425" marT="91425" marB="91425"/>
                 </a:tc>
+                <a:extLst>
+                  <a:ext uri="{0D108BD9-81ED-4DB2-BD59-A6C34878D82A}">
+                    <a16:rowId xmlns:a16="http://schemas.microsoft.com/office/drawing/2014/main" val="10002"/>
+                  </a:ext>
+                </a:extLst>
               </a:tr>
               <a:tr h="477300">
                 <a:tc>
@@ -7687,7 +8101,7 @@
                     <a:bodyPr/>
                     <a:lstStyle/>
                     <a:p>
-                      <a:pPr indent="0" lvl="0" marL="0" rtl="0" algn="l">
+                      <a:pPr marL="0" lvl="0" indent="0" algn="l" rtl="0">
                         <a:spcBef>
                           <a:spcPts val="0"/>
                         </a:spcBef>
@@ -7703,14 +8117,14 @@
                       <a:endParaRPr sz="1800"/>
                     </a:p>
                   </a:txBody>
-                  <a:tcPr marT="91425" marB="91425" marR="91425" marL="91425"/>
+                  <a:tcPr marL="91425" marR="91425" marT="91425" marB="91425"/>
                 </a:tc>
                 <a:tc>
                   <a:txBody>
                     <a:bodyPr/>
                     <a:lstStyle/>
                     <a:p>
-                      <a:pPr indent="0" lvl="0" marL="0" rtl="0" algn="l">
+                      <a:pPr marL="0" lvl="0" indent="0" algn="l" rtl="0">
                         <a:spcBef>
                           <a:spcPts val="0"/>
                         </a:spcBef>
@@ -7730,8 +8144,13 @@
                       <a:endParaRPr sz="1800"/>
                     </a:p>
                   </a:txBody>
-                  <a:tcPr marT="91425" marB="91425" marR="91425" marL="91425"/>
+                  <a:tcPr marL="91425" marR="91425" marT="91425" marB="91425"/>
                 </a:tc>
+                <a:extLst>
+                  <a:ext uri="{0D108BD9-81ED-4DB2-BD59-A6C34878D82A}">
+                    <a16:rowId xmlns:a16="http://schemas.microsoft.com/office/drawing/2014/main" val="10003"/>
+                  </a:ext>
+                </a:extLst>
               </a:tr>
               <a:tr h="477300">
                 <a:tc>
@@ -7739,7 +8158,7 @@
                     <a:bodyPr/>
                     <a:lstStyle/>
                     <a:p>
-                      <a:pPr indent="0" lvl="0" marL="0" rtl="0" algn="l">
+                      <a:pPr marL="0" lvl="0" indent="0" algn="l" rtl="0">
                         <a:spcBef>
                           <a:spcPts val="0"/>
                         </a:spcBef>
@@ -7755,14 +8174,14 @@
                       <a:endParaRPr sz="1800"/>
                     </a:p>
                   </a:txBody>
-                  <a:tcPr marT="91425" marB="91425" marR="91425" marL="91425"/>
+                  <a:tcPr marL="91425" marR="91425" marT="91425" marB="91425"/>
                 </a:tc>
                 <a:tc>
                   <a:txBody>
                     <a:bodyPr/>
                     <a:lstStyle/>
                     <a:p>
-                      <a:pPr indent="0" lvl="0" marL="0" rtl="0" algn="l">
+                      <a:pPr marL="0" lvl="0" indent="0" algn="l" rtl="0">
                         <a:spcBef>
                           <a:spcPts val="0"/>
                         </a:spcBef>
@@ -7778,8 +8197,13 @@
                       <a:endParaRPr sz="1800"/>
                     </a:p>
                   </a:txBody>
-                  <a:tcPr marT="91425" marB="91425" marR="91425" marL="91425"/>
+                  <a:tcPr marL="91425" marR="91425" marT="91425" marB="91425"/>
                 </a:tc>
+                <a:extLst>
+                  <a:ext uri="{0D108BD9-81ED-4DB2-BD59-A6C34878D82A}">
+                    <a16:rowId xmlns:a16="http://schemas.microsoft.com/office/drawing/2014/main" val="10004"/>
+                  </a:ext>
+                </a:extLst>
               </a:tr>
               <a:tr h="477300">
                 <a:tc>
@@ -7787,7 +8211,7 @@
                     <a:bodyPr/>
                     <a:lstStyle/>
                     <a:p>
-                      <a:pPr indent="0" lvl="0" marL="0" rtl="0" algn="l">
+                      <a:pPr marL="0" lvl="0" indent="0" algn="l" rtl="0">
                         <a:spcBef>
                           <a:spcPts val="0"/>
                         </a:spcBef>
@@ -7803,14 +8227,14 @@
                       <a:endParaRPr sz="1800"/>
                     </a:p>
                   </a:txBody>
-                  <a:tcPr marT="91425" marB="91425" marR="91425" marL="91425"/>
+                  <a:tcPr marL="91425" marR="91425" marT="91425" marB="91425"/>
                 </a:tc>
                 <a:tc>
                   <a:txBody>
                     <a:bodyPr/>
                     <a:lstStyle/>
                     <a:p>
-                      <a:pPr indent="0" lvl="0" marL="0" rtl="0" algn="l">
+                      <a:pPr marL="0" lvl="0" indent="0" algn="l" rtl="0">
                         <a:spcBef>
                           <a:spcPts val="0"/>
                         </a:spcBef>
@@ -7830,8 +8254,13 @@
                       <a:endParaRPr sz="1800"/>
                     </a:p>
                   </a:txBody>
-                  <a:tcPr marT="91425" marB="91425" marR="91425" marL="91425"/>
+                  <a:tcPr marL="91425" marR="91425" marT="91425" marB="91425"/>
                 </a:tc>
+                <a:extLst>
+                  <a:ext uri="{0D108BD9-81ED-4DB2-BD59-A6C34878D82A}">
+                    <a16:rowId xmlns:a16="http://schemas.microsoft.com/office/drawing/2014/main" val="10005"/>
+                  </a:ext>
+                </a:extLst>
               </a:tr>
               <a:tr h="477300">
                 <a:tc>
@@ -7839,7 +8268,7 @@
                     <a:bodyPr/>
                     <a:lstStyle/>
                     <a:p>
-                      <a:pPr indent="0" lvl="0" marL="0" rtl="0" algn="l">
+                      <a:pPr marL="0" lvl="0" indent="0" algn="l" rtl="0">
                         <a:spcBef>
                           <a:spcPts val="0"/>
                         </a:spcBef>
@@ -7855,14 +8284,14 @@
                       <a:endParaRPr sz="1800"/>
                     </a:p>
                   </a:txBody>
-                  <a:tcPr marT="91425" marB="91425" marR="91425" marL="91425"/>
+                  <a:tcPr marL="91425" marR="91425" marT="91425" marB="91425"/>
                 </a:tc>
                 <a:tc>
                   <a:txBody>
                     <a:bodyPr/>
                     <a:lstStyle/>
                     <a:p>
-                      <a:pPr indent="0" lvl="0" marL="0" rtl="0" algn="l">
+                      <a:pPr marL="0" lvl="0" indent="0" algn="l" rtl="0">
                         <a:spcBef>
                           <a:spcPts val="0"/>
                         </a:spcBef>
@@ -7887,8 +8316,13 @@
                       <a:endParaRPr sz="1800"/>
                     </a:p>
                   </a:txBody>
-                  <a:tcPr marT="91425" marB="91425" marR="91425" marL="91425"/>
+                  <a:tcPr marL="91425" marR="91425" marT="91425" marB="91425"/>
                 </a:tc>
+                <a:extLst>
+                  <a:ext uri="{0D108BD9-81ED-4DB2-BD59-A6C34878D82A}">
+                    <a16:rowId xmlns:a16="http://schemas.microsoft.com/office/drawing/2014/main" val="10006"/>
+                  </a:ext>
+                </a:extLst>
               </a:tr>
               <a:tr h="477300">
                 <a:tc>
@@ -7896,7 +8330,7 @@
                     <a:bodyPr/>
                     <a:lstStyle/>
                     <a:p>
-                      <a:pPr indent="0" lvl="0" marL="0" rtl="0" algn="l">
+                      <a:pPr marL="0" lvl="0" indent="0" algn="l" rtl="0">
                         <a:spcBef>
                           <a:spcPts val="0"/>
                         </a:spcBef>
@@ -7912,14 +8346,14 @@
                       <a:endParaRPr sz="1800"/>
                     </a:p>
                   </a:txBody>
-                  <a:tcPr marT="91425" marB="91425" marR="91425" marL="91425"/>
+                  <a:tcPr marL="91425" marR="91425" marT="91425" marB="91425"/>
                 </a:tc>
                 <a:tc>
                   <a:txBody>
                     <a:bodyPr/>
                     <a:lstStyle/>
                     <a:p>
-                      <a:pPr indent="0" lvl="0" marL="0" rtl="0" algn="l">
+                      <a:pPr marL="0" lvl="0" indent="0" algn="l" rtl="0">
                         <a:spcBef>
                           <a:spcPts val="0"/>
                         </a:spcBef>
@@ -7935,8 +8369,13 @@
                       <a:endParaRPr sz="1800"/>
                     </a:p>
                   </a:txBody>
-                  <a:tcPr marT="91425" marB="91425" marR="91425" marL="91425"/>
+                  <a:tcPr marL="91425" marR="91425" marT="91425" marB="91425"/>
                 </a:tc>
+                <a:extLst>
+                  <a:ext uri="{0D108BD9-81ED-4DB2-BD59-A6C34878D82A}">
+                    <a16:rowId xmlns:a16="http://schemas.microsoft.com/office/drawing/2014/main" val="10007"/>
+                  </a:ext>
+                </a:extLst>
               </a:tr>
             </a:tbl>
           </a:graphicData>
@@ -7950,12 +8389,12 @@
 </p:sld>
 </file>
 
-<file path=ppt/slides/slide6.xml><?xml version="1.0" encoding="utf-8"?>
-<p:sld xmlns:a="http://schemas.openxmlformats.org/drawingml/2006/main" xmlns:r="http://schemas.openxmlformats.org/officeDocument/2006/relationships" xmlns:mc="http://schemas.openxmlformats.org/markup-compatibility/2006" xmlns:mv="urn:schemas-microsoft-com:mac:vml" xmlns:p="http://schemas.openxmlformats.org/presentationml/2006/main" xmlns:c="http://schemas.openxmlformats.org/drawingml/2006/chart" xmlns:dgm="http://schemas.openxmlformats.org/drawingml/2006/diagram" xmlns:o="urn:schemas-microsoft-com:office:office" xmlns:v="urn:schemas-microsoft-com:vml" xmlns:pvml="urn:schemas-microsoft-com:office:powerpoint" xmlns:com="http://schemas.openxmlformats.org/drawingml/2006/compatibility" xmlns:p14="http://schemas.microsoft.com/office/powerpoint/2010/main" xmlns:p15="http://schemas.microsoft.com/office/powerpoint/2012/main">
+<file path=ppt/slides/slide7.xml><?xml version="1.0" encoding="utf-8"?>
+<p:sld xmlns:a="http://schemas.openxmlformats.org/drawingml/2006/main" xmlns:r="http://schemas.openxmlformats.org/officeDocument/2006/relationships" xmlns:p="http://schemas.openxmlformats.org/presentationml/2006/main">
   <p:cSld>
     <p:spTree>
       <p:nvGrpSpPr>
-        <p:cNvPr id="92" name="Shape 92"/>
+        <p:cNvPr id="1" name="Shape 92"/>
         <p:cNvGrpSpPr/>
         <p:nvPr/>
       </p:nvGrpSpPr>
@@ -7970,7 +8409,9 @@
       <p:sp>
         <p:nvSpPr>
           <p:cNvPr id="93" name="Google Shape;93;p18"/>
-          <p:cNvSpPr txBox="1"/>
+          <p:cNvSpPr txBox="1">
+            <a:spLocks noGrp="1"/>
+          </p:cNvSpPr>
           <p:nvPr>
             <p:ph type="title"/>
           </p:nvPr>
@@ -7985,12 +8426,12 @@
           </a:prstGeom>
         </p:spPr>
         <p:txBody>
-          <a:bodyPr anchorCtr="0" anchor="t" bIns="91425" lIns="91425" spcFirstLastPara="1" rIns="91425" wrap="square" tIns="91425">
+          <a:bodyPr spcFirstLastPara="1" wrap="square" lIns="91425" tIns="91425" rIns="91425" bIns="91425" anchor="t" anchorCtr="0">
             <a:noAutofit/>
           </a:bodyPr>
           <a:lstStyle/>
           <a:p>
-            <a:pPr indent="0" lvl="0" marL="0" rtl="0" algn="l">
+            <a:pPr marL="0" lvl="0" indent="0" algn="l" rtl="0">
               <a:spcBef>
                 <a:spcPts val="0"/>
               </a:spcBef>
@@ -8010,9 +8451,11 @@
       <p:sp>
         <p:nvSpPr>
           <p:cNvPr id="94" name="Google Shape;94;p18"/>
-          <p:cNvSpPr txBox="1"/>
+          <p:cNvSpPr txBox="1">
+            <a:spLocks noGrp="1"/>
+          </p:cNvSpPr>
           <p:nvPr>
-            <p:ph idx="1" type="body"/>
+            <p:ph type="body" idx="1"/>
           </p:nvPr>
         </p:nvSpPr>
         <p:spPr>
@@ -8025,12 +8468,12 @@
           </a:prstGeom>
         </p:spPr>
         <p:txBody>
-          <a:bodyPr anchorCtr="0" anchor="t" bIns="91425" lIns="91425" spcFirstLastPara="1" rIns="91425" wrap="square" tIns="91425">
+          <a:bodyPr spcFirstLastPara="1" wrap="square" lIns="91425" tIns="91425" rIns="91425" bIns="91425" anchor="t" anchorCtr="0">
             <a:noAutofit/>
           </a:bodyPr>
           <a:lstStyle/>
           <a:p>
-            <a:pPr indent="0" lvl="0" marL="0" rtl="0" algn="l">
+            <a:pPr marL="0" lvl="0" indent="0" algn="l" rtl="0">
               <a:lnSpc>
                 <a:spcPct val="100000"/>
               </a:lnSpc>
@@ -8044,16 +8487,12 @@
             </a:pPr>
             <a:r>
               <a:rPr lang="zh-TW"/>
-              <a:t>施</a:t>
-            </a:r>
-            <a:r>
-              <a:rPr lang="zh-TW"/>
-              <a:t>承志：study topics mentioned, write codes </a:t>
+              <a:t>施承志：study topics mentioned, write codes </a:t>
             </a:r>
             <a:endParaRPr/>
           </a:p>
           <a:p>
-            <a:pPr indent="0" lvl="0" marL="0" rtl="0" algn="l">
+            <a:pPr marL="0" lvl="0" indent="0" algn="l" rtl="0">
               <a:lnSpc>
                 <a:spcPct val="100000"/>
               </a:lnSpc>
@@ -8072,7 +8511,7 @@
             <a:endParaRPr/>
           </a:p>
           <a:p>
-            <a:pPr indent="0" lvl="0" marL="0" rtl="0" algn="l">
+            <a:pPr marL="0" lvl="0" indent="0" algn="l" rtl="0">
               <a:lnSpc>
                 <a:spcPct val="100000"/>
               </a:lnSpc>
@@ -8105,12 +8544,12 @@
 </p:sld>
 </file>
 
-<file path=ppt/slides/slide7.xml><?xml version="1.0" encoding="utf-8"?>
-<p:sld xmlns:a="http://schemas.openxmlformats.org/drawingml/2006/main" xmlns:r="http://schemas.openxmlformats.org/officeDocument/2006/relationships" xmlns:mc="http://schemas.openxmlformats.org/markup-compatibility/2006" xmlns:mv="urn:schemas-microsoft-com:mac:vml" xmlns:p="http://schemas.openxmlformats.org/presentationml/2006/main" xmlns:c="http://schemas.openxmlformats.org/drawingml/2006/chart" xmlns:dgm="http://schemas.openxmlformats.org/drawingml/2006/diagram" xmlns:o="urn:schemas-microsoft-com:office:office" xmlns:v="urn:schemas-microsoft-com:vml" xmlns:pvml="urn:schemas-microsoft-com:office:powerpoint" xmlns:com="http://schemas.openxmlformats.org/drawingml/2006/compatibility" xmlns:p14="http://schemas.microsoft.com/office/powerpoint/2010/main" xmlns:p15="http://schemas.microsoft.com/office/powerpoint/2012/main">
+<file path=ppt/slides/slide8.xml><?xml version="1.0" encoding="utf-8"?>
+<p:sld xmlns:a="http://schemas.openxmlformats.org/drawingml/2006/main" xmlns:r="http://schemas.openxmlformats.org/officeDocument/2006/relationships" xmlns:p="http://schemas.openxmlformats.org/presentationml/2006/main">
   <p:cSld>
     <p:spTree>
       <p:nvGrpSpPr>
-        <p:cNvPr id="98" name="Shape 98"/>
+        <p:cNvPr id="1" name="Shape 98"/>
         <p:cNvGrpSpPr/>
         <p:nvPr/>
       </p:nvGrpSpPr>
@@ -8142,12 +8581,12 @@
           </a:ln>
         </p:spPr>
         <p:txBody>
-          <a:bodyPr anchorCtr="0" anchor="t" bIns="91425" lIns="91425" spcFirstLastPara="1" rIns="91425" wrap="square" tIns="91425">
+          <a:bodyPr spcFirstLastPara="1" wrap="square" lIns="91425" tIns="91425" rIns="91425" bIns="91425" anchor="t" anchorCtr="0">
             <a:noAutofit/>
           </a:bodyPr>
           <a:lstStyle/>
           <a:p>
-            <a:pPr indent="0" lvl="0" marL="0" rtl="0" algn="ctr">
+            <a:pPr marL="0" lvl="0" indent="0" algn="ctr" rtl="0">
               <a:spcBef>
                 <a:spcPts val="0"/>
               </a:spcBef>
@@ -8173,7 +8612,7 @@
 </file>
 
 <file path=ppt/theme/theme1.xml><?xml version="1.0" encoding="utf-8"?>
-<a:theme xmlns:a="http://schemas.openxmlformats.org/drawingml/2006/main" xmlns:r="http://schemas.openxmlformats.org/officeDocument/2006/relationships" name="Simple Light">
+<a:theme xmlns:a="http://schemas.openxmlformats.org/drawingml/2006/main" name="Simple Light">
   <a:themeElements>
     <a:clrScheme name="Simple Light">
       <a:dk1>
@@ -8448,11 +8887,13 @@
       </a:bgFillStyleLst>
     </a:fmtScheme>
   </a:themeElements>
+  <a:objectDefaults/>
+  <a:extraClrSchemeLst/>
 </a:theme>
 </file>
 
 <file path=ppt/theme/theme2.xml><?xml version="1.0" encoding="utf-8"?>
-<a:theme xmlns:a="http://schemas.openxmlformats.org/drawingml/2006/main" xmlns:r="http://schemas.openxmlformats.org/officeDocument/2006/relationships">
+<a:theme xmlns:a="http://schemas.openxmlformats.org/drawingml/2006/main">
   <a:themeElements>
     <a:clrScheme name="Default">
       <a:dk1>
@@ -8727,5 +9168,7 @@
       </a:bgFillStyleLst>
     </a:fmtScheme>
   </a:themeElements>
+  <a:objectDefaults/>
+  <a:extraClrSchemeLst/>
 </a:theme>
 </file>